--- a/DQN/dqn_slides.pptx
+++ b/DQN/dqn_slides.pptx
@@ -11,8 +11,8 @@
     <p:sldId id="256" r:id="rId2"/>
     <p:sldId id="273" r:id="rId3"/>
     <p:sldId id="274" r:id="rId4"/>
-    <p:sldId id="276" r:id="rId5"/>
-    <p:sldId id="275" r:id="rId6"/>
+    <p:sldId id="275" r:id="rId5"/>
+    <p:sldId id="276" r:id="rId6"/>
     <p:sldId id="277" r:id="rId7"/>
     <p:sldId id="278" r:id="rId8"/>
   </p:sldIdLst>
@@ -626,29 +626,28 @@
           <a:lstStyle/>
           <a:p>
             <a:r>
-              <a:rPr lang="en-GB" dirty="0"/>
-              <a:t>Q(</a:t>
-            </a:r>
-            <a:r>
-              <a:rPr lang="en-GB" dirty="0" err="1"/>
-              <a:t>s,a</a:t>
-            </a:r>
-            <a:r>
-              <a:rPr lang="en-GB" dirty="0"/>
-              <a:t>)</a:t>
-            </a:r>
-          </a:p>
-          <a:p>
-            <a:r>
-              <a:rPr lang="en-GB" dirty="0"/>
-              <a:t>Bellman Equation</a:t>
-            </a:r>
-          </a:p>
-          <a:p>
-            <a:r>
-              <a:rPr lang="en-GB" dirty="0"/>
-              <a:t>Q-Learning</a:t>
-            </a:r>
+              <a:rPr lang="en-GB" dirty="0" smtClean="0"/>
+              <a:t>Because it is impossible to fully</a:t>
+            </a:r>
+            <a:r>
+              <a:rPr lang="en-GB" baseline="0" dirty="0" smtClean="0"/>
+              <a:t> </a:t>
+            </a:r>
+            <a:r>
+              <a:rPr lang="en-GB" dirty="0" smtClean="0"/>
+              <a:t>understand</a:t>
+            </a:r>
+            <a:r>
+              <a:rPr lang="en-GB" baseline="0" dirty="0" smtClean="0"/>
+              <a:t> current situation from only the current screen. </a:t>
+            </a:r>
+          </a:p>
+          <a:p>
+            <a:r>
+              <a:rPr lang="en-GB" baseline="0" dirty="0" smtClean="0"/>
+              <a:t>(Not sure of direction or speed …etc.)</a:t>
+            </a:r>
+            <a:endParaRPr lang="en-GB" dirty="0"/>
           </a:p>
         </p:txBody>
       </p:sp>
@@ -659,7 +658,7 @@
             <a:spLocks noGrp="1"/>
           </p:cNvSpPr>
           <p:nvPr>
-            <p:ph type="sldNum" sz="quarter" idx="5"/>
+            <p:ph type="sldNum" sz="quarter" idx="10"/>
           </p:nvPr>
         </p:nvSpPr>
         <p:spPr/>
@@ -678,7 +677,247 @@
     </p:spTree>
     <p:extLst>
       <p:ext uri="{BB962C8B-B14F-4D97-AF65-F5344CB8AC3E}">
+        <p14:creationId xmlns:p14="http://schemas.microsoft.com/office/powerpoint/2010/main" val="2218533258"/>
+      </p:ext>
+    </p:extLst>
+  </p:cSld>
+  <p:clrMapOvr>
+    <a:masterClrMapping/>
+  </p:clrMapOvr>
+</p:notes>
+</file>
+
+<file path=ppt/notesSlides/notesSlide3.xml><?xml version="1.0" encoding="utf-8"?>
+<p:notes xmlns:a="http://schemas.openxmlformats.org/drawingml/2006/main" xmlns:r="http://schemas.openxmlformats.org/officeDocument/2006/relationships" xmlns:p="http://schemas.openxmlformats.org/presentationml/2006/main">
+  <p:cSld>
+    <p:spTree>
+      <p:nvGrpSpPr>
+        <p:cNvPr id="1" name=""/>
+        <p:cNvGrpSpPr/>
+        <p:nvPr/>
+      </p:nvGrpSpPr>
+      <p:grpSpPr>
+        <a:xfrm>
+          <a:off x="0" y="0"/>
+          <a:ext cx="0" cy="0"/>
+          <a:chOff x="0" y="0"/>
+          <a:chExt cx="0" cy="0"/>
+        </a:xfrm>
+      </p:grpSpPr>
+      <p:sp>
+        <p:nvSpPr>
+          <p:cNvPr id="2" name="Slide Image Placeholder 1"/>
+          <p:cNvSpPr>
+            <a:spLocks noGrp="1" noRot="1" noChangeAspect="1"/>
+          </p:cNvSpPr>
+          <p:nvPr>
+            <p:ph type="sldImg"/>
+          </p:nvPr>
+        </p:nvSpPr>
+        <p:spPr/>
+      </p:sp>
+      <p:sp>
+        <p:nvSpPr>
+          <p:cNvPr id="3" name="Notes Placeholder 2"/>
+          <p:cNvSpPr>
+            <a:spLocks noGrp="1"/>
+          </p:cNvSpPr>
+          <p:nvPr>
+            <p:ph type="body" idx="1"/>
+          </p:nvPr>
+        </p:nvSpPr>
+        <p:spPr/>
+        <p:txBody>
+          <a:bodyPr/>
+          <a:lstStyle/>
+          <a:p>
+            <a:r>
+              <a:rPr lang="en-GB" dirty="0"/>
+              <a:t>Q(</a:t>
+            </a:r>
+            <a:r>
+              <a:rPr lang="en-GB" dirty="0" err="1"/>
+              <a:t>s,a</a:t>
+            </a:r>
+            <a:r>
+              <a:rPr lang="en-GB" dirty="0"/>
+              <a:t>)</a:t>
+            </a:r>
+          </a:p>
+          <a:p>
+            <a:r>
+              <a:rPr lang="en-GB" dirty="0"/>
+              <a:t>Bellman Equation</a:t>
+            </a:r>
+          </a:p>
+          <a:p>
+            <a:r>
+              <a:rPr lang="en-GB" dirty="0" smtClean="0"/>
+              <a:t>Q-Learning</a:t>
+            </a:r>
+          </a:p>
+          <a:p>
+            <a:endParaRPr lang="en-GB" dirty="0" smtClean="0"/>
+          </a:p>
+          <a:p>
+            <a:r>
+              <a:rPr lang="en-GB" dirty="0" smtClean="0"/>
+              <a:t>Replace</a:t>
+            </a:r>
+            <a:r>
+              <a:rPr lang="en-GB" baseline="0" dirty="0" smtClean="0"/>
+              <a:t> value iteration with non-linear function approximator (NN). </a:t>
+            </a:r>
+            <a:r>
+              <a:rPr lang="en-GB" dirty="0" smtClean="0"/>
+              <a:t>Theta are parameters (weights) of network</a:t>
+            </a:r>
+            <a:endParaRPr lang="en-GB" dirty="0"/>
+          </a:p>
+        </p:txBody>
+      </p:sp>
+      <p:sp>
+        <p:nvSpPr>
+          <p:cNvPr id="4" name="Slide Number Placeholder 3"/>
+          <p:cNvSpPr>
+            <a:spLocks noGrp="1"/>
+          </p:cNvSpPr>
+          <p:nvPr>
+            <p:ph type="sldNum" sz="quarter" idx="5"/>
+          </p:nvPr>
+        </p:nvSpPr>
+        <p:spPr/>
+        <p:txBody>
+          <a:bodyPr/>
+          <a:lstStyle/>
+          <a:p>
+            <a:fld id="{5EB41D8C-D68C-4D87-9D56-7F243B38E3DB}" type="slidenum">
+              <a:rPr lang="en-GB" smtClean="0"/>
+              <a:t>5</a:t>
+            </a:fld>
+            <a:endParaRPr lang="en-GB"/>
+          </a:p>
+        </p:txBody>
+      </p:sp>
+    </p:spTree>
+    <p:extLst>
+      <p:ext uri="{BB962C8B-B14F-4D97-AF65-F5344CB8AC3E}">
         <p14:creationId xmlns:p14="http://schemas.microsoft.com/office/powerpoint/2010/main" val="466605227"/>
+      </p:ext>
+    </p:extLst>
+  </p:cSld>
+  <p:clrMapOvr>
+    <a:masterClrMapping/>
+  </p:clrMapOvr>
+</p:notes>
+</file>
+
+<file path=ppt/notesSlides/notesSlide4.xml><?xml version="1.0" encoding="utf-8"?>
+<p:notes xmlns:a="http://schemas.openxmlformats.org/drawingml/2006/main" xmlns:r="http://schemas.openxmlformats.org/officeDocument/2006/relationships" xmlns:p="http://schemas.openxmlformats.org/presentationml/2006/main">
+  <p:cSld>
+    <p:spTree>
+      <p:nvGrpSpPr>
+        <p:cNvPr id="1" name=""/>
+        <p:cNvGrpSpPr/>
+        <p:nvPr/>
+      </p:nvGrpSpPr>
+      <p:grpSpPr>
+        <a:xfrm>
+          <a:off x="0" y="0"/>
+          <a:ext cx="0" cy="0"/>
+          <a:chOff x="0" y="0"/>
+          <a:chExt cx="0" cy="0"/>
+        </a:xfrm>
+      </p:grpSpPr>
+      <p:sp>
+        <p:nvSpPr>
+          <p:cNvPr id="2" name="Slide Image Placeholder 1"/>
+          <p:cNvSpPr>
+            <a:spLocks noGrp="1" noRot="1" noChangeAspect="1"/>
+          </p:cNvSpPr>
+          <p:nvPr>
+            <p:ph type="sldImg"/>
+          </p:nvPr>
+        </p:nvSpPr>
+        <p:spPr/>
+      </p:sp>
+      <p:sp>
+        <p:nvSpPr>
+          <p:cNvPr id="3" name="Notes Placeholder 2"/>
+          <p:cNvSpPr>
+            <a:spLocks noGrp="1"/>
+          </p:cNvSpPr>
+          <p:nvPr>
+            <p:ph type="body" idx="1"/>
+          </p:nvPr>
+        </p:nvSpPr>
+        <p:spPr/>
+        <p:txBody>
+          <a:bodyPr/>
+          <a:lstStyle/>
+          <a:p>
+            <a:r>
+              <a:rPr lang="en-GB" dirty="0" smtClean="0"/>
+              <a:t>Deep </a:t>
+            </a:r>
+            <a:r>
+              <a:rPr lang="en-GB" dirty="0" err="1" smtClean="0"/>
+              <a:t>nn</a:t>
+            </a:r>
+            <a:r>
+              <a:rPr lang="en-GB" dirty="0" smtClean="0"/>
+              <a:t> can extract features to learn better representations that can be achieved through handcrafting features.</a:t>
+            </a:r>
+          </a:p>
+          <a:p>
+            <a:r>
+              <a:rPr lang="en-GB" dirty="0" smtClean="0"/>
+              <a:t>TD-Gammon</a:t>
+            </a:r>
+            <a:r>
+              <a:rPr lang="en-GB" baseline="0" dirty="0" smtClean="0"/>
+              <a:t> architecture is some inspiration because it used NN to estimate Value function.</a:t>
+            </a:r>
+          </a:p>
+          <a:p>
+            <a:endParaRPr lang="en-GB" baseline="0" dirty="0" smtClean="0"/>
+          </a:p>
+          <a:p>
+            <a:r>
+              <a:rPr lang="en-GB" baseline="0" dirty="0" smtClean="0"/>
+              <a:t>Authors use Experience Replay</a:t>
+            </a:r>
+            <a:endParaRPr lang="en-GB" dirty="0"/>
+          </a:p>
+        </p:txBody>
+      </p:sp>
+      <p:sp>
+        <p:nvSpPr>
+          <p:cNvPr id="4" name="Slide Number Placeholder 3"/>
+          <p:cNvSpPr>
+            <a:spLocks noGrp="1"/>
+          </p:cNvSpPr>
+          <p:nvPr>
+            <p:ph type="sldNum" sz="quarter" idx="10"/>
+          </p:nvPr>
+        </p:nvSpPr>
+        <p:spPr/>
+        <p:txBody>
+          <a:bodyPr/>
+          <a:lstStyle/>
+          <a:p>
+            <a:fld id="{5EB41D8C-D68C-4D87-9D56-7F243B38E3DB}" type="slidenum">
+              <a:rPr lang="en-GB" smtClean="0"/>
+              <a:t>6</a:t>
+            </a:fld>
+            <a:endParaRPr lang="en-GB"/>
+          </a:p>
+        </p:txBody>
+      </p:sp>
+    </p:spTree>
+    <p:extLst>
+      <p:ext uri="{BB962C8B-B14F-4D97-AF65-F5344CB8AC3E}">
+        <p14:creationId xmlns:p14="http://schemas.microsoft.com/office/powerpoint/2010/main" val="2912321775"/>
       </p:ext>
     </p:extLst>
   </p:cSld>
@@ -4241,8 +4480,13 @@
             </a:pPr>
             <a:r>
               <a:rPr lang="en-GB" sz="3600" dirty="0"/>
-              <a:t>Atari 2600 – RL Testbed</a:t>
-            </a:r>
+              <a:t>Atari 2600 </a:t>
+            </a:r>
+            <a:r>
+              <a:rPr lang="en-GB" sz="3600" dirty="0" smtClean="0"/>
+              <a:t>Testbed</a:t>
+            </a:r>
+            <a:endParaRPr lang="en-GB" sz="3600" dirty="0"/>
           </a:p>
           <a:p>
             <a:pPr marL="285750" indent="-285750">
@@ -4254,24 +4498,9 @@
             </a:pPr>
             <a:r>
               <a:rPr lang="en-GB" sz="3600" dirty="0"/>
-              <a:t>Action-Value Function [</a:t>
-            </a:r>
-            <a:r>
-              <a:rPr lang="en-GB" sz="3600" b="1" i="1" dirty="0"/>
-              <a:t>Q(</a:t>
-            </a:r>
-            <a:r>
-              <a:rPr lang="en-GB" sz="3600" b="1" i="1" dirty="0" err="1"/>
-              <a:t>s,a</a:t>
-            </a:r>
-            <a:r>
-              <a:rPr lang="en-GB" sz="3600" b="1" i="1" dirty="0"/>
-              <a:t>)</a:t>
-            </a:r>
-            <a:r>
-              <a:rPr lang="en-GB" sz="3600" dirty="0"/>
-              <a:t>]</a:t>
-            </a:r>
+              <a:t>Action-Value Function </a:t>
+            </a:r>
+            <a:endParaRPr lang="en-GB" sz="3600" dirty="0" smtClean="0"/>
           </a:p>
           <a:p>
             <a:pPr marL="285750" indent="-285750">
@@ -4282,8 +4511,12 @@
               <a:buChar char="•"/>
             </a:pPr>
             <a:r>
+              <a:rPr lang="en-GB" sz="3600" dirty="0" smtClean="0"/>
+              <a:t>Deep </a:t>
+            </a:r>
+            <a:r>
               <a:rPr lang="en-GB" sz="3600" dirty="0"/>
-              <a:t>Deep Reinforcement Learning (DQN)</a:t>
+              <a:t>Reinforcement Learning (DQN)</a:t>
             </a:r>
           </a:p>
           <a:p>
@@ -4347,12 +4580,413 @@
           <a:chExt cx="0" cy="0"/>
         </a:xfrm>
       </p:grpSpPr>
-      <p:sp>
-        <p:nvSpPr>
-          <p:cNvPr id="2" name="Title 1">
-            <a:extLst>
-              <a:ext uri="{FF2B5EF4-FFF2-40B4-BE49-F238E27FC236}">
-                <a16:creationId xmlns:a16="http://schemas.microsoft.com/office/drawing/2014/main" id="{6E5FB878-10F8-4B79-9169-0D13E9806B08}"/>
+      <mc:AlternateContent xmlns:mc="http://schemas.openxmlformats.org/markup-compatibility/2006">
+        <mc:Choice xmlns:a14="http://schemas.microsoft.com/office/drawing/2010/main" Requires="a14">
+          <p:sp>
+            <p:nvSpPr>
+              <p:cNvPr id="3" name="Content Placeholder 2">
+                <a:extLst>
+                  <a:ext uri="{FF2B5EF4-FFF2-40B4-BE49-F238E27FC236}">
+                    <a16:creationId xmlns:a16="http://schemas.microsoft.com/office/drawing/2014/main" id="{EC6EC60F-8D75-429B-917D-31E913CB658B}"/>
+                  </a:ext>
+                </a:extLst>
+              </p:cNvPr>
+              <p:cNvSpPr>
+                <a:spLocks noGrp="1"/>
+              </p:cNvSpPr>
+              <p:nvPr>
+                <p:ph idx="1"/>
+              </p:nvPr>
+            </p:nvSpPr>
+            <p:spPr>
+              <a:xfrm>
+                <a:off x="838199" y="1690688"/>
+                <a:ext cx="10696075" cy="3040554"/>
+              </a:xfrm>
+            </p:spPr>
+            <p:txBody>
+              <a:bodyPr>
+                <a:normAutofit/>
+              </a:bodyPr>
+              <a:lstStyle/>
+              <a:p>
+                <a:r>
+                  <a:rPr lang="en-GB" dirty="0" smtClean="0"/>
+                  <a:t>Model for RL typically Markov Decision Process (MDP)</a:t>
+                </a:r>
+              </a:p>
+              <a:p>
+                <a:r>
+                  <a:rPr lang="en-GB" dirty="0" smtClean="0"/>
+                  <a:t>Policy </a:t>
+                </a:r>
+                <a14:m>
+                  <m:oMath xmlns:m="http://schemas.openxmlformats.org/officeDocument/2006/math">
+                    <m:r>
+                      <a:rPr lang="en-GB" i="1" smtClean="0">
+                        <a:latin typeface="Cambria Math" panose="02040503050406030204" pitchFamily="18" charset="0"/>
+                        <a:ea typeface="Cambria Math" panose="02040503050406030204" pitchFamily="18" charset="0"/>
+                      </a:rPr>
+                      <m:t>𝜋</m:t>
+                    </m:r>
+                    <m:r>
+                      <a:rPr lang="en-GB" b="0" i="1" smtClean="0">
+                        <a:latin typeface="Cambria Math" panose="02040503050406030204" pitchFamily="18" charset="0"/>
+                        <a:ea typeface="Cambria Math" panose="02040503050406030204" pitchFamily="18" charset="0"/>
+                      </a:rPr>
+                      <m:t>(</m:t>
+                    </m:r>
+                    <m:sSub>
+                      <m:sSubPr>
+                        <m:ctrlPr>
+                          <a:rPr lang="en-GB" b="0" i="1" smtClean="0">
+                            <a:latin typeface="Cambria Math" panose="02040503050406030204" pitchFamily="18" charset="0"/>
+                            <a:ea typeface="Cambria Math" panose="02040503050406030204" pitchFamily="18" charset="0"/>
+                          </a:rPr>
+                        </m:ctrlPr>
+                      </m:sSubPr>
+                      <m:e>
+                        <m:r>
+                          <a:rPr lang="en-GB" b="0" i="1" smtClean="0">
+                            <a:latin typeface="Cambria Math" panose="02040503050406030204" pitchFamily="18" charset="0"/>
+                            <a:ea typeface="Cambria Math" panose="02040503050406030204" pitchFamily="18" charset="0"/>
+                          </a:rPr>
+                          <m:t>𝑠</m:t>
+                        </m:r>
+                      </m:e>
+                      <m:sub>
+                        <m:r>
+                          <a:rPr lang="en-GB" b="0" i="1" smtClean="0">
+                            <a:latin typeface="Cambria Math" panose="02040503050406030204" pitchFamily="18" charset="0"/>
+                            <a:ea typeface="Cambria Math" panose="02040503050406030204" pitchFamily="18" charset="0"/>
+                          </a:rPr>
+                          <m:t>𝑡</m:t>
+                        </m:r>
+                      </m:sub>
+                    </m:sSub>
+                    <m:r>
+                      <a:rPr lang="en-GB" b="0" i="1" smtClean="0">
+                        <a:latin typeface="Cambria Math" panose="02040503050406030204" pitchFamily="18" charset="0"/>
+                        <a:ea typeface="Cambria Math" panose="02040503050406030204" pitchFamily="18" charset="0"/>
+                      </a:rPr>
+                      <m:t>)</m:t>
+                    </m:r>
+                  </m:oMath>
+                </a14:m>
+                <a:r>
+                  <a:rPr lang="en-GB" dirty="0" smtClean="0"/>
+                  <a:t> maps states to actions</a:t>
+                </a:r>
+              </a:p>
+              <a:p>
+                <a:r>
+                  <a:rPr lang="en-GB" dirty="0" smtClean="0"/>
+                  <a:t>State transitions return immediate rewards </a:t>
+                </a:r>
+                <a14:m>
+                  <m:oMath xmlns:m="http://schemas.openxmlformats.org/officeDocument/2006/math">
+                    <m:sSub>
+                      <m:sSubPr>
+                        <m:ctrlPr>
+                          <a:rPr lang="en-GB" i="1" smtClean="0">
+                            <a:latin typeface="Cambria Math" panose="02040503050406030204" pitchFamily="18" charset="0"/>
+                          </a:rPr>
+                        </m:ctrlPr>
+                      </m:sSubPr>
+                      <m:e>
+                        <m:r>
+                          <a:rPr lang="en-GB" b="0" i="1" smtClean="0">
+                            <a:latin typeface="Cambria Math" panose="02040503050406030204" pitchFamily="18" charset="0"/>
+                          </a:rPr>
+                          <m:t>𝑟</m:t>
+                        </m:r>
+                      </m:e>
+                      <m:sub>
+                        <m:r>
+                          <a:rPr lang="en-GB" b="0" i="1" smtClean="0">
+                            <a:latin typeface="Cambria Math" panose="02040503050406030204" pitchFamily="18" charset="0"/>
+                          </a:rPr>
+                          <m:t>𝑡</m:t>
+                        </m:r>
+                      </m:sub>
+                    </m:sSub>
+                  </m:oMath>
+                </a14:m>
+                <a:endParaRPr lang="en-GB" dirty="0" smtClean="0"/>
+              </a:p>
+              <a:p>
+                <a:r>
+                  <a:rPr lang="en-GB" dirty="0" smtClean="0"/>
+                  <a:t>Goal of RL is to either:</a:t>
+                </a:r>
+              </a:p>
+              <a:p>
+                <a:pPr lvl="1"/>
+                <a:r>
+                  <a:rPr lang="en-GB" dirty="0" smtClean="0"/>
+                  <a:t>Learn a Policy </a:t>
+                </a:r>
+                <a14:m>
+                  <m:oMath xmlns:m="http://schemas.openxmlformats.org/officeDocument/2006/math">
+                    <m:sSup>
+                      <m:sSupPr>
+                        <m:ctrlPr>
+                          <a:rPr lang="en-GB" i="1" smtClean="0">
+                            <a:latin typeface="Cambria Math" panose="02040503050406030204" pitchFamily="18" charset="0"/>
+                          </a:rPr>
+                        </m:ctrlPr>
+                      </m:sSupPr>
+                      <m:e>
+                        <m:r>
+                          <a:rPr lang="en-GB" i="1" smtClean="0">
+                            <a:latin typeface="Cambria Math" panose="02040503050406030204" pitchFamily="18" charset="0"/>
+                            <a:ea typeface="Cambria Math" panose="02040503050406030204" pitchFamily="18" charset="0"/>
+                          </a:rPr>
+                          <m:t>𝜋</m:t>
+                        </m:r>
+                      </m:e>
+                      <m:sup>
+                        <m:r>
+                          <a:rPr lang="en-GB" b="0" i="1" smtClean="0">
+                            <a:latin typeface="Cambria Math" panose="02040503050406030204" pitchFamily="18" charset="0"/>
+                          </a:rPr>
+                          <m:t>∗</m:t>
+                        </m:r>
+                      </m:sup>
+                    </m:sSup>
+                  </m:oMath>
+                </a14:m>
+                <a:r>
+                  <a:rPr lang="en-GB" dirty="0" smtClean="0"/>
+                  <a:t> that maximises expected return</a:t>
+                </a:r>
+              </a:p>
+              <a:p>
+                <a:pPr lvl="1"/>
+                <a:r>
+                  <a:rPr lang="en-GB" dirty="0" smtClean="0"/>
+                  <a:t>Learn the optimal Value </a:t>
+                </a:r>
+                <a14:m>
+                  <m:oMath xmlns:m="http://schemas.openxmlformats.org/officeDocument/2006/math">
+                    <m:sSup>
+                      <m:sSupPr>
+                        <m:ctrlPr>
+                          <a:rPr lang="en-GB" i="1" smtClean="0">
+                            <a:latin typeface="Cambria Math" panose="02040503050406030204" pitchFamily="18" charset="0"/>
+                          </a:rPr>
+                        </m:ctrlPr>
+                      </m:sSupPr>
+                      <m:e>
+                        <m:r>
+                          <a:rPr lang="en-GB" b="0" i="1" smtClean="0">
+                            <a:latin typeface="Cambria Math" panose="02040503050406030204" pitchFamily="18" charset="0"/>
+                          </a:rPr>
+                          <m:t>𝑉</m:t>
+                        </m:r>
+                      </m:e>
+                      <m:sup>
+                        <m:r>
+                          <a:rPr lang="en-GB" b="0" i="1" smtClean="0">
+                            <a:latin typeface="Cambria Math" panose="02040503050406030204" pitchFamily="18" charset="0"/>
+                          </a:rPr>
+                          <m:t>∗</m:t>
+                        </m:r>
+                      </m:sup>
+                    </m:sSup>
+                    <m:r>
+                      <a:rPr lang="en-GB" b="0" i="1" smtClean="0">
+                        <a:latin typeface="Cambria Math" panose="02040503050406030204" pitchFamily="18" charset="0"/>
+                      </a:rPr>
+                      <m:t>(</m:t>
+                    </m:r>
+                    <m:r>
+                      <a:rPr lang="en-GB" b="0" i="1" smtClean="0">
+                        <a:latin typeface="Cambria Math" panose="02040503050406030204" pitchFamily="18" charset="0"/>
+                      </a:rPr>
+                      <m:t>𝑠</m:t>
+                    </m:r>
+                    <m:r>
+                      <a:rPr lang="en-GB" b="0" i="1" smtClean="0">
+                        <a:latin typeface="Cambria Math" panose="02040503050406030204" pitchFamily="18" charset="0"/>
+                      </a:rPr>
+                      <m:t>)</m:t>
+                    </m:r>
+                  </m:oMath>
+                </a14:m>
+                <a:r>
+                  <a:rPr lang="en-GB" dirty="0" smtClean="0"/>
+                  <a:t> or </a:t>
+                </a:r>
+                <a:r>
+                  <a:rPr lang="en-GB" b="1" dirty="0" smtClean="0"/>
+                  <a:t>Action-Value </a:t>
+                </a:r>
+                <a14:m>
+                  <m:oMath xmlns:m="http://schemas.openxmlformats.org/officeDocument/2006/math">
+                    <m:sSup>
+                      <m:sSupPr>
+                        <m:ctrlPr>
+                          <a:rPr lang="en-GB" b="1" i="1" smtClean="0">
+                            <a:latin typeface="Cambria Math" panose="02040503050406030204" pitchFamily="18" charset="0"/>
+                          </a:rPr>
+                        </m:ctrlPr>
+                      </m:sSupPr>
+                      <m:e>
+                        <m:r>
+                          <a:rPr lang="en-GB" b="1" i="1" smtClean="0">
+                            <a:latin typeface="Cambria Math" panose="02040503050406030204" pitchFamily="18" charset="0"/>
+                          </a:rPr>
+                          <m:t>𝑸</m:t>
+                        </m:r>
+                      </m:e>
+                      <m:sup>
+                        <m:r>
+                          <a:rPr lang="en-GB" b="1" i="1" smtClean="0">
+                            <a:latin typeface="Cambria Math" panose="02040503050406030204" pitchFamily="18" charset="0"/>
+                          </a:rPr>
+                          <m:t>∗</m:t>
+                        </m:r>
+                      </m:sup>
+                    </m:sSup>
+                    <m:r>
+                      <a:rPr lang="en-GB" b="1" i="1" smtClean="0">
+                        <a:latin typeface="Cambria Math" panose="02040503050406030204" pitchFamily="18" charset="0"/>
+                      </a:rPr>
+                      <m:t>(</m:t>
+                    </m:r>
+                    <m:r>
+                      <a:rPr lang="en-GB" b="1" i="1" smtClean="0">
+                        <a:latin typeface="Cambria Math" panose="02040503050406030204" pitchFamily="18" charset="0"/>
+                      </a:rPr>
+                      <m:t>𝒔</m:t>
+                    </m:r>
+                    <m:r>
+                      <a:rPr lang="en-GB" b="1" i="1" smtClean="0">
+                        <a:latin typeface="Cambria Math" panose="02040503050406030204" pitchFamily="18" charset="0"/>
+                      </a:rPr>
+                      <m:t>,</m:t>
+                    </m:r>
+                    <m:r>
+                      <a:rPr lang="en-GB" b="1" i="1" smtClean="0">
+                        <a:latin typeface="Cambria Math" panose="02040503050406030204" pitchFamily="18" charset="0"/>
+                      </a:rPr>
+                      <m:t>𝒂</m:t>
+                    </m:r>
+                    <m:r>
+                      <a:rPr lang="en-GB" b="1" i="1" smtClean="0">
+                        <a:latin typeface="Cambria Math" panose="02040503050406030204" pitchFamily="18" charset="0"/>
+                      </a:rPr>
+                      <m:t>)</m:t>
+                    </m:r>
+                  </m:oMath>
+                </a14:m>
+                <a:r>
+                  <a:rPr lang="en-GB" b="1" dirty="0" smtClean="0"/>
+                  <a:t> </a:t>
+                </a:r>
+                <a:r>
+                  <a:rPr lang="en-GB" dirty="0" smtClean="0"/>
+                  <a:t>function for each state</a:t>
+                </a:r>
+              </a:p>
+              <a:p>
+                <a:endParaRPr lang="en-GB" dirty="0"/>
+              </a:p>
+            </p:txBody>
+          </p:sp>
+        </mc:Choice>
+        <mc:Fallback>
+          <p:sp>
+            <p:nvSpPr>
+              <p:cNvPr id="3" name="Content Placeholder 2">
+                <a:extLst>
+                  <a:ext uri="{FF2B5EF4-FFF2-40B4-BE49-F238E27FC236}">
+                    <a16:creationId xmlns:a16="http://schemas.microsoft.com/office/drawing/2014/main" id="{EC6EC60F-8D75-429B-917D-31E913CB658B}"/>
+                  </a:ext>
+                </a:extLst>
+              </p:cNvPr>
+              <p:cNvSpPr>
+                <a:spLocks noGrp="1" noRot="1" noChangeAspect="1" noMove="1" noResize="1" noEditPoints="1" noAdjustHandles="1" noChangeArrowheads="1" noChangeShapeType="1" noTextEdit="1"/>
+              </p:cNvSpPr>
+              <p:nvPr>
+                <p:ph idx="1"/>
+              </p:nvPr>
+            </p:nvSpPr>
+            <p:spPr>
+              <a:xfrm>
+                <a:off x="838199" y="1690688"/>
+                <a:ext cx="10696075" cy="3040554"/>
+              </a:xfrm>
+              <a:blipFill>
+                <a:blip r:embed="rId4"/>
+                <a:stretch>
+                  <a:fillRect l="-969" t="-3206" r="-228"/>
+                </a:stretch>
+              </a:blipFill>
+            </p:spPr>
+            <p:txBody>
+              <a:bodyPr/>
+              <a:lstStyle/>
+              <a:p>
+                <a:r>
+                  <a:rPr lang="en-GB">
+                    <a:noFill/>
+                  </a:rPr>
+                  <a:t> </a:t>
+                </a:r>
+              </a:p>
+            </p:txBody>
+          </p:sp>
+        </mc:Fallback>
+      </mc:AlternateContent>
+      <p:pic>
+        <p:nvPicPr>
+          <p:cNvPr id="1026" name="Picture 2" descr="../_images/rl_diagram_transparent_bg.png"/>
+          <p:cNvPicPr>
+            <a:picLocks noChangeAspect="1" noChangeArrowheads="1"/>
+          </p:cNvPicPr>
+          <p:nvPr/>
+        </p:nvPicPr>
+        <p:blipFill>
+          <a:blip r:embed="rId5">
+            <a:extLst>
+              <a:ext uri="{28A0092B-C50C-407E-A947-70E740481C1C}">
+                <a14:useLocalDpi xmlns:a14="http://schemas.microsoft.com/office/drawing/2010/main" val="0"/>
+              </a:ext>
+            </a:extLst>
+          </a:blip>
+          <a:srcRect/>
+          <a:stretch>
+            <a:fillRect/>
+          </a:stretch>
+        </p:blipFill>
+        <p:spPr bwMode="auto">
+          <a:xfrm>
+            <a:off x="6961702" y="4731242"/>
+            <a:ext cx="5429250" cy="1905000"/>
+          </a:xfrm>
+          <a:prstGeom prst="rect">
+            <a:avLst/>
+          </a:prstGeom>
+          <a:noFill/>
+          <a:extLst>
+            <a:ext uri="{909E8E84-426E-40DD-AFC4-6F175D3DCCD1}">
+              <a14:hiddenFill xmlns:a14="http://schemas.microsoft.com/office/drawing/2010/main">
+                <a:solidFill>
+                  <a:srgbClr val="FFFFFF"/>
+                </a:solidFill>
+              </a14:hiddenFill>
+            </a:ext>
+          </a:extLst>
+        </p:spPr>
+      </p:pic>
+      <p:sp>
+        <p:nvSpPr>
+          <p:cNvPr id="8" name="Title 1">
+            <a:extLst>
+              <a:ext uri="{FF2B5EF4-FFF2-40B4-BE49-F238E27FC236}">
+                <a16:creationId xmlns:a16="http://schemas.microsoft.com/office/drawing/2014/main" id="{FDA8299C-2733-4A9B-82F9-50F7DF9FF9BA}"/>
               </a:ext>
             </a:extLst>
           </p:cNvPr>
@@ -4363,40 +4997,41 @@
             <p:ph type="title"/>
           </p:nvPr>
         </p:nvSpPr>
-        <p:spPr/>
-        <p:txBody>
-          <a:bodyPr/>
-          <a:lstStyle/>
-          <a:p>
-            <a:r>
-              <a:rPr lang="en-GB" dirty="0"/>
+        <p:spPr>
+          <a:xfrm>
+            <a:off x="356937" y="365125"/>
+            <a:ext cx="8883316" cy="1325563"/>
+          </a:xfrm>
+        </p:spPr>
+        <p:txBody>
+          <a:bodyPr>
+            <a:normAutofit/>
+          </a:bodyPr>
+          <a:lstStyle/>
+          <a:p>
+            <a:r>
+              <a:rPr lang="en-GB" dirty="0" smtClean="0">
+                <a:ln w="0"/>
+                <a:effectLst>
+                  <a:outerShdw blurRad="38100" dist="19050" dir="2700000" algn="tl" rotWithShape="0">
+                    <a:schemeClr val="dk1">
+                      <a:alpha val="40000"/>
+                    </a:schemeClr>
+                  </a:outerShdw>
+                </a:effectLst>
+              </a:rPr>
               <a:t>The Reinforcement Learning Problem</a:t>
             </a:r>
-          </a:p>
-        </p:txBody>
-      </p:sp>
-      <p:sp>
-        <p:nvSpPr>
-          <p:cNvPr id="3" name="Content Placeholder 2">
-            <a:extLst>
-              <a:ext uri="{FF2B5EF4-FFF2-40B4-BE49-F238E27FC236}">
-                <a16:creationId xmlns:a16="http://schemas.microsoft.com/office/drawing/2014/main" id="{EC6EC60F-8D75-429B-917D-31E913CB658B}"/>
-              </a:ext>
-            </a:extLst>
-          </p:cNvPr>
-          <p:cNvSpPr>
-            <a:spLocks noGrp="1"/>
-          </p:cNvSpPr>
-          <p:nvPr>
-            <p:ph idx="1"/>
-          </p:nvPr>
-        </p:nvSpPr>
-        <p:spPr/>
-        <p:txBody>
-          <a:bodyPr/>
-          <a:lstStyle/>
-          <a:p>
-            <a:endParaRPr lang="en-GB" dirty="0"/>
+            <a:endParaRPr lang="en-GB" dirty="0">
+              <a:ln w="0"/>
+              <a:effectLst>
+                <a:outerShdw blurRad="38100" dist="19050" dir="2700000" algn="tl" rotWithShape="0">
+                  <a:schemeClr val="dk1">
+                    <a:alpha val="40000"/>
+                  </a:schemeClr>
+                </a:outerShdw>
+              </a:effectLst>
+            </a:endParaRPr>
           </a:p>
         </p:txBody>
       </p:sp>
@@ -4438,7 +5073,7 @@
           <p:cNvPr id="2" name="Title 1">
             <a:extLst>
               <a:ext uri="{FF2B5EF4-FFF2-40B4-BE49-F238E27FC236}">
-                <a16:creationId xmlns:a16="http://schemas.microsoft.com/office/drawing/2014/main" id="{B6B5E07B-077D-4D70-A059-45265C1FFE2F}"/>
+                <a16:creationId xmlns:a16="http://schemas.microsoft.com/office/drawing/2014/main" id="{A627D497-BB34-448B-8B04-646327A2AEE4}"/>
               </a:ext>
             </a:extLst>
           </p:cNvPr>
@@ -4449,40 +5084,221 @@
             <p:ph type="title"/>
           </p:nvPr>
         </p:nvSpPr>
-        <p:spPr/>
+        <p:spPr>
+          <a:xfrm>
+            <a:off x="1086852" y="780971"/>
+            <a:ext cx="9877926" cy="789907"/>
+          </a:xfrm>
+        </p:spPr>
         <p:txBody>
           <a:bodyPr/>
           <a:lstStyle/>
           <a:p>
             <a:r>
-              <a:rPr lang="en-GB" dirty="0"/>
-              <a:t>Action-Value Function</a:t>
-            </a:r>
-          </a:p>
-        </p:txBody>
-      </p:sp>
-      <p:sp>
-        <p:nvSpPr>
-          <p:cNvPr id="3" name="Content Placeholder 2">
-            <a:extLst>
-              <a:ext uri="{FF2B5EF4-FFF2-40B4-BE49-F238E27FC236}">
-                <a16:creationId xmlns:a16="http://schemas.microsoft.com/office/drawing/2014/main" id="{44E12D8C-F437-4A20-9144-C039DF42CD7B}"/>
-              </a:ext>
-            </a:extLst>
-          </p:cNvPr>
-          <p:cNvSpPr>
-            <a:spLocks noGrp="1"/>
-          </p:cNvSpPr>
-          <p:nvPr>
-            <p:ph idx="1"/>
-          </p:nvPr>
-        </p:nvSpPr>
-        <p:spPr/>
-        <p:txBody>
-          <a:bodyPr/>
-          <a:lstStyle/>
-          <a:p>
-            <a:endParaRPr lang="en-GB"/>
+              <a:rPr lang="en-GB" dirty="0">
+                <a:ln w="0"/>
+                <a:effectLst>
+                  <a:outerShdw blurRad="38100" dist="19050" dir="2700000" algn="tl" rotWithShape="0">
+                    <a:schemeClr val="dk1">
+                      <a:alpha val="40000"/>
+                    </a:schemeClr>
+                  </a:outerShdw>
+                </a:effectLst>
+              </a:rPr>
+              <a:t>Atari </a:t>
+            </a:r>
+            <a:r>
+              <a:rPr lang="en-GB" dirty="0" smtClean="0">
+                <a:ln w="0"/>
+                <a:effectLst>
+                  <a:outerShdw blurRad="38100" dist="19050" dir="2700000" algn="tl" rotWithShape="0">
+                    <a:schemeClr val="dk1">
+                      <a:alpha val="40000"/>
+                    </a:schemeClr>
+                  </a:outerShdw>
+                </a:effectLst>
+              </a:rPr>
+              <a:t>2600 in Arcade Learning </a:t>
+            </a:r>
+            <a:r>
+              <a:rPr lang="en-GB" dirty="0">
+                <a:ln w="0"/>
+                <a:effectLst>
+                  <a:outerShdw blurRad="38100" dist="19050" dir="2700000" algn="tl" rotWithShape="0">
+                    <a:schemeClr val="dk1">
+                      <a:alpha val="40000"/>
+                    </a:schemeClr>
+                  </a:outerShdw>
+                </a:effectLst>
+              </a:rPr>
+              <a:t>Environment</a:t>
+            </a:r>
+          </a:p>
+        </p:txBody>
+      </p:sp>
+      <p:grpSp>
+        <p:nvGrpSpPr>
+          <p:cNvPr id="7" name="Group 6"/>
+          <p:cNvGrpSpPr/>
+          <p:nvPr/>
+        </p:nvGrpSpPr>
+        <p:grpSpPr>
+          <a:xfrm>
+            <a:off x="996615" y="3946098"/>
+            <a:ext cx="10058400" cy="2005888"/>
+            <a:chOff x="1295400" y="4892581"/>
+            <a:chExt cx="10058400" cy="2005888"/>
+          </a:xfrm>
+        </p:grpSpPr>
+        <p:pic>
+          <p:nvPicPr>
+            <p:cNvPr id="4" name="Picture 3"/>
+            <p:cNvPicPr>
+              <a:picLocks noChangeAspect="1"/>
+            </p:cNvPicPr>
+            <p:nvPr/>
+          </p:nvPicPr>
+          <p:blipFill rotWithShape="1">
+            <a:blip r:embed="rId4">
+              <a:clrChange>
+                <a:clrFrom>
+                  <a:srgbClr val="FFFFFF"/>
+                </a:clrFrom>
+                <a:clrTo>
+                  <a:srgbClr val="FFFFFF">
+                    <a:alpha val="0"/>
+                  </a:srgbClr>
+                </a:clrTo>
+              </a:clrChange>
+              <a:extLst>
+                <a:ext uri="{28A0092B-C50C-407E-A947-70E740481C1C}">
+                  <a14:useLocalDpi xmlns:a14="http://schemas.microsoft.com/office/drawing/2010/main" val="0"/>
+                </a:ext>
+              </a:extLst>
+            </a:blip>
+            <a:srcRect b="41543"/>
+            <a:stretch/>
+          </p:blipFill>
+          <p:spPr>
+            <a:xfrm>
+              <a:off x="1295400" y="4892581"/>
+              <a:ext cx="10058400" cy="1636556"/>
+            </a:xfrm>
+            <a:prstGeom prst="rect">
+              <a:avLst/>
+            </a:prstGeom>
+          </p:spPr>
+        </p:pic>
+        <p:sp>
+          <p:nvSpPr>
+            <p:cNvPr id="5" name="TextBox 4"/>
+            <p:cNvSpPr txBox="1"/>
+            <p:nvPr/>
+          </p:nvSpPr>
+          <p:spPr>
+            <a:xfrm>
+              <a:off x="2887579" y="6529137"/>
+              <a:ext cx="7170821" cy="369332"/>
+            </a:xfrm>
+            <a:prstGeom prst="rect">
+              <a:avLst/>
+            </a:prstGeom>
+            <a:noFill/>
+          </p:spPr>
+          <p:txBody>
+            <a:bodyPr wrap="square" rtlCol="0">
+              <a:spAutoFit/>
+            </a:bodyPr>
+            <a:lstStyle/>
+            <a:p>
+              <a:r>
+                <a:rPr lang="en-GB" b="1" dirty="0" smtClean="0"/>
+                <a:t>Five Atari Games: Pong, Breakout, Space Invaders, </a:t>
+              </a:r>
+              <a:r>
+                <a:rPr lang="en-GB" b="1" dirty="0" err="1" smtClean="0"/>
+                <a:t>Seaquest</a:t>
+              </a:r>
+              <a:r>
+                <a:rPr lang="en-GB" b="1" dirty="0" smtClean="0"/>
+                <a:t>, Beam Rider</a:t>
+              </a:r>
+              <a:endParaRPr lang="en-GB" b="1" dirty="0"/>
+            </a:p>
+          </p:txBody>
+        </p:sp>
+      </p:grpSp>
+      <p:sp>
+        <p:nvSpPr>
+          <p:cNvPr id="6" name="TextBox 5"/>
+          <p:cNvSpPr txBox="1"/>
+          <p:nvPr/>
+        </p:nvSpPr>
+        <p:spPr>
+          <a:xfrm>
+            <a:off x="2120060" y="2158323"/>
+            <a:ext cx="8405063" cy="1354217"/>
+          </a:xfrm>
+          <a:prstGeom prst="rect">
+            <a:avLst/>
+          </a:prstGeom>
+          <a:noFill/>
+        </p:spPr>
+        <p:txBody>
+          <a:bodyPr wrap="square" rtlCol="0">
+            <a:spAutoFit/>
+          </a:bodyPr>
+          <a:lstStyle/>
+          <a:p>
+            <a:pPr marL="342900" indent="-342900">
+              <a:spcAft>
+                <a:spcPts val="600"/>
+              </a:spcAft>
+              <a:buFont typeface="Arial" panose="020B0604020202020204" pitchFamily="34" charset="0"/>
+              <a:buChar char="•"/>
+            </a:pPr>
+            <a:r>
+              <a:rPr lang="en-GB" sz="2400" dirty="0" smtClean="0"/>
+              <a:t>Challenging testbed for RL &amp; interesting </a:t>
+            </a:r>
+            <a:r>
+              <a:rPr lang="en-GB" sz="2400" dirty="0"/>
+              <a:t>set of </a:t>
+            </a:r>
+            <a:r>
+              <a:rPr lang="en-GB" sz="2400" dirty="0" smtClean="0"/>
+              <a:t>tasks</a:t>
+            </a:r>
+          </a:p>
+          <a:p>
+            <a:pPr marL="342900" indent="-342900">
+              <a:spcAft>
+                <a:spcPts val="600"/>
+              </a:spcAft>
+              <a:buFont typeface="Arial" panose="020B0604020202020204" pitchFamily="34" charset="0"/>
+              <a:buChar char="•"/>
+            </a:pPr>
+            <a:r>
+              <a:rPr lang="en-GB" sz="2400" dirty="0" smtClean="0"/>
+              <a:t>High Dimensional Visual Input (210x160 RGB @ 60Hz)</a:t>
+            </a:r>
+          </a:p>
+          <a:p>
+            <a:pPr marL="342900" indent="-342900">
+              <a:spcAft>
+                <a:spcPts val="600"/>
+              </a:spcAft>
+              <a:buFont typeface="Arial" panose="020B0604020202020204" pitchFamily="34" charset="0"/>
+              <a:buChar char="•"/>
+            </a:pPr>
+            <a:r>
+              <a:rPr lang="en-GB" sz="2400" i="1" dirty="0" smtClean="0"/>
+              <a:t>Note</a:t>
+            </a:r>
+            <a:r>
+              <a:rPr lang="en-GB" sz="2400" dirty="0" smtClean="0"/>
+              <a:t>: Each state is sequence of actions &amp; observations</a:t>
+            </a:r>
           </a:p>
         </p:txBody>
       </p:sp>
@@ -4492,7 +5308,7 @@
     </p:custDataLst>
     <p:extLst>
       <p:ext uri="{BB962C8B-B14F-4D97-AF65-F5344CB8AC3E}">
-        <p14:creationId xmlns:p14="http://schemas.microsoft.com/office/powerpoint/2010/main" val="1839679113"/>
+        <p14:creationId xmlns:p14="http://schemas.microsoft.com/office/powerpoint/2010/main" val="1537420287"/>
       </p:ext>
     </p:extLst>
   </p:cSld>
@@ -4524,7 +5340,7 @@
           <p:cNvPr id="2" name="Title 1">
             <a:extLst>
               <a:ext uri="{FF2B5EF4-FFF2-40B4-BE49-F238E27FC236}">
-                <a16:creationId xmlns:a16="http://schemas.microsoft.com/office/drawing/2014/main" id="{A627D497-BB34-448B-8B04-646327A2AEE4}"/>
+                <a16:creationId xmlns:a16="http://schemas.microsoft.com/office/drawing/2014/main" id="{B6B5E07B-077D-4D70-A059-45265C1FFE2F}"/>
               </a:ext>
             </a:extLst>
           </p:cNvPr>
@@ -4535,50 +5351,415 @@
             <p:ph type="title"/>
           </p:nvPr>
         </p:nvSpPr>
-        <p:spPr/>
+        <p:spPr>
+          <a:xfrm>
+            <a:off x="613611" y="509505"/>
+            <a:ext cx="3108157" cy="741780"/>
+          </a:xfrm>
+        </p:spPr>
         <p:txBody>
           <a:bodyPr/>
           <a:lstStyle/>
           <a:p>
             <a:r>
-              <a:rPr lang="en-GB" dirty="0"/>
-              <a:t>Atari Learning Environment</a:t>
-            </a:r>
-          </a:p>
-        </p:txBody>
-      </p:sp>
-      <p:sp>
-        <p:nvSpPr>
-          <p:cNvPr id="3" name="Content Placeholder 2">
-            <a:extLst>
-              <a:ext uri="{FF2B5EF4-FFF2-40B4-BE49-F238E27FC236}">
-                <a16:creationId xmlns:a16="http://schemas.microsoft.com/office/drawing/2014/main" id="{74F638F9-959D-4942-8F75-3A05734437A6}"/>
-              </a:ext>
-            </a:extLst>
-          </p:cNvPr>
-          <p:cNvSpPr>
-            <a:spLocks noGrp="1"/>
-          </p:cNvSpPr>
-          <p:nvPr>
-            <p:ph idx="1"/>
-          </p:nvPr>
-        </p:nvSpPr>
-        <p:spPr/>
-        <p:txBody>
-          <a:bodyPr/>
-          <a:lstStyle/>
-          <a:p>
-            <a:endParaRPr lang="en-GB"/>
-          </a:p>
-        </p:txBody>
-      </p:sp>
+              <a:rPr lang="en-GB" dirty="0" smtClean="0">
+                <a:ln w="0"/>
+                <a:effectLst>
+                  <a:outerShdw blurRad="38100" dist="19050" dir="2700000" algn="tl" rotWithShape="0">
+                    <a:schemeClr val="dk1">
+                      <a:alpha val="40000"/>
+                    </a:schemeClr>
+                  </a:outerShdw>
+                </a:effectLst>
+              </a:rPr>
+              <a:t>Q-Network</a:t>
+            </a:r>
+            <a:endParaRPr lang="en-GB" dirty="0">
+              <a:ln w="0"/>
+              <a:effectLst>
+                <a:outerShdw blurRad="38100" dist="19050" dir="2700000" algn="tl" rotWithShape="0">
+                  <a:schemeClr val="dk1">
+                    <a:alpha val="40000"/>
+                  </a:schemeClr>
+                </a:outerShdw>
+              </a:effectLst>
+            </a:endParaRPr>
+          </a:p>
+        </p:txBody>
+      </p:sp>
+      <p:pic>
+        <p:nvPicPr>
+          <p:cNvPr id="4" name="Picture 3"/>
+          <p:cNvPicPr>
+            <a:picLocks noChangeAspect="1"/>
+          </p:cNvPicPr>
+          <p:nvPr/>
+        </p:nvPicPr>
+        <p:blipFill>
+          <a:blip r:embed="rId4">
+            <a:clrChange>
+              <a:clrFrom>
+                <a:srgbClr val="FFFFFF"/>
+              </a:clrFrom>
+              <a:clrTo>
+                <a:srgbClr val="FFFFFF">
+                  <a:alpha val="0"/>
+                </a:srgbClr>
+              </a:clrTo>
+            </a:clrChange>
+            <a:extLst>
+              <a:ext uri="{28A0092B-C50C-407E-A947-70E740481C1C}">
+                <a14:useLocalDpi xmlns:a14="http://schemas.microsoft.com/office/drawing/2010/main" val="0"/>
+              </a:ext>
+            </a:extLst>
+          </a:blip>
+          <a:stretch>
+            <a:fillRect/>
+          </a:stretch>
+        </p:blipFill>
+        <p:spPr>
+          <a:xfrm>
+            <a:off x="1343082" y="1804620"/>
+            <a:ext cx="9955014" cy="1676634"/>
+          </a:xfrm>
+          <a:prstGeom prst="rect">
+            <a:avLst/>
+          </a:prstGeom>
+        </p:spPr>
+      </p:pic>
+      <mc:AlternateContent xmlns:mc="http://schemas.openxmlformats.org/markup-compatibility/2006">
+        <mc:Choice xmlns:a14="http://schemas.microsoft.com/office/drawing/2010/main" Requires="a14">
+          <p:sp>
+            <p:nvSpPr>
+              <p:cNvPr id="6" name="Rectangle 5"/>
+              <p:cNvSpPr/>
+              <p:nvPr/>
+            </p:nvSpPr>
+            <p:spPr>
+              <a:xfrm>
+                <a:off x="1579033" y="3158087"/>
+                <a:ext cx="4741556" cy="724101"/>
+              </a:xfrm>
+              <a:prstGeom prst="rect">
+                <a:avLst/>
+              </a:prstGeom>
+            </p:spPr>
+            <p:txBody>
+              <a:bodyPr wrap="square">
+                <a:spAutoFit/>
+              </a:bodyPr>
+              <a:lstStyle/>
+              <a:p>
+                <a14:m>
+                  <m:oMathPara xmlns:m="http://schemas.openxmlformats.org/officeDocument/2006/math">
+                    <m:oMathParaPr>
+                      <m:jc m:val="centerGroup"/>
+                    </m:oMathParaPr>
+                    <m:oMath xmlns:m="http://schemas.openxmlformats.org/officeDocument/2006/math">
+                      <m:sSup>
+                        <m:sSupPr>
+                          <m:ctrlPr>
+                            <a:rPr lang="en-GB" sz="4000" i="1">
+                              <a:latin typeface="Cambria Math" panose="02040503050406030204" pitchFamily="18" charset="0"/>
+                              <a:ea typeface="Cambria Math" panose="02040503050406030204" pitchFamily="18" charset="0"/>
+                            </a:rPr>
+                          </m:ctrlPr>
+                        </m:sSupPr>
+                        <m:e>
+                          <m:r>
+                            <a:rPr lang="en-GB" sz="4000" i="1">
+                              <a:latin typeface="Cambria Math" panose="02040503050406030204" pitchFamily="18" charset="0"/>
+                              <a:ea typeface="Cambria Math" panose="02040503050406030204" pitchFamily="18" charset="0"/>
+                            </a:rPr>
+                            <m:t>𝑄</m:t>
+                          </m:r>
+                        </m:e>
+                        <m:sup>
+                          <m:r>
+                            <a:rPr lang="en-GB" sz="4000" i="1">
+                              <a:latin typeface="Cambria Math" panose="02040503050406030204" pitchFamily="18" charset="0"/>
+                              <a:ea typeface="Cambria Math" panose="02040503050406030204" pitchFamily="18" charset="0"/>
+                            </a:rPr>
+                            <m:t>∗</m:t>
+                          </m:r>
+                        </m:sup>
+                      </m:sSup>
+                      <m:r>
+                        <a:rPr lang="en-GB" sz="4000" i="1">
+                          <a:latin typeface="Cambria Math" panose="02040503050406030204" pitchFamily="18" charset="0"/>
+                          <a:ea typeface="Cambria Math" panose="02040503050406030204" pitchFamily="18" charset="0"/>
+                        </a:rPr>
+                        <m:t>(</m:t>
+                      </m:r>
+                      <m:r>
+                        <a:rPr lang="en-GB" sz="4000" i="1">
+                          <a:latin typeface="Cambria Math" panose="02040503050406030204" pitchFamily="18" charset="0"/>
+                          <a:ea typeface="Cambria Math" panose="02040503050406030204" pitchFamily="18" charset="0"/>
+                        </a:rPr>
+                        <m:t>𝑠</m:t>
+                      </m:r>
+                      <m:r>
+                        <a:rPr lang="en-GB" sz="4000" i="1">
+                          <a:latin typeface="Cambria Math" panose="02040503050406030204" pitchFamily="18" charset="0"/>
+                          <a:ea typeface="Cambria Math" panose="02040503050406030204" pitchFamily="18" charset="0"/>
+                        </a:rPr>
+                        <m:t>,</m:t>
+                      </m:r>
+                      <m:r>
+                        <a:rPr lang="en-GB" sz="4000" i="1">
+                          <a:latin typeface="Cambria Math" panose="02040503050406030204" pitchFamily="18" charset="0"/>
+                          <a:ea typeface="Cambria Math" panose="02040503050406030204" pitchFamily="18" charset="0"/>
+                        </a:rPr>
+                        <m:t>𝑎</m:t>
+                      </m:r>
+                      <m:r>
+                        <a:rPr lang="en-GB" sz="4000" i="1">
+                          <a:latin typeface="Cambria Math" panose="02040503050406030204" pitchFamily="18" charset="0"/>
+                          <a:ea typeface="Cambria Math" panose="02040503050406030204" pitchFamily="18" charset="0"/>
+                        </a:rPr>
+                        <m:t>)≈</m:t>
+                      </m:r>
+                      <m:r>
+                        <a:rPr lang="en-GB" sz="4000" i="1">
+                          <a:latin typeface="Cambria Math" panose="02040503050406030204" pitchFamily="18" charset="0"/>
+                        </a:rPr>
+                        <m:t>𝑄</m:t>
+                      </m:r>
+                      <m:r>
+                        <a:rPr lang="en-GB" sz="4000" i="1">
+                          <a:latin typeface="Cambria Math" panose="02040503050406030204" pitchFamily="18" charset="0"/>
+                        </a:rPr>
+                        <m:t>(</m:t>
+                      </m:r>
+                      <m:r>
+                        <a:rPr lang="en-GB" sz="4000" i="1">
+                          <a:latin typeface="Cambria Math" panose="02040503050406030204" pitchFamily="18" charset="0"/>
+                        </a:rPr>
+                        <m:t>𝑠</m:t>
+                      </m:r>
+                      <m:r>
+                        <a:rPr lang="en-GB" sz="4000" i="1">
+                          <a:latin typeface="Cambria Math" panose="02040503050406030204" pitchFamily="18" charset="0"/>
+                        </a:rPr>
+                        <m:t>,</m:t>
+                      </m:r>
+                      <m:r>
+                        <a:rPr lang="en-GB" sz="4000" i="1">
+                          <a:latin typeface="Cambria Math" panose="02040503050406030204" pitchFamily="18" charset="0"/>
+                        </a:rPr>
+                        <m:t>𝑎</m:t>
+                      </m:r>
+                      <m:r>
+                        <a:rPr lang="en-GB" sz="4000" i="1">
+                          <a:latin typeface="Cambria Math" panose="02040503050406030204" pitchFamily="18" charset="0"/>
+                        </a:rPr>
+                        <m:t>;</m:t>
+                      </m:r>
+                      <m:r>
+                        <a:rPr lang="en-GB" sz="4000" i="1">
+                          <a:latin typeface="Cambria Math" panose="02040503050406030204" pitchFamily="18" charset="0"/>
+                          <a:ea typeface="Cambria Math" panose="02040503050406030204" pitchFamily="18" charset="0"/>
+                        </a:rPr>
+                        <m:t>𝜃</m:t>
+                      </m:r>
+                      <m:r>
+                        <a:rPr lang="en-GB" sz="4000" i="1">
+                          <a:latin typeface="Cambria Math" panose="02040503050406030204" pitchFamily="18" charset="0"/>
+                          <a:ea typeface="Cambria Math" panose="02040503050406030204" pitchFamily="18" charset="0"/>
+                        </a:rPr>
+                        <m:t>)</m:t>
+                      </m:r>
+                    </m:oMath>
+                  </m:oMathPara>
+                </a14:m>
+                <a:endParaRPr lang="en-GB" sz="4000" dirty="0"/>
+              </a:p>
+            </p:txBody>
+          </p:sp>
+        </mc:Choice>
+        <mc:Fallback>
+          <p:sp>
+            <p:nvSpPr>
+              <p:cNvPr id="6" name="Rectangle 5"/>
+              <p:cNvSpPr>
+                <a:spLocks noRot="1" noChangeAspect="1" noMove="1" noResize="1" noEditPoints="1" noAdjustHandles="1" noChangeArrowheads="1" noChangeShapeType="1" noTextEdit="1"/>
+              </p:cNvSpPr>
+              <p:nvPr/>
+            </p:nvSpPr>
+            <p:spPr>
+              <a:xfrm>
+                <a:off x="1579033" y="3158087"/>
+                <a:ext cx="4741556" cy="724101"/>
+              </a:xfrm>
+              <a:prstGeom prst="rect">
+                <a:avLst/>
+              </a:prstGeom>
+              <a:blipFill>
+                <a:blip r:embed="rId5"/>
+                <a:stretch>
+                  <a:fillRect/>
+                </a:stretch>
+              </a:blipFill>
+            </p:spPr>
+            <p:txBody>
+              <a:bodyPr/>
+              <a:lstStyle/>
+              <a:p>
+                <a:r>
+                  <a:rPr lang="en-GB">
+                    <a:noFill/>
+                  </a:rPr>
+                  <a:t> </a:t>
+                </a:r>
+              </a:p>
+            </p:txBody>
+          </p:sp>
+        </mc:Fallback>
+      </mc:AlternateContent>
+      <p:sp>
+        <p:nvSpPr>
+          <p:cNvPr id="7" name="TextBox 6"/>
+          <p:cNvSpPr txBox="1"/>
+          <p:nvPr/>
+        </p:nvSpPr>
+        <p:spPr>
+          <a:xfrm>
+            <a:off x="5362518" y="897342"/>
+            <a:ext cx="5550568" cy="707886"/>
+          </a:xfrm>
+          <a:prstGeom prst="rect">
+            <a:avLst/>
+          </a:prstGeom>
+          <a:noFill/>
+        </p:spPr>
+        <p:txBody>
+          <a:bodyPr wrap="square" rtlCol="0">
+            <a:spAutoFit/>
+          </a:bodyPr>
+          <a:lstStyle/>
+          <a:p>
+            <a:pPr algn="ctr"/>
+            <a:r>
+              <a:rPr lang="en-GB" sz="2000" b="1" dirty="0"/>
+              <a:t>Traditionally value iteration algorithms converge to optimal action-value function</a:t>
+            </a:r>
+          </a:p>
+        </p:txBody>
+      </p:sp>
+      <p:sp>
+        <p:nvSpPr>
+          <p:cNvPr id="8" name="TextBox 7"/>
+          <p:cNvSpPr txBox="1"/>
+          <p:nvPr/>
+        </p:nvSpPr>
+        <p:spPr>
+          <a:xfrm>
+            <a:off x="6624498" y="3687562"/>
+            <a:ext cx="4134409" cy="707886"/>
+          </a:xfrm>
+          <a:prstGeom prst="rect">
+            <a:avLst/>
+          </a:prstGeom>
+          <a:noFill/>
+        </p:spPr>
+        <p:txBody>
+          <a:bodyPr wrap="square" rtlCol="0">
+            <a:spAutoFit/>
+          </a:bodyPr>
+          <a:lstStyle/>
+          <a:p>
+            <a:pPr algn="ctr"/>
+            <a:r>
+              <a:rPr lang="en-GB" sz="2000" b="1" dirty="0"/>
+              <a:t>Use neural network function </a:t>
+            </a:r>
+            <a:r>
+              <a:rPr lang="en-GB" sz="2000" b="1" dirty="0" smtClean="0"/>
+              <a:t>approximator instead</a:t>
+            </a:r>
+            <a:endParaRPr lang="en-GB" sz="2000" b="1" dirty="0"/>
+          </a:p>
+        </p:txBody>
+      </p:sp>
+      <p:cxnSp>
+        <p:nvCxnSpPr>
+          <p:cNvPr id="10" name="Straight Arrow Connector 9"/>
+          <p:cNvCxnSpPr/>
+          <p:nvPr/>
+        </p:nvCxnSpPr>
+        <p:spPr>
+          <a:xfrm flipH="1">
+            <a:off x="4531894" y="1403686"/>
+            <a:ext cx="1788695" cy="796931"/>
+          </a:xfrm>
+          <a:prstGeom prst="straightConnector1">
+            <a:avLst/>
+          </a:prstGeom>
+          <a:ln w="63500">
+            <a:solidFill>
+              <a:schemeClr val="tx1"/>
+            </a:solidFill>
+            <a:tailEnd type="triangle" w="lg" len="med"/>
+          </a:ln>
+        </p:spPr>
+        <p:style>
+          <a:lnRef idx="1">
+            <a:schemeClr val="accent1"/>
+          </a:lnRef>
+          <a:fillRef idx="0">
+            <a:schemeClr val="accent1"/>
+          </a:fillRef>
+          <a:effectRef idx="0">
+            <a:schemeClr val="accent1"/>
+          </a:effectRef>
+          <a:fontRef idx="minor">
+            <a:schemeClr val="tx1"/>
+          </a:fontRef>
+        </p:style>
+      </p:cxnSp>
+      <p:cxnSp>
+        <p:nvCxnSpPr>
+          <p:cNvPr id="12" name="Straight Arrow Connector 11"/>
+          <p:cNvCxnSpPr/>
+          <p:nvPr/>
+        </p:nvCxnSpPr>
+        <p:spPr>
+          <a:xfrm flipH="1" flipV="1">
+            <a:off x="6126301" y="3612033"/>
+            <a:ext cx="1012436" cy="270155"/>
+          </a:xfrm>
+          <a:prstGeom prst="straightConnector1">
+            <a:avLst/>
+          </a:prstGeom>
+          <a:ln w="63500">
+            <a:solidFill>
+              <a:schemeClr val="tx1"/>
+            </a:solidFill>
+            <a:tailEnd type="triangle" w="lg" len="med"/>
+          </a:ln>
+        </p:spPr>
+        <p:style>
+          <a:lnRef idx="1">
+            <a:schemeClr val="accent1"/>
+          </a:lnRef>
+          <a:fillRef idx="0">
+            <a:schemeClr val="accent1"/>
+          </a:fillRef>
+          <a:effectRef idx="0">
+            <a:schemeClr val="accent1"/>
+          </a:effectRef>
+          <a:fontRef idx="minor">
+            <a:schemeClr val="tx1"/>
+          </a:fontRef>
+        </p:style>
+      </p:cxnSp>
     </p:spTree>
     <p:custDataLst>
       <p:tags r:id="rId1"/>
     </p:custDataLst>
     <p:extLst>
       <p:ext uri="{BB962C8B-B14F-4D97-AF65-F5344CB8AC3E}">
-        <p14:creationId xmlns:p14="http://schemas.microsoft.com/office/powerpoint/2010/main" val="1537420287"/>
+        <p14:creationId xmlns:p14="http://schemas.microsoft.com/office/powerpoint/2010/main" val="1839679113"/>
       </p:ext>
     </p:extLst>
   </p:cSld>
@@ -4621,43 +5802,75 @@
             <p:ph type="title"/>
           </p:nvPr>
         </p:nvSpPr>
-        <p:spPr/>
+        <p:spPr>
+          <a:xfrm>
+            <a:off x="709863" y="493463"/>
+            <a:ext cx="6685547" cy="757822"/>
+          </a:xfrm>
+        </p:spPr>
         <p:txBody>
           <a:bodyPr/>
           <a:lstStyle/>
           <a:p>
             <a:r>
-              <a:rPr lang="en-GB" dirty="0"/>
+              <a:rPr lang="en-GB" dirty="0">
+                <a:ln w="0"/>
+                <a:effectLst>
+                  <a:outerShdw blurRad="38100" dist="19050" dir="2700000" algn="tl" rotWithShape="0">
+                    <a:schemeClr val="dk1">
+                      <a:alpha val="40000"/>
+                    </a:schemeClr>
+                  </a:outerShdw>
+                </a:effectLst>
+              </a:rPr>
               <a:t>DQN with Experience Replay</a:t>
             </a:r>
           </a:p>
         </p:txBody>
       </p:sp>
-      <p:sp>
-        <p:nvSpPr>
-          <p:cNvPr id="3" name="Content Placeholder 2">
-            <a:extLst>
-              <a:ext uri="{FF2B5EF4-FFF2-40B4-BE49-F238E27FC236}">
-                <a16:creationId xmlns:a16="http://schemas.microsoft.com/office/drawing/2014/main" id="{9136A9C7-95BD-4CF4-87D6-059BF68B172D}"/>
-              </a:ext>
-            </a:extLst>
-          </p:cNvPr>
-          <p:cNvSpPr>
-            <a:spLocks noGrp="1"/>
-          </p:cNvSpPr>
-          <p:nvPr>
-            <p:ph idx="1"/>
-          </p:nvPr>
-        </p:nvSpPr>
-        <p:spPr/>
-        <p:txBody>
-          <a:bodyPr/>
-          <a:lstStyle/>
-          <a:p>
-            <a:endParaRPr lang="en-GB"/>
-          </a:p>
-        </p:txBody>
-      </p:sp>
+      <p:pic>
+        <p:nvPicPr>
+          <p:cNvPr id="4" name="Picture 3"/>
+          <p:cNvPicPr>
+            <a:picLocks noChangeAspect="1"/>
+          </p:cNvPicPr>
+          <p:nvPr/>
+        </p:nvPicPr>
+        <p:blipFill>
+          <a:blip r:embed="rId4">
+            <a:clrChange>
+              <a:clrFrom>
+                <a:srgbClr val="FFFFFF"/>
+              </a:clrFrom>
+              <a:clrTo>
+                <a:srgbClr val="FFFFFF">
+                  <a:alpha val="0"/>
+                </a:srgbClr>
+              </a:clrTo>
+            </a:clrChange>
+            <a:extLst>
+              <a:ext uri="{28A0092B-C50C-407E-A947-70E740481C1C}">
+                <a14:useLocalDpi xmlns:a14="http://schemas.microsoft.com/office/drawing/2010/main" val="0"/>
+              </a:ext>
+            </a:extLst>
+          </a:blip>
+          <a:stretch>
+            <a:fillRect/>
+          </a:stretch>
+        </p:blipFill>
+        <p:spPr>
+          <a:xfrm>
+            <a:off x="1917031" y="1690688"/>
+            <a:ext cx="8590547" cy="4557399"/>
+          </a:xfrm>
+          <a:prstGeom prst="rect">
+            <a:avLst/>
+          </a:prstGeom>
+          <a:ln>
+            <a:noFill/>
+          </a:ln>
+        </p:spPr>
+      </p:pic>
     </p:spTree>
     <p:custDataLst>
       <p:tags r:id="rId1"/>

--- a/DQN/dqn_slides.pptx
+++ b/DQN/dqn_slides.pptx
@@ -5,7 +5,7 @@
     <p:sldMasterId id="2147483648" r:id="rId1"/>
   </p:sldMasterIdLst>
   <p:notesMasterIdLst>
-    <p:notesMasterId r:id="rId9"/>
+    <p:notesMasterId r:id="rId11"/>
   </p:notesMasterIdLst>
   <p:sldIdLst>
     <p:sldId id="256" r:id="rId2"/>
@@ -15,6 +15,8 @@
     <p:sldId id="276" r:id="rId6"/>
     <p:sldId id="277" r:id="rId7"/>
     <p:sldId id="278" r:id="rId8"/>
+    <p:sldId id="279" r:id="rId9"/>
+    <p:sldId id="280" r:id="rId10"/>
   </p:sldIdLst>
   <p:sldSz cx="12192000" cy="6858000"/>
   <p:notesSz cx="6858000" cy="9144000"/>
@@ -203,7 +205,7 @@
           <a:p>
             <a:fld id="{90B6B2DE-9C7A-410D-BB33-96FD23F82A93}" type="datetimeFigureOut">
               <a:rPr lang="en-GB" smtClean="0"/>
-              <a:t>11/03/2020</a:t>
+              <a:t>20/03/2020</a:t>
             </a:fld>
             <a:endParaRPr lang="en-GB"/>
           </a:p>
@@ -626,25 +628,25 @@
           <a:lstStyle/>
           <a:p>
             <a:r>
-              <a:rPr lang="en-GB" dirty="0" smtClean="0"/>
+              <a:rPr lang="en-GB" dirty="0"/>
               <a:t>Because it is impossible to fully</a:t>
             </a:r>
             <a:r>
-              <a:rPr lang="en-GB" baseline="0" dirty="0" smtClean="0"/>
+              <a:rPr lang="en-GB" baseline="0" dirty="0"/>
               <a:t> </a:t>
             </a:r>
             <a:r>
-              <a:rPr lang="en-GB" dirty="0" smtClean="0"/>
+              <a:rPr lang="en-GB" dirty="0"/>
               <a:t>understand</a:t>
             </a:r>
             <a:r>
-              <a:rPr lang="en-GB" baseline="0" dirty="0" smtClean="0"/>
+              <a:rPr lang="en-GB" baseline="0" dirty="0"/>
               <a:t> current situation from only the current screen. </a:t>
             </a:r>
           </a:p>
           <a:p>
             <a:r>
-              <a:rPr lang="en-GB" baseline="0" dirty="0" smtClean="0"/>
+              <a:rPr lang="en-GB" baseline="0" dirty="0"/>
               <a:t>(Not sure of direction or speed …etc.)</a:t>
             </a:r>
             <a:endParaRPr lang="en-GB" dirty="0"/>
@@ -747,32 +749,40 @@
           <a:p>
             <a:r>
               <a:rPr lang="en-GB" dirty="0"/>
-              <a:t>Bellman Equation</a:t>
-            </a:r>
-          </a:p>
-          <a:p>
-            <a:r>
-              <a:rPr lang="en-GB" dirty="0" smtClean="0"/>
+              <a:t>Richard Bellman - Bellman Equation – foundation of dynamic programming</a:t>
+            </a:r>
+          </a:p>
+          <a:p>
+            <a:r>
+              <a:rPr lang="en-GB" dirty="0"/>
               <a:t>Q-Learning</a:t>
             </a:r>
           </a:p>
           <a:p>
-            <a:endParaRPr lang="en-GB" dirty="0" smtClean="0"/>
-          </a:p>
-          <a:p>
-            <a:r>
-              <a:rPr lang="en-GB" dirty="0" smtClean="0"/>
+            <a:endParaRPr lang="en-GB" dirty="0"/>
+          </a:p>
+          <a:p>
+            <a:r>
+              <a:rPr lang="en-GB" dirty="0"/>
               <a:t>Replace</a:t>
             </a:r>
             <a:r>
-              <a:rPr lang="en-GB" baseline="0" dirty="0" smtClean="0"/>
+              <a:rPr lang="en-GB" baseline="0" dirty="0"/>
               <a:t> value iteration with non-linear function approximator (NN). </a:t>
             </a:r>
             <a:r>
-              <a:rPr lang="en-GB" dirty="0" smtClean="0"/>
+              <a:rPr lang="en-GB" dirty="0"/>
               <a:t>Theta are parameters (weights) of network</a:t>
             </a:r>
+          </a:p>
+          <a:p>
             <a:endParaRPr lang="en-GB" dirty="0"/>
+          </a:p>
+          <a:p>
+            <a:r>
+              <a:rPr lang="en-GB" dirty="0"/>
+              <a:t>Mention this is model-free RL because we are not using the rest of the model just approximating q-values</a:t>
+            </a:r>
           </a:p>
         </p:txBody>
       </p:sp>
@@ -857,35 +867,44 @@
           <a:lstStyle/>
           <a:p>
             <a:r>
-              <a:rPr lang="en-GB" dirty="0" smtClean="0"/>
+              <a:rPr lang="en-GB" dirty="0"/>
               <a:t>Deep </a:t>
             </a:r>
             <a:r>
-              <a:rPr lang="en-GB" dirty="0" err="1" smtClean="0"/>
+              <a:rPr lang="en-GB" dirty="0" err="1"/>
               <a:t>nn</a:t>
             </a:r>
             <a:r>
-              <a:rPr lang="en-GB" dirty="0" smtClean="0"/>
+              <a:rPr lang="en-GB" dirty="0"/>
               <a:t> can extract features to learn better representations that can be achieved through handcrafting features.</a:t>
             </a:r>
           </a:p>
           <a:p>
             <a:r>
-              <a:rPr lang="en-GB" dirty="0" smtClean="0"/>
+              <a:rPr lang="en-GB" dirty="0"/>
               <a:t>TD-Gammon</a:t>
             </a:r>
             <a:r>
-              <a:rPr lang="en-GB" baseline="0" dirty="0" smtClean="0"/>
+              <a:rPr lang="en-GB" baseline="0" dirty="0"/>
               <a:t> architecture is some inspiration because it used NN to estimate Value function.</a:t>
             </a:r>
           </a:p>
           <a:p>
-            <a:endParaRPr lang="en-GB" baseline="0" dirty="0" smtClean="0"/>
-          </a:p>
-          <a:p>
-            <a:r>
-              <a:rPr lang="en-GB" baseline="0" dirty="0" smtClean="0"/>
+            <a:endParaRPr lang="en-GB" baseline="0" dirty="0"/>
+          </a:p>
+          <a:p>
+            <a:r>
+              <a:rPr lang="en-GB" baseline="0" dirty="0"/>
               <a:t>Authors use Experience Replay</a:t>
+            </a:r>
+          </a:p>
+          <a:p>
+            <a:endParaRPr lang="en-GB" baseline="0" dirty="0"/>
+          </a:p>
+          <a:p>
+            <a:r>
+              <a:rPr lang="en-GB" baseline="0" dirty="0"/>
+              <a:t>Perform Q-learning updates to mini-batches in the inner loop of the algorithm.</a:t>
             </a:r>
             <a:endParaRPr lang="en-GB" dirty="0"/>
           </a:p>
@@ -918,6 +937,271 @@
     <p:extLst>
       <p:ext uri="{BB962C8B-B14F-4D97-AF65-F5344CB8AC3E}">
         <p14:creationId xmlns:p14="http://schemas.microsoft.com/office/powerpoint/2010/main" val="2912321775"/>
+      </p:ext>
+    </p:extLst>
+  </p:cSld>
+  <p:clrMapOvr>
+    <a:masterClrMapping/>
+  </p:clrMapOvr>
+</p:notes>
+</file>
+
+<file path=ppt/notesSlides/notesSlide5.xml><?xml version="1.0" encoding="utf-8"?>
+<p:notes xmlns:a="http://schemas.openxmlformats.org/drawingml/2006/main" xmlns:r="http://schemas.openxmlformats.org/officeDocument/2006/relationships" xmlns:p="http://schemas.openxmlformats.org/presentationml/2006/main">
+  <p:cSld>
+    <p:spTree>
+      <p:nvGrpSpPr>
+        <p:cNvPr id="1" name=""/>
+        <p:cNvGrpSpPr/>
+        <p:nvPr/>
+      </p:nvGrpSpPr>
+      <p:grpSpPr>
+        <a:xfrm>
+          <a:off x="0" y="0"/>
+          <a:ext cx="0" cy="0"/>
+          <a:chOff x="0" y="0"/>
+          <a:chExt cx="0" cy="0"/>
+        </a:xfrm>
+      </p:grpSpPr>
+      <p:sp>
+        <p:nvSpPr>
+          <p:cNvPr id="2" name="Slide Image Placeholder 1"/>
+          <p:cNvSpPr>
+            <a:spLocks noGrp="1" noRot="1" noChangeAspect="1"/>
+          </p:cNvSpPr>
+          <p:nvPr>
+            <p:ph type="sldImg"/>
+          </p:nvPr>
+        </p:nvSpPr>
+        <p:spPr/>
+      </p:sp>
+      <p:sp>
+        <p:nvSpPr>
+          <p:cNvPr id="3" name="Notes Placeholder 2"/>
+          <p:cNvSpPr>
+            <a:spLocks noGrp="1"/>
+          </p:cNvSpPr>
+          <p:nvPr>
+            <p:ph type="body" idx="1"/>
+          </p:nvPr>
+        </p:nvSpPr>
+        <p:spPr/>
+        <p:txBody>
+          <a:bodyPr/>
+          <a:lstStyle/>
+          <a:p>
+            <a:r>
+              <a:rPr lang="en-GB" dirty="0"/>
+              <a:t>Final cropping step only needed because authors use GPU implementation that requires square inputs.</a:t>
+            </a:r>
+          </a:p>
+          <a:p>
+            <a:endParaRPr lang="en-GB" dirty="0"/>
+          </a:p>
+          <a:p>
+            <a:r>
+              <a:rPr lang="en-GB" dirty="0"/>
+              <a:t>Advantage is ability to compute Q-values for all possible actions for a state with only one forward pass through the network.</a:t>
+            </a:r>
+          </a:p>
+        </p:txBody>
+      </p:sp>
+      <p:sp>
+        <p:nvSpPr>
+          <p:cNvPr id="4" name="Slide Number Placeholder 3"/>
+          <p:cNvSpPr>
+            <a:spLocks noGrp="1"/>
+          </p:cNvSpPr>
+          <p:nvPr>
+            <p:ph type="sldNum" sz="quarter" idx="5"/>
+          </p:nvPr>
+        </p:nvSpPr>
+        <p:spPr/>
+        <p:txBody>
+          <a:bodyPr/>
+          <a:lstStyle/>
+          <a:p>
+            <a:fld id="{5EB41D8C-D68C-4D87-9D56-7F243B38E3DB}" type="slidenum">
+              <a:rPr lang="en-GB" smtClean="0"/>
+              <a:t>7</a:t>
+            </a:fld>
+            <a:endParaRPr lang="en-GB"/>
+          </a:p>
+        </p:txBody>
+      </p:sp>
+    </p:spTree>
+    <p:extLst>
+      <p:ext uri="{BB962C8B-B14F-4D97-AF65-F5344CB8AC3E}">
+        <p14:creationId xmlns:p14="http://schemas.microsoft.com/office/powerpoint/2010/main" val="2037118467"/>
+      </p:ext>
+    </p:extLst>
+  </p:cSld>
+  <p:clrMapOvr>
+    <a:masterClrMapping/>
+  </p:clrMapOvr>
+</p:notes>
+</file>
+
+<file path=ppt/notesSlides/notesSlide6.xml><?xml version="1.0" encoding="utf-8"?>
+<p:notes xmlns:a="http://schemas.openxmlformats.org/drawingml/2006/main" xmlns:r="http://schemas.openxmlformats.org/officeDocument/2006/relationships" xmlns:p="http://schemas.openxmlformats.org/presentationml/2006/main">
+  <p:cSld>
+    <p:spTree>
+      <p:nvGrpSpPr>
+        <p:cNvPr id="1" name=""/>
+        <p:cNvGrpSpPr/>
+        <p:nvPr/>
+      </p:nvGrpSpPr>
+      <p:grpSpPr>
+        <a:xfrm>
+          <a:off x="0" y="0"/>
+          <a:ext cx="0" cy="0"/>
+          <a:chOff x="0" y="0"/>
+          <a:chExt cx="0" cy="0"/>
+        </a:xfrm>
+      </p:grpSpPr>
+      <p:sp>
+        <p:nvSpPr>
+          <p:cNvPr id="2" name="Slide Image Placeholder 1"/>
+          <p:cNvSpPr>
+            <a:spLocks noGrp="1" noRot="1" noChangeAspect="1"/>
+          </p:cNvSpPr>
+          <p:nvPr>
+            <p:ph type="sldImg"/>
+          </p:nvPr>
+        </p:nvSpPr>
+        <p:spPr/>
+      </p:sp>
+      <p:sp>
+        <p:nvSpPr>
+          <p:cNvPr id="3" name="Notes Placeholder 2"/>
+          <p:cNvSpPr>
+            <a:spLocks noGrp="1"/>
+          </p:cNvSpPr>
+          <p:nvPr>
+            <p:ph type="body" idx="1"/>
+          </p:nvPr>
+        </p:nvSpPr>
+        <p:spPr/>
+        <p:txBody>
+          <a:bodyPr/>
+          <a:lstStyle/>
+          <a:p>
+            <a:r>
+              <a:rPr lang="en-GB" dirty="0"/>
+              <a:t>7 Games:  Beam Rider, Breakout, </a:t>
+            </a:r>
+            <a:r>
+              <a:rPr lang="en-GB" dirty="0" err="1"/>
+              <a:t>Enduro</a:t>
+            </a:r>
+            <a:r>
+              <a:rPr lang="en-GB" dirty="0"/>
+              <a:t>, Pong, Q*</a:t>
+            </a:r>
+            <a:r>
+              <a:rPr lang="en-GB" dirty="0" err="1"/>
+              <a:t>bert</a:t>
+            </a:r>
+            <a:r>
+              <a:rPr lang="en-GB" dirty="0"/>
+              <a:t>, </a:t>
+            </a:r>
+            <a:r>
+              <a:rPr lang="en-GB" dirty="0" err="1"/>
+              <a:t>Seaquest</a:t>
+            </a:r>
+            <a:r>
+              <a:rPr lang="en-GB" dirty="0"/>
+              <a:t>, Space Invaders</a:t>
+            </a:r>
+          </a:p>
+          <a:p>
+            <a:endParaRPr lang="en-GB" dirty="0"/>
+          </a:p>
+          <a:p>
+            <a:r>
+              <a:rPr lang="en-GB" dirty="0"/>
+              <a:t>Positive rewards </a:t>
+            </a:r>
+            <a:r>
+              <a:rPr lang="en-GB" dirty="0" err="1"/>
+              <a:t>goto</a:t>
+            </a:r>
+            <a:r>
+              <a:rPr lang="en-GB" dirty="0"/>
+              <a:t> 1, negative rewards </a:t>
+            </a:r>
+            <a:r>
+              <a:rPr lang="en-GB" dirty="0" err="1"/>
+              <a:t>goto</a:t>
+            </a:r>
+            <a:r>
+              <a:rPr lang="en-GB" dirty="0"/>
+              <a:t> -1 &amp; zero rewards remain at zero. </a:t>
+            </a:r>
+          </a:p>
+          <a:p>
+            <a:r>
+              <a:rPr lang="en-GB" dirty="0"/>
+              <a:t>This limits the scale of the error derivatives making it easier to same learning rate hyperparameter across games.</a:t>
+            </a:r>
+          </a:p>
+          <a:p>
+            <a:r>
+              <a:rPr lang="en-GB" dirty="0"/>
+              <a:t>Note: this could limit agent performance since there is no differentiation between rewards of different magnitude.</a:t>
+            </a:r>
+          </a:p>
+          <a:p>
+            <a:endParaRPr lang="en-GB" dirty="0"/>
+          </a:p>
+          <a:p>
+            <a:r>
+              <a:rPr lang="en-GB" dirty="0"/>
+              <a:t>Frame skipping technique, agent sees every kth frame with last action being repeated on frames it doesn’t see.</a:t>
+            </a:r>
+          </a:p>
+          <a:p>
+            <a:r>
+              <a:rPr lang="en-GB" dirty="0"/>
+              <a:t>Easier skip emulator forward than select action for each frame, this allows k times more games to be played.</a:t>
+            </a:r>
+          </a:p>
+          <a:p>
+            <a:r>
+              <a:rPr lang="en-GB" dirty="0"/>
+              <a:t>K=4 for games except for Space Invaders where k=3 (to make the lasers visible to the agent)</a:t>
+            </a:r>
+          </a:p>
+        </p:txBody>
+      </p:sp>
+      <p:sp>
+        <p:nvSpPr>
+          <p:cNvPr id="4" name="Slide Number Placeholder 3"/>
+          <p:cNvSpPr>
+            <a:spLocks noGrp="1"/>
+          </p:cNvSpPr>
+          <p:nvPr>
+            <p:ph type="sldNum" sz="quarter" idx="5"/>
+          </p:nvPr>
+        </p:nvSpPr>
+        <p:spPr/>
+        <p:txBody>
+          <a:bodyPr/>
+          <a:lstStyle/>
+          <a:p>
+            <a:fld id="{5EB41D8C-D68C-4D87-9D56-7F243B38E3DB}" type="slidenum">
+              <a:rPr lang="en-GB" smtClean="0"/>
+              <a:t>8</a:t>
+            </a:fld>
+            <a:endParaRPr lang="en-GB"/>
+          </a:p>
+        </p:txBody>
+      </p:sp>
+    </p:spTree>
+    <p:extLst>
+      <p:ext uri="{BB962C8B-B14F-4D97-AF65-F5344CB8AC3E}">
+        <p14:creationId xmlns:p14="http://schemas.microsoft.com/office/powerpoint/2010/main" val="3453962627"/>
       </p:ext>
     </p:extLst>
   </p:cSld>
@@ -1076,7 +1360,7 @@
           <a:p>
             <a:fld id="{A3ACD417-9FA5-4093-9E64-8EEA39F65FF1}" type="datetimeFigureOut">
               <a:rPr lang="en-GB" smtClean="0"/>
-              <a:t>11/03/2020</a:t>
+              <a:t>20/03/2020</a:t>
             </a:fld>
             <a:endParaRPr lang="en-GB"/>
           </a:p>
@@ -1276,7 +1560,7 @@
           <a:p>
             <a:fld id="{A3ACD417-9FA5-4093-9E64-8EEA39F65FF1}" type="datetimeFigureOut">
               <a:rPr lang="en-GB" smtClean="0"/>
-              <a:t>11/03/2020</a:t>
+              <a:t>20/03/2020</a:t>
             </a:fld>
             <a:endParaRPr lang="en-GB"/>
           </a:p>
@@ -1486,7 +1770,7 @@
           <a:p>
             <a:fld id="{A3ACD417-9FA5-4093-9E64-8EEA39F65FF1}" type="datetimeFigureOut">
               <a:rPr lang="en-GB" smtClean="0"/>
-              <a:t>11/03/2020</a:t>
+              <a:t>20/03/2020</a:t>
             </a:fld>
             <a:endParaRPr lang="en-GB"/>
           </a:p>
@@ -1686,7 +1970,7 @@
           <a:p>
             <a:fld id="{A3ACD417-9FA5-4093-9E64-8EEA39F65FF1}" type="datetimeFigureOut">
               <a:rPr lang="en-GB" smtClean="0"/>
-              <a:t>11/03/2020</a:t>
+              <a:t>20/03/2020</a:t>
             </a:fld>
             <a:endParaRPr lang="en-GB"/>
           </a:p>
@@ -1962,7 +2246,7 @@
           <a:p>
             <a:fld id="{A3ACD417-9FA5-4093-9E64-8EEA39F65FF1}" type="datetimeFigureOut">
               <a:rPr lang="en-GB" smtClean="0"/>
-              <a:t>11/03/2020</a:t>
+              <a:t>20/03/2020</a:t>
             </a:fld>
             <a:endParaRPr lang="en-GB"/>
           </a:p>
@@ -2230,7 +2514,7 @@
           <a:p>
             <a:fld id="{A3ACD417-9FA5-4093-9E64-8EEA39F65FF1}" type="datetimeFigureOut">
               <a:rPr lang="en-GB" smtClean="0"/>
-              <a:t>11/03/2020</a:t>
+              <a:t>20/03/2020</a:t>
             </a:fld>
             <a:endParaRPr lang="en-GB"/>
           </a:p>
@@ -2645,7 +2929,7 @@
           <a:p>
             <a:fld id="{A3ACD417-9FA5-4093-9E64-8EEA39F65FF1}" type="datetimeFigureOut">
               <a:rPr lang="en-GB" smtClean="0"/>
-              <a:t>11/03/2020</a:t>
+              <a:t>20/03/2020</a:t>
             </a:fld>
             <a:endParaRPr lang="en-GB"/>
           </a:p>
@@ -2787,7 +3071,7 @@
           <a:p>
             <a:fld id="{A3ACD417-9FA5-4093-9E64-8EEA39F65FF1}" type="datetimeFigureOut">
               <a:rPr lang="en-GB" smtClean="0"/>
-              <a:t>11/03/2020</a:t>
+              <a:t>20/03/2020</a:t>
             </a:fld>
             <a:endParaRPr lang="en-GB"/>
           </a:p>
@@ -2900,7 +3184,7 @@
           <a:p>
             <a:fld id="{A3ACD417-9FA5-4093-9E64-8EEA39F65FF1}" type="datetimeFigureOut">
               <a:rPr lang="en-GB" smtClean="0"/>
-              <a:t>11/03/2020</a:t>
+              <a:t>20/03/2020</a:t>
             </a:fld>
             <a:endParaRPr lang="en-GB"/>
           </a:p>
@@ -3213,7 +3497,7 @@
           <a:p>
             <a:fld id="{A3ACD417-9FA5-4093-9E64-8EEA39F65FF1}" type="datetimeFigureOut">
               <a:rPr lang="en-GB" smtClean="0"/>
-              <a:t>11/03/2020</a:t>
+              <a:t>20/03/2020</a:t>
             </a:fld>
             <a:endParaRPr lang="en-GB"/>
           </a:p>
@@ -3502,7 +3786,7 @@
           <a:p>
             <a:fld id="{A3ACD417-9FA5-4093-9E64-8EEA39F65FF1}" type="datetimeFigureOut">
               <a:rPr lang="en-GB" smtClean="0"/>
-              <a:t>11/03/2020</a:t>
+              <a:t>20/03/2020</a:t>
             </a:fld>
             <a:endParaRPr lang="en-GB"/>
           </a:p>
@@ -3771,7 +4055,7 @@
           <a:p>
             <a:fld id="{A3ACD417-9FA5-4093-9E64-8EEA39F65FF1}" type="datetimeFigureOut">
               <a:rPr lang="en-GB" smtClean="0"/>
-              <a:t>11/03/2020</a:t>
+              <a:t>20/03/2020</a:t>
             </a:fld>
             <a:endParaRPr lang="en-GB"/>
           </a:p>
@@ -4480,13 +4764,8 @@
             </a:pPr>
             <a:r>
               <a:rPr lang="en-GB" sz="3600" dirty="0"/>
-              <a:t>Atari 2600 </a:t>
-            </a:r>
-            <a:r>
-              <a:rPr lang="en-GB" sz="3600" dirty="0" smtClean="0"/>
-              <a:t>Testbed</a:t>
-            </a:r>
-            <a:endParaRPr lang="en-GB" sz="3600" dirty="0"/>
+              <a:t>Atari 2600 Testbed</a:t>
+            </a:r>
           </a:p>
           <a:p>
             <a:pPr marL="285750" indent="-285750">
@@ -4500,7 +4779,6 @@
               <a:rPr lang="en-GB" sz="3600" dirty="0"/>
               <a:t>Action-Value Function </a:t>
             </a:r>
-            <a:endParaRPr lang="en-GB" sz="3600" dirty="0" smtClean="0"/>
           </a:p>
           <a:p>
             <a:pPr marL="285750" indent="-285750">
@@ -4511,12 +4789,8 @@
               <a:buChar char="•"/>
             </a:pPr>
             <a:r>
-              <a:rPr lang="en-GB" sz="3600" dirty="0" smtClean="0"/>
-              <a:t>Deep </a:t>
-            </a:r>
-            <a:r>
               <a:rPr lang="en-GB" sz="3600" dirty="0"/>
-              <a:t>Reinforcement Learning (DQN)</a:t>
+              <a:t>Deep Reinforcement Learning (DQN)</a:t>
             </a:r>
           </a:p>
           <a:p>
@@ -4580,8 +4854,8 @@
           <a:chExt cx="0" cy="0"/>
         </a:xfrm>
       </p:grpSpPr>
-      <mc:AlternateContent xmlns:mc="http://schemas.openxmlformats.org/markup-compatibility/2006">
-        <mc:Choice xmlns:a14="http://schemas.microsoft.com/office/drawing/2010/main" Requires="a14">
+      <mc:AlternateContent xmlns:mc="http://schemas.openxmlformats.org/markup-compatibility/2006" xmlns:a14="http://schemas.microsoft.com/office/drawing/2010/main">
+        <mc:Choice Requires="a14">
           <p:sp>
             <p:nvSpPr>
               <p:cNvPr id="3" name="Content Placeholder 2">
@@ -4611,13 +4885,13 @@
               <a:lstStyle/>
               <a:p>
                 <a:r>
-                  <a:rPr lang="en-GB" dirty="0" smtClean="0"/>
+                  <a:rPr lang="en-GB" dirty="0"/>
                   <a:t>Model for RL typically Markov Decision Process (MDP)</a:t>
                 </a:r>
               </a:p>
               <a:p>
                 <a:r>
-                  <a:rPr lang="en-GB" dirty="0" smtClean="0"/>
+                  <a:rPr lang="en-GB" dirty="0"/>
                   <a:t>Policy </a:t>
                 </a:r>
                 <a14:m>
@@ -4674,13 +4948,13 @@
                   </m:oMath>
                 </a14:m>
                 <a:r>
-                  <a:rPr lang="en-GB" dirty="0" smtClean="0"/>
+                  <a:rPr lang="en-GB" dirty="0"/>
                   <a:t> maps states to actions</a:t>
                 </a:r>
               </a:p>
               <a:p>
                 <a:r>
-                  <a:rPr lang="en-GB" dirty="0" smtClean="0"/>
+                  <a:rPr lang="en-GB" dirty="0"/>
                   <a:t>State transitions return immediate rewards </a:t>
                 </a:r>
                 <a14:m>
@@ -4712,18 +4986,18 @@
                     </m:sSub>
                   </m:oMath>
                 </a14:m>
-                <a:endParaRPr lang="en-GB" dirty="0" smtClean="0"/>
+                <a:endParaRPr lang="en-GB" dirty="0"/>
               </a:p>
               <a:p>
                 <a:r>
-                  <a:rPr lang="en-GB" dirty="0" smtClean="0"/>
+                  <a:rPr lang="en-GB" dirty="0"/>
                   <a:t>Goal of RL is to either:</a:t>
                 </a:r>
               </a:p>
               <a:p>
                 <a:pPr lvl="1"/>
                 <a:r>
-                  <a:rPr lang="en-GB" dirty="0" smtClean="0"/>
+                  <a:rPr lang="en-GB" dirty="0"/>
                   <a:t>Learn a Policy </a:t>
                 </a:r>
                 <a14:m>
@@ -4757,14 +5031,14 @@
                   </m:oMath>
                 </a14:m>
                 <a:r>
-                  <a:rPr lang="en-GB" dirty="0" smtClean="0"/>
+                  <a:rPr lang="en-GB" dirty="0"/>
                   <a:t> that maximises expected return</a:t>
                 </a:r>
               </a:p>
               <a:p>
                 <a:pPr lvl="1"/>
                 <a:r>
-                  <a:rPr lang="en-GB" dirty="0" smtClean="0"/>
+                  <a:rPr lang="en-GB" dirty="0"/>
                   <a:t>Learn the optimal Value </a:t>
                 </a:r>
                 <a14:m>
@@ -4815,11 +5089,11 @@
                   </m:oMath>
                 </a14:m>
                 <a:r>
-                  <a:rPr lang="en-GB" dirty="0" smtClean="0"/>
+                  <a:rPr lang="en-GB" dirty="0"/>
                   <a:t> or </a:t>
                 </a:r>
                 <a:r>
-                  <a:rPr lang="en-GB" b="1" dirty="0" smtClean="0"/>
+                  <a:rPr lang="en-GB" b="1" dirty="0"/>
                   <a:t>Action-Value </a:t>
                 </a:r>
                 <a14:m>
@@ -4882,11 +5156,11 @@
                   </m:oMath>
                 </a14:m>
                 <a:r>
-                  <a:rPr lang="en-GB" b="1" dirty="0" smtClean="0"/>
+                  <a:rPr lang="en-GB" b="1" dirty="0"/>
                   <a:t> </a:t>
                 </a:r>
                 <a:r>
-                  <a:rPr lang="en-GB" dirty="0" smtClean="0"/>
+                  <a:rPr lang="en-GB" dirty="0"/>
                   <a:t>function for each state</a:t>
                 </a:r>
               </a:p>
@@ -4896,7 +5170,7 @@
             </p:txBody>
           </p:sp>
         </mc:Choice>
-        <mc:Fallback>
+        <mc:Fallback xmlns="">
           <p:sp>
             <p:nvSpPr>
               <p:cNvPr id="3" name="Content Placeholder 2">
@@ -5010,7 +5284,7 @@
           <a:lstStyle/>
           <a:p>
             <a:r>
-              <a:rPr lang="en-GB" dirty="0" smtClean="0">
+              <a:rPr lang="en-GB" dirty="0">
                 <a:ln w="0"/>
                 <a:effectLst>
                   <a:outerShdw blurRad="38100" dist="19050" dir="2700000" algn="tl" rotWithShape="0">
@@ -5022,16 +5296,6 @@
               </a:rPr>
               <a:t>The Reinforcement Learning Problem</a:t>
             </a:r>
-            <a:endParaRPr lang="en-GB" dirty="0">
-              <a:ln w="0"/>
-              <a:effectLst>
-                <a:outerShdw blurRad="38100" dist="19050" dir="2700000" algn="tl" rotWithShape="0">
-                  <a:schemeClr val="dk1">
-                    <a:alpha val="40000"/>
-                  </a:schemeClr>
-                </a:outerShdw>
-              </a:effectLst>
-            </a:endParaRPr>
           </a:p>
         </p:txBody>
       </p:sp>
@@ -5105,33 +5369,7 @@
                   </a:outerShdw>
                 </a:effectLst>
               </a:rPr>
-              <a:t>Atari </a:t>
-            </a:r>
-            <a:r>
-              <a:rPr lang="en-GB" dirty="0" smtClean="0">
-                <a:ln w="0"/>
-                <a:effectLst>
-                  <a:outerShdw blurRad="38100" dist="19050" dir="2700000" algn="tl" rotWithShape="0">
-                    <a:schemeClr val="dk1">
-                      <a:alpha val="40000"/>
-                    </a:schemeClr>
-                  </a:outerShdw>
-                </a:effectLst>
-              </a:rPr>
-              <a:t>2600 in Arcade Learning </a:t>
-            </a:r>
-            <a:r>
-              <a:rPr lang="en-GB" dirty="0">
-                <a:ln w="0"/>
-                <a:effectLst>
-                  <a:outerShdw blurRad="38100" dist="19050" dir="2700000" algn="tl" rotWithShape="0">
-                    <a:schemeClr val="dk1">
-                      <a:alpha val="40000"/>
-                    </a:schemeClr>
-                  </a:outerShdw>
-                </a:effectLst>
-              </a:rPr>
-              <a:t>Environment</a:t>
+              <a:t>Atari 2600 in Arcade Learning Environment</a:t>
             </a:r>
           </a:p>
         </p:txBody>
@@ -5212,18 +5450,17 @@
             <a:lstStyle/>
             <a:p>
               <a:r>
-                <a:rPr lang="en-GB" b="1" dirty="0" smtClean="0"/>
+                <a:rPr lang="en-GB" b="1" dirty="0"/>
                 <a:t>Five Atari Games: Pong, Breakout, Space Invaders, </a:t>
               </a:r>
               <a:r>
-                <a:rPr lang="en-GB" b="1" dirty="0" err="1" smtClean="0"/>
+                <a:rPr lang="en-GB" b="1" dirty="0" err="1"/>
                 <a:t>Seaquest</a:t>
               </a:r>
               <a:r>
-                <a:rPr lang="en-GB" b="1" dirty="0" smtClean="0"/>
+                <a:rPr lang="en-GB" b="1" dirty="0"/>
                 <a:t>, Beam Rider</a:t>
               </a:r>
-              <a:endParaRPr lang="en-GB" b="1" dirty="0"/>
             </a:p>
           </p:txBody>
         </p:sp>
@@ -5258,16 +5495,8 @@
               <a:buChar char="•"/>
             </a:pPr>
             <a:r>
-              <a:rPr lang="en-GB" sz="2400" dirty="0" smtClean="0"/>
-              <a:t>Challenging testbed for RL &amp; interesting </a:t>
-            </a:r>
-            <a:r>
               <a:rPr lang="en-GB" sz="2400" dirty="0"/>
-              <a:t>set of </a:t>
-            </a:r>
-            <a:r>
-              <a:rPr lang="en-GB" sz="2400" dirty="0" smtClean="0"/>
-              <a:t>tasks</a:t>
+              <a:t>Challenging testbed for RL &amp; interesting set of tasks</a:t>
             </a:r>
           </a:p>
           <a:p>
@@ -5279,7 +5508,7 @@
               <a:buChar char="•"/>
             </a:pPr>
             <a:r>
-              <a:rPr lang="en-GB" sz="2400" dirty="0" smtClean="0"/>
+              <a:rPr lang="en-GB" sz="2400" dirty="0"/>
               <a:t>High Dimensional Visual Input (210x160 RGB @ 60Hz)</a:t>
             </a:r>
           </a:p>
@@ -5292,11 +5521,11 @@
               <a:buChar char="•"/>
             </a:pPr>
             <a:r>
-              <a:rPr lang="en-GB" sz="2400" i="1" dirty="0" smtClean="0"/>
+              <a:rPr lang="en-GB" sz="2400" i="1" dirty="0"/>
               <a:t>Note</a:t>
             </a:r>
             <a:r>
-              <a:rPr lang="en-GB" sz="2400" dirty="0" smtClean="0"/>
+              <a:rPr lang="en-GB" sz="2400" dirty="0"/>
               <a:t>: Each state is sequence of actions &amp; observations</a:t>
             </a:r>
           </a:p>
@@ -5362,7 +5591,7 @@
           <a:lstStyle/>
           <a:p>
             <a:r>
-              <a:rPr lang="en-GB" dirty="0" smtClean="0">
+              <a:rPr lang="en-GB" dirty="0">
                 <a:ln w="0"/>
                 <a:effectLst>
                   <a:outerShdw blurRad="38100" dist="19050" dir="2700000" algn="tl" rotWithShape="0">
@@ -5374,16 +5603,6 @@
               </a:rPr>
               <a:t>Q-Network</a:t>
             </a:r>
-            <a:endParaRPr lang="en-GB" dirty="0">
-              <a:ln w="0"/>
-              <a:effectLst>
-                <a:outerShdw blurRad="38100" dist="19050" dir="2700000" algn="tl" rotWithShape="0">
-                  <a:schemeClr val="dk1">
-                    <a:alpha val="40000"/>
-                  </a:schemeClr>
-                </a:outerShdw>
-              </a:effectLst>
-            </a:endParaRPr>
           </a:p>
         </p:txBody>
       </p:sp>
@@ -5427,8 +5646,8 @@
           </a:prstGeom>
         </p:spPr>
       </p:pic>
-      <mc:AlternateContent xmlns:mc="http://schemas.openxmlformats.org/markup-compatibility/2006">
-        <mc:Choice xmlns:a14="http://schemas.microsoft.com/office/drawing/2010/main" Requires="a14">
+      <mc:AlternateContent xmlns:mc="http://schemas.openxmlformats.org/markup-compatibility/2006" xmlns:a14="http://schemas.microsoft.com/office/drawing/2010/main">
+        <mc:Choice Requires="a14">
           <p:sp>
             <p:nvSpPr>
               <p:cNvPr id="6" name="Rectangle 5"/>
@@ -5450,6 +5669,7 @@
               </a:bodyPr>
               <a:lstStyle/>
               <a:p>
+                <a:pPr/>
                 <a14:m>
                   <m:oMathPara xmlns:m="http://schemas.openxmlformats.org/officeDocument/2006/math">
                     <m:oMathParaPr>
@@ -5577,7 +5797,7 @@
             </p:txBody>
           </p:sp>
         </mc:Choice>
-        <mc:Fallback>
+        <mc:Fallback xmlns="">
           <p:sp>
             <p:nvSpPr>
               <p:cNvPr id="6" name="Rectangle 5"/>
@@ -5671,13 +5891,8 @@
             <a:pPr algn="ctr"/>
             <a:r>
               <a:rPr lang="en-GB" sz="2000" b="1" dirty="0"/>
-              <a:t>Use neural network function </a:t>
-            </a:r>
-            <a:r>
-              <a:rPr lang="en-GB" sz="2000" b="1" dirty="0" smtClean="0"/>
-              <a:t>approximator instead</a:t>
-            </a:r>
-            <a:endParaRPr lang="en-GB" sz="2000" b="1" dirty="0"/>
+              <a:t>Use neural network function approximator instead</a:t>
+            </a:r>
           </a:p>
         </p:txBody>
       </p:sp>
@@ -5860,7 +6075,7 @@
         </p:blipFill>
         <p:spPr>
           <a:xfrm>
-            <a:off x="1917031" y="1690688"/>
+            <a:off x="1800726" y="1407076"/>
             <a:ext cx="8590547" cy="4557399"/>
           </a:xfrm>
           <a:prstGeom prst="rect">
@@ -5871,6 +6086,337 @@
           </a:ln>
         </p:spPr>
       </p:pic>
+      <mc:AlternateContent xmlns:mc="http://schemas.openxmlformats.org/markup-compatibility/2006">
+        <mc:Choice xmlns:a14="http://schemas.microsoft.com/office/drawing/2010/main" Requires="a14">
+          <p:sp>
+            <p:nvSpPr>
+              <p:cNvPr id="3" name="TextBox 2">
+                <a:extLst>
+                  <a:ext uri="{FF2B5EF4-FFF2-40B4-BE49-F238E27FC236}">
+                    <a16:creationId xmlns:a16="http://schemas.microsoft.com/office/drawing/2014/main" id="{67F76A68-9D1D-4B90-B63F-47DD15B1C40E}"/>
+                  </a:ext>
+                </a:extLst>
+              </p:cNvPr>
+              <p:cNvSpPr txBox="1"/>
+              <p:nvPr/>
+            </p:nvSpPr>
+            <p:spPr>
+              <a:xfrm>
+                <a:off x="6877319" y="5964475"/>
+                <a:ext cx="5035639" cy="646331"/>
+              </a:xfrm>
+              <a:prstGeom prst="rect">
+                <a:avLst/>
+              </a:prstGeom>
+              <a:noFill/>
+            </p:spPr>
+            <p:txBody>
+              <a:bodyPr wrap="square" rtlCol="0">
+                <a:spAutoFit/>
+              </a:bodyPr>
+              <a:lstStyle/>
+              <a:p>
+                <a:r>
+                  <a:rPr lang="en-GB" b="0" dirty="0"/>
+                  <a:t>Agents experiences stored at each time step into dataset </a:t>
+                </a:r>
+                <a14:m>
+                  <m:oMath xmlns:m="http://schemas.openxmlformats.org/officeDocument/2006/math">
+                    <m:r>
+                      <a:rPr lang="en-GB" b="0" i="1" smtClean="0">
+                        <a:latin typeface="Cambria Math" panose="02040503050406030204" pitchFamily="18" charset="0"/>
+                      </a:rPr>
+                      <m:t>𝐷</m:t>
+                    </m:r>
+                    <m:r>
+                      <a:rPr lang="en-GB" b="0" i="1" smtClean="0">
+                        <a:latin typeface="Cambria Math" panose="02040503050406030204" pitchFamily="18" charset="0"/>
+                      </a:rPr>
+                      <m:t>=</m:t>
+                    </m:r>
+                    <m:sSub>
+                      <m:sSubPr>
+                        <m:ctrlPr>
+                          <a:rPr lang="en-GB" b="0" i="1" smtClean="0">
+                            <a:latin typeface="Cambria Math" panose="02040503050406030204" pitchFamily="18" charset="0"/>
+                          </a:rPr>
+                        </m:ctrlPr>
+                      </m:sSubPr>
+                      <m:e>
+                        <m:r>
+                          <a:rPr lang="en-GB" b="0" i="1" smtClean="0">
+                            <a:latin typeface="Cambria Math" panose="02040503050406030204" pitchFamily="18" charset="0"/>
+                          </a:rPr>
+                          <m:t>𝑒</m:t>
+                        </m:r>
+                      </m:e>
+                      <m:sub>
+                        <m:r>
+                          <a:rPr lang="en-GB" b="0" i="1" smtClean="0">
+                            <a:latin typeface="Cambria Math" panose="02040503050406030204" pitchFamily="18" charset="0"/>
+                          </a:rPr>
+                          <m:t>1</m:t>
+                        </m:r>
+                      </m:sub>
+                    </m:sSub>
+                    <m:r>
+                      <a:rPr lang="en-GB" b="0" i="1" smtClean="0">
+                        <a:latin typeface="Cambria Math" panose="02040503050406030204" pitchFamily="18" charset="0"/>
+                      </a:rPr>
+                      <m:t>,…</m:t>
+                    </m:r>
+                    <m:r>
+                      <a:rPr lang="en-GB" b="0" i="0" smtClean="0">
+                        <a:latin typeface="Cambria Math" panose="02040503050406030204" pitchFamily="18" charset="0"/>
+                      </a:rPr>
+                      <m:t>,</m:t>
+                    </m:r>
+                    <m:sSub>
+                      <m:sSubPr>
+                        <m:ctrlPr>
+                          <a:rPr lang="en-GB" b="0" i="1" smtClean="0">
+                            <a:latin typeface="Cambria Math" panose="02040503050406030204" pitchFamily="18" charset="0"/>
+                          </a:rPr>
+                        </m:ctrlPr>
+                      </m:sSubPr>
+                      <m:e>
+                        <m:r>
+                          <a:rPr lang="en-GB" b="0" i="1" smtClean="0">
+                            <a:latin typeface="Cambria Math" panose="02040503050406030204" pitchFamily="18" charset="0"/>
+                          </a:rPr>
+                          <m:t>𝑒</m:t>
+                        </m:r>
+                      </m:e>
+                      <m:sub>
+                        <m:r>
+                          <a:rPr lang="en-GB" b="0" i="1" smtClean="0">
+                            <a:latin typeface="Cambria Math" panose="02040503050406030204" pitchFamily="18" charset="0"/>
+                          </a:rPr>
+                          <m:t>𝑛</m:t>
+                        </m:r>
+                      </m:sub>
+                    </m:sSub>
+                  </m:oMath>
+                </a14:m>
+                <a:r>
+                  <a:rPr lang="en-GB" dirty="0"/>
+                  <a:t> where </a:t>
+                </a:r>
+                <a14:m>
+                  <m:oMath xmlns:m="http://schemas.openxmlformats.org/officeDocument/2006/math">
+                    <m:sSub>
+                      <m:sSubPr>
+                        <m:ctrlPr>
+                          <a:rPr lang="en-GB" i="1" smtClean="0">
+                            <a:latin typeface="Cambria Math" panose="02040503050406030204" pitchFamily="18" charset="0"/>
+                          </a:rPr>
+                        </m:ctrlPr>
+                      </m:sSubPr>
+                      <m:e>
+                        <m:r>
+                          <a:rPr lang="en-GB" b="0" i="1" smtClean="0">
+                            <a:latin typeface="Cambria Math" panose="02040503050406030204" pitchFamily="18" charset="0"/>
+                          </a:rPr>
+                          <m:t>𝑒</m:t>
+                        </m:r>
+                      </m:e>
+                      <m:sub>
+                        <m:r>
+                          <a:rPr lang="en-GB" b="0" i="1" smtClean="0">
+                            <a:latin typeface="Cambria Math" panose="02040503050406030204" pitchFamily="18" charset="0"/>
+                          </a:rPr>
+                          <m:t>𝑡</m:t>
+                        </m:r>
+                      </m:sub>
+                    </m:sSub>
+                    <m:r>
+                      <a:rPr lang="en-GB" b="0" i="1" smtClean="0">
+                        <a:latin typeface="Cambria Math" panose="02040503050406030204" pitchFamily="18" charset="0"/>
+                      </a:rPr>
+                      <m:t>=(</m:t>
+                    </m:r>
+                    <m:sSub>
+                      <m:sSubPr>
+                        <m:ctrlPr>
+                          <a:rPr lang="en-GB" b="0" i="1" smtClean="0">
+                            <a:latin typeface="Cambria Math" panose="02040503050406030204" pitchFamily="18" charset="0"/>
+                          </a:rPr>
+                        </m:ctrlPr>
+                      </m:sSubPr>
+                      <m:e>
+                        <m:r>
+                          <a:rPr lang="en-GB" b="0" i="1" smtClean="0">
+                            <a:latin typeface="Cambria Math" panose="02040503050406030204" pitchFamily="18" charset="0"/>
+                          </a:rPr>
+                          <m:t>𝑠</m:t>
+                        </m:r>
+                      </m:e>
+                      <m:sub>
+                        <m:r>
+                          <a:rPr lang="en-GB" b="0" i="1" smtClean="0">
+                            <a:latin typeface="Cambria Math" panose="02040503050406030204" pitchFamily="18" charset="0"/>
+                          </a:rPr>
+                          <m:t>𝑡</m:t>
+                        </m:r>
+                      </m:sub>
+                    </m:sSub>
+                    <m:r>
+                      <a:rPr lang="en-GB" b="0" i="1" smtClean="0">
+                        <a:latin typeface="Cambria Math" panose="02040503050406030204" pitchFamily="18" charset="0"/>
+                      </a:rPr>
+                      <m:t>,</m:t>
+                    </m:r>
+                    <m:sSub>
+                      <m:sSubPr>
+                        <m:ctrlPr>
+                          <a:rPr lang="en-GB" b="0" i="1" smtClean="0">
+                            <a:latin typeface="Cambria Math" panose="02040503050406030204" pitchFamily="18" charset="0"/>
+                          </a:rPr>
+                        </m:ctrlPr>
+                      </m:sSubPr>
+                      <m:e>
+                        <m:r>
+                          <a:rPr lang="en-GB" b="0" i="1" smtClean="0">
+                            <a:latin typeface="Cambria Math" panose="02040503050406030204" pitchFamily="18" charset="0"/>
+                          </a:rPr>
+                          <m:t>𝑎</m:t>
+                        </m:r>
+                      </m:e>
+                      <m:sub>
+                        <m:r>
+                          <a:rPr lang="en-GB" b="0" i="1" smtClean="0">
+                            <a:latin typeface="Cambria Math" panose="02040503050406030204" pitchFamily="18" charset="0"/>
+                          </a:rPr>
+                          <m:t>𝑡</m:t>
+                        </m:r>
+                      </m:sub>
+                    </m:sSub>
+                    <m:r>
+                      <a:rPr lang="en-GB" b="0" i="1" smtClean="0">
+                        <a:latin typeface="Cambria Math" panose="02040503050406030204" pitchFamily="18" charset="0"/>
+                      </a:rPr>
+                      <m:t>,</m:t>
+                    </m:r>
+                    <m:sSub>
+                      <m:sSubPr>
+                        <m:ctrlPr>
+                          <a:rPr lang="en-GB" b="0" i="1" smtClean="0">
+                            <a:latin typeface="Cambria Math" panose="02040503050406030204" pitchFamily="18" charset="0"/>
+                          </a:rPr>
+                        </m:ctrlPr>
+                      </m:sSubPr>
+                      <m:e>
+                        <m:r>
+                          <a:rPr lang="en-GB" b="0" i="1" smtClean="0">
+                            <a:latin typeface="Cambria Math" panose="02040503050406030204" pitchFamily="18" charset="0"/>
+                          </a:rPr>
+                          <m:t>𝑟</m:t>
+                        </m:r>
+                      </m:e>
+                      <m:sub>
+                        <m:r>
+                          <a:rPr lang="en-GB" b="0" i="1" smtClean="0">
+                            <a:latin typeface="Cambria Math" panose="02040503050406030204" pitchFamily="18" charset="0"/>
+                          </a:rPr>
+                          <m:t>𝑡</m:t>
+                        </m:r>
+                      </m:sub>
+                    </m:sSub>
+                    <m:r>
+                      <a:rPr lang="en-GB" b="0" i="1" smtClean="0">
+                        <a:latin typeface="Cambria Math" panose="02040503050406030204" pitchFamily="18" charset="0"/>
+                      </a:rPr>
+                      <m:t>,</m:t>
+                    </m:r>
+                    <m:sSub>
+                      <m:sSubPr>
+                        <m:ctrlPr>
+                          <a:rPr lang="en-GB" b="0" i="1" smtClean="0">
+                            <a:latin typeface="Cambria Math" panose="02040503050406030204" pitchFamily="18" charset="0"/>
+                          </a:rPr>
+                        </m:ctrlPr>
+                      </m:sSubPr>
+                      <m:e>
+                        <m:r>
+                          <a:rPr lang="en-GB" b="0" i="1" smtClean="0">
+                            <a:latin typeface="Cambria Math" panose="02040503050406030204" pitchFamily="18" charset="0"/>
+                          </a:rPr>
+                          <m:t>𝑠</m:t>
+                        </m:r>
+                      </m:e>
+                      <m:sub>
+                        <m:r>
+                          <a:rPr lang="en-GB" b="0" i="1" smtClean="0">
+                            <a:latin typeface="Cambria Math" panose="02040503050406030204" pitchFamily="18" charset="0"/>
+                          </a:rPr>
+                          <m:t>𝑡</m:t>
+                        </m:r>
+                        <m:r>
+                          <a:rPr lang="en-GB" b="0" i="1" smtClean="0">
+                            <a:latin typeface="Cambria Math" panose="02040503050406030204" pitchFamily="18" charset="0"/>
+                          </a:rPr>
+                          <m:t>+1</m:t>
+                        </m:r>
+                      </m:sub>
+                    </m:sSub>
+                    <m:r>
+                      <a:rPr lang="en-GB" b="0" i="1" smtClean="0">
+                        <a:latin typeface="Cambria Math" panose="02040503050406030204" pitchFamily="18" charset="0"/>
+                      </a:rPr>
+                      <m:t>,)</m:t>
+                    </m:r>
+                  </m:oMath>
+                </a14:m>
+                <a:endParaRPr lang="en-GB" dirty="0"/>
+              </a:p>
+            </p:txBody>
+          </p:sp>
+        </mc:Choice>
+        <mc:Fallback>
+          <p:sp>
+            <p:nvSpPr>
+              <p:cNvPr id="3" name="TextBox 2">
+                <a:extLst>
+                  <a:ext uri="{FF2B5EF4-FFF2-40B4-BE49-F238E27FC236}">
+                    <a16:creationId xmlns:a16="http://schemas.microsoft.com/office/drawing/2014/main" id="{67F76A68-9D1D-4B90-B63F-47DD15B1C40E}"/>
+                  </a:ext>
+                </a:extLst>
+              </p:cNvPr>
+              <p:cNvSpPr txBox="1">
+                <a:spLocks noRot="1" noChangeAspect="1" noMove="1" noResize="1" noEditPoints="1" noAdjustHandles="1" noChangeArrowheads="1" noChangeShapeType="1" noTextEdit="1"/>
+              </p:cNvSpPr>
+              <p:nvPr/>
+            </p:nvSpPr>
+            <p:spPr>
+              <a:xfrm>
+                <a:off x="6877319" y="5964475"/>
+                <a:ext cx="5035639" cy="646331"/>
+              </a:xfrm>
+              <a:prstGeom prst="rect">
+                <a:avLst/>
+              </a:prstGeom>
+              <a:blipFill>
+                <a:blip r:embed="rId5"/>
+                <a:stretch>
+                  <a:fillRect l="-969" t="-4717" b="-14151"/>
+                </a:stretch>
+              </a:blipFill>
+            </p:spPr>
+            <p:txBody>
+              <a:bodyPr/>
+              <a:lstStyle/>
+              <a:p>
+                <a:r>
+                  <a:rPr lang="en-GB">
+                    <a:noFill/>
+                  </a:rPr>
+                  <a:t> </a:t>
+                </a:r>
+              </a:p>
+            </p:txBody>
+          </p:sp>
+        </mc:Fallback>
+      </mc:AlternateContent>
     </p:spTree>
     <p:custDataLst>
       <p:tags r:id="rId1"/>
@@ -5932,6 +6478,277 @@
           </a:p>
         </p:txBody>
       </p:sp>
+      <mc:AlternateContent xmlns:mc="http://schemas.openxmlformats.org/markup-compatibility/2006">
+        <mc:Choice xmlns:a14="http://schemas.microsoft.com/office/drawing/2010/main" Requires="a14">
+          <p:sp>
+            <p:nvSpPr>
+              <p:cNvPr id="3" name="TextBox 2">
+                <a:extLst>
+                  <a:ext uri="{FF2B5EF4-FFF2-40B4-BE49-F238E27FC236}">
+                    <a16:creationId xmlns:a16="http://schemas.microsoft.com/office/drawing/2014/main" id="{9B80D7E1-ABEC-4FBC-84D6-327B354E9866}"/>
+                  </a:ext>
+                </a:extLst>
+              </p:cNvPr>
+              <p:cNvSpPr txBox="1"/>
+              <p:nvPr/>
+            </p:nvSpPr>
+            <p:spPr>
+              <a:xfrm>
+                <a:off x="1056067" y="1690688"/>
+                <a:ext cx="8229601" cy="3139321"/>
+              </a:xfrm>
+              <a:prstGeom prst="rect">
+                <a:avLst/>
+              </a:prstGeom>
+              <a:noFill/>
+            </p:spPr>
+            <p:txBody>
+              <a:bodyPr wrap="square" rtlCol="0">
+                <a:spAutoFit/>
+              </a:bodyPr>
+              <a:lstStyle/>
+              <a:p>
+                <a:pPr marL="285750" indent="-285750">
+                  <a:buFont typeface="Arial" panose="020B0604020202020204" pitchFamily="34" charset="0"/>
+                  <a:buChar char="•"/>
+                </a:pPr>
+                <a:r>
+                  <a:rPr lang="en-GB" dirty="0"/>
+                  <a:t>Pre-Processing</a:t>
+                </a:r>
+              </a:p>
+              <a:p>
+                <a:pPr marL="742950" lvl="1" indent="-285750">
+                  <a:buFont typeface="Arial" panose="020B0604020202020204" pitchFamily="34" charset="0"/>
+                  <a:buChar char="•"/>
+                </a:pPr>
+                <a:r>
+                  <a:rPr lang="en-GB" dirty="0"/>
+                  <a:t>RGB -&gt; Grey-Scale</a:t>
+                </a:r>
+              </a:p>
+              <a:p>
+                <a:pPr marL="742950" lvl="1" indent="-285750">
+                  <a:buFont typeface="Arial" panose="020B0604020202020204" pitchFamily="34" charset="0"/>
+                  <a:buChar char="•"/>
+                </a:pPr>
+                <a:r>
+                  <a:rPr lang="en-GB" dirty="0"/>
+                  <a:t>210x160 is Down-Sampled to 110x84</a:t>
+                </a:r>
+              </a:p>
+              <a:p>
+                <a:pPr marL="742950" lvl="1" indent="-285750">
+                  <a:buFont typeface="Arial" panose="020B0604020202020204" pitchFamily="34" charset="0"/>
+                  <a:buChar char="•"/>
+                </a:pPr>
+                <a:r>
+                  <a:rPr lang="en-GB" dirty="0"/>
+                  <a:t>84x84 cropped region</a:t>
+                </a:r>
+              </a:p>
+              <a:p>
+                <a:pPr marL="285750" indent="-285750">
+                  <a:buFont typeface="Arial" panose="020B0604020202020204" pitchFamily="34" charset="0"/>
+                  <a:buChar char="•"/>
+                </a:pPr>
+                <a:r>
+                  <a:rPr lang="en-GB" dirty="0">
+                    <a:ea typeface="Cambria Math" panose="02040503050406030204" pitchFamily="18" charset="0"/>
+                  </a:rPr>
+                  <a:t>Function </a:t>
+                </a:r>
+                <a14:m>
+                  <m:oMath xmlns:m="http://schemas.openxmlformats.org/officeDocument/2006/math">
+                    <m:r>
+                      <a:rPr lang="en-GB" i="1" smtClean="0">
+                        <a:latin typeface="Cambria Math" panose="02040503050406030204" pitchFamily="18" charset="0"/>
+                        <a:ea typeface="Cambria Math" panose="02040503050406030204" pitchFamily="18" charset="0"/>
+                      </a:rPr>
+                      <m:t>𝜙</m:t>
+                    </m:r>
+                    <m:r>
+                      <a:rPr lang="en-GB" b="0" i="1" smtClean="0">
+                        <a:latin typeface="Cambria Math" panose="02040503050406030204" pitchFamily="18" charset="0"/>
+                        <a:ea typeface="Cambria Math" panose="02040503050406030204" pitchFamily="18" charset="0"/>
+                      </a:rPr>
+                      <m:t>(</m:t>
+                    </m:r>
+                    <m:r>
+                      <a:rPr lang="en-GB" b="0" i="1" smtClean="0">
+                        <a:latin typeface="Cambria Math" panose="02040503050406030204" pitchFamily="18" charset="0"/>
+                        <a:ea typeface="Cambria Math" panose="02040503050406030204" pitchFamily="18" charset="0"/>
+                      </a:rPr>
+                      <m:t>𝑠</m:t>
+                    </m:r>
+                    <m:r>
+                      <a:rPr lang="en-GB" b="0" i="1" smtClean="0">
+                        <a:latin typeface="Cambria Math" panose="02040503050406030204" pitchFamily="18" charset="0"/>
+                        <a:ea typeface="Cambria Math" panose="02040503050406030204" pitchFamily="18" charset="0"/>
+                      </a:rPr>
+                      <m:t>)</m:t>
+                    </m:r>
+                  </m:oMath>
+                </a14:m>
+                <a:r>
+                  <a:rPr lang="en-GB" dirty="0"/>
+                  <a:t> stacks 4 processed histories for input to the Q-network (84 x 84 x 4)</a:t>
+                </a:r>
+              </a:p>
+              <a:p>
+                <a:pPr marL="285750" indent="-285750">
+                  <a:buFont typeface="Arial" panose="020B0604020202020204" pitchFamily="34" charset="0"/>
+                  <a:buChar char="•"/>
+                </a:pPr>
+                <a:r>
+                  <a:rPr lang="en-GB" dirty="0"/>
+                  <a:t>Network outputs predicted Q-Values for each action </a:t>
+                </a:r>
+                <a14:m>
+                  <m:oMath xmlns:m="http://schemas.openxmlformats.org/officeDocument/2006/math">
+                    <m:d>
+                      <m:dPr>
+                        <m:begChr m:val="|"/>
+                        <m:endChr m:val="|"/>
+                        <m:ctrlPr>
+                          <a:rPr lang="en-GB" b="0" i="1" smtClean="0">
+                            <a:latin typeface="Cambria Math" panose="02040503050406030204" pitchFamily="18" charset="0"/>
+                          </a:rPr>
+                        </m:ctrlPr>
+                      </m:dPr>
+                      <m:e>
+                        <m:r>
+                          <a:rPr lang="en-GB" b="0" i="1" smtClean="0">
+                            <a:latin typeface="Cambria Math" panose="02040503050406030204" pitchFamily="18" charset="0"/>
+                          </a:rPr>
+                          <m:t>𝐴</m:t>
+                        </m:r>
+                      </m:e>
+                    </m:d>
+                    <m:r>
+                      <a:rPr lang="en-GB" b="0" i="1" smtClean="0">
+                        <a:latin typeface="Cambria Math" panose="02040503050406030204" pitchFamily="18" charset="0"/>
+                      </a:rPr>
+                      <m:t>=[4,18]</m:t>
+                    </m:r>
+                  </m:oMath>
+                </a14:m>
+                <a:endParaRPr lang="en-GB" dirty="0"/>
+              </a:p>
+              <a:p>
+                <a:pPr marL="285750" indent="-285750">
+                  <a:buFont typeface="Arial" panose="020B0604020202020204" pitchFamily="34" charset="0"/>
+                  <a:buChar char="•"/>
+                </a:pPr>
+                <a:r>
+                  <a:rPr lang="en-GB" dirty="0"/>
+                  <a:t>Hidden Layers:</a:t>
+                </a:r>
+              </a:p>
+              <a:p>
+                <a:pPr marL="800100" lvl="1" indent="-342900">
+                  <a:buFont typeface="+mj-lt"/>
+                  <a:buAutoNum type="arabicPeriod"/>
+                </a:pPr>
+                <a:r>
+                  <a:rPr lang="en-GB" dirty="0"/>
+                  <a:t>16 8x8 filters with stride 4 then </a:t>
+                </a:r>
+                <a:r>
+                  <a:rPr lang="en-GB" dirty="0" err="1"/>
+                  <a:t>ReLU</a:t>
+                </a:r>
+                <a:r>
+                  <a:rPr lang="en-GB" dirty="0"/>
+                  <a:t> activation</a:t>
+                </a:r>
+              </a:p>
+              <a:p>
+                <a:pPr marL="800100" lvl="1" indent="-342900">
+                  <a:buFont typeface="+mj-lt"/>
+                  <a:buAutoNum type="arabicPeriod"/>
+                </a:pPr>
+                <a:r>
+                  <a:rPr lang="en-GB" dirty="0"/>
+                  <a:t>32 4x4 filters with stride 2 the </a:t>
+                </a:r>
+                <a:r>
+                  <a:rPr lang="en-GB" dirty="0" err="1"/>
+                  <a:t>ReLU</a:t>
+                </a:r>
+                <a:r>
+                  <a:rPr lang="en-GB" dirty="0"/>
+                  <a:t> activation</a:t>
+                </a:r>
+              </a:p>
+              <a:p>
+                <a:pPr marL="800100" lvl="1" indent="-342900">
+                  <a:buFont typeface="+mj-lt"/>
+                  <a:buAutoNum type="arabicPeriod"/>
+                </a:pPr>
+                <a:r>
+                  <a:rPr lang="en-GB" dirty="0"/>
+                  <a:t>Fully connected layer with 256 rectifier units.</a:t>
+                </a:r>
+              </a:p>
+              <a:p>
+                <a:pPr marL="342900" indent="-342900">
+                  <a:buFont typeface="Arial" panose="020B0604020202020204" pitchFamily="34" charset="0"/>
+                  <a:buChar char="•"/>
+                </a:pPr>
+                <a:r>
+                  <a:rPr lang="en-GB" dirty="0"/>
+                  <a:t>Fully-Connected linear layer with output for each action.</a:t>
+                </a:r>
+              </a:p>
+            </p:txBody>
+          </p:sp>
+        </mc:Choice>
+        <mc:Fallback>
+          <p:sp>
+            <p:nvSpPr>
+              <p:cNvPr id="3" name="TextBox 2">
+                <a:extLst>
+                  <a:ext uri="{FF2B5EF4-FFF2-40B4-BE49-F238E27FC236}">
+                    <a16:creationId xmlns:a16="http://schemas.microsoft.com/office/drawing/2014/main" id="{9B80D7E1-ABEC-4FBC-84D6-327B354E9866}"/>
+                  </a:ext>
+                </a:extLst>
+              </p:cNvPr>
+              <p:cNvSpPr txBox="1">
+                <a:spLocks noRot="1" noChangeAspect="1" noMove="1" noResize="1" noEditPoints="1" noAdjustHandles="1" noChangeArrowheads="1" noChangeShapeType="1" noTextEdit="1"/>
+              </p:cNvSpPr>
+              <p:nvPr/>
+            </p:nvSpPr>
+            <p:spPr>
+              <a:xfrm>
+                <a:off x="1056067" y="1690688"/>
+                <a:ext cx="8229601" cy="3139321"/>
+              </a:xfrm>
+              <a:prstGeom prst="rect">
+                <a:avLst/>
+              </a:prstGeom>
+              <a:blipFill>
+                <a:blip r:embed="rId4"/>
+                <a:stretch>
+                  <a:fillRect l="-444" t="-971" b="-2136"/>
+                </a:stretch>
+              </a:blipFill>
+            </p:spPr>
+            <p:txBody>
+              <a:bodyPr/>
+              <a:lstStyle/>
+              <a:p>
+                <a:r>
+                  <a:rPr lang="en-GB">
+                    <a:noFill/>
+                  </a:rPr>
+                  <a:t> </a:t>
+                </a:r>
+              </a:p>
+            </p:txBody>
+          </p:sp>
+        </mc:Fallback>
+      </mc:AlternateContent>
     </p:spTree>
     <p:custDataLst>
       <p:tags r:id="rId1"/>
@@ -5939,6 +6756,251 @@
     <p:extLst>
       <p:ext uri="{BB962C8B-B14F-4D97-AF65-F5344CB8AC3E}">
         <p14:creationId xmlns:p14="http://schemas.microsoft.com/office/powerpoint/2010/main" val="3177913439"/>
+      </p:ext>
+    </p:extLst>
+  </p:cSld>
+  <p:clrMapOvr>
+    <a:masterClrMapping/>
+  </p:clrMapOvr>
+</p:sld>
+</file>
+
+<file path=ppt/slides/slide8.xml><?xml version="1.0" encoding="utf-8"?>
+<p:sld xmlns:a="http://schemas.openxmlformats.org/drawingml/2006/main" xmlns:r="http://schemas.openxmlformats.org/officeDocument/2006/relationships" xmlns:p="http://schemas.openxmlformats.org/presentationml/2006/main">
+  <p:cSld>
+    <p:spTree>
+      <p:nvGrpSpPr>
+        <p:cNvPr id="1" name=""/>
+        <p:cNvGrpSpPr/>
+        <p:nvPr/>
+      </p:nvGrpSpPr>
+      <p:grpSpPr>
+        <a:xfrm>
+          <a:off x="0" y="0"/>
+          <a:ext cx="0" cy="0"/>
+          <a:chOff x="0" y="0"/>
+          <a:chExt cx="0" cy="0"/>
+        </a:xfrm>
+      </p:grpSpPr>
+      <p:sp>
+        <p:nvSpPr>
+          <p:cNvPr id="2" name="Title 1">
+            <a:extLst>
+              <a:ext uri="{FF2B5EF4-FFF2-40B4-BE49-F238E27FC236}">
+                <a16:creationId xmlns:a16="http://schemas.microsoft.com/office/drawing/2014/main" id="{C194A1BA-CDD0-461B-8AEB-5C1BF1BE5E68}"/>
+              </a:ext>
+            </a:extLst>
+          </p:cNvPr>
+          <p:cNvSpPr>
+            <a:spLocks noGrp="1"/>
+          </p:cNvSpPr>
+          <p:nvPr>
+            <p:ph type="title"/>
+          </p:nvPr>
+        </p:nvSpPr>
+        <p:spPr>
+          <a:xfrm>
+            <a:off x="838200" y="365126"/>
+            <a:ext cx="2317124" cy="806852"/>
+          </a:xfrm>
+        </p:spPr>
+        <p:txBody>
+          <a:bodyPr/>
+          <a:lstStyle/>
+          <a:p>
+            <a:r>
+              <a:rPr lang="en-GB" dirty="0"/>
+              <a:t>Training</a:t>
+            </a:r>
+          </a:p>
+        </p:txBody>
+      </p:sp>
+      <p:sp>
+        <p:nvSpPr>
+          <p:cNvPr id="4" name="TextBox 3">
+            <a:extLst>
+              <a:ext uri="{FF2B5EF4-FFF2-40B4-BE49-F238E27FC236}">
+                <a16:creationId xmlns:a16="http://schemas.microsoft.com/office/drawing/2014/main" id="{75DCC9D0-17DE-4854-8482-B2A959A5B8A4}"/>
+              </a:ext>
+            </a:extLst>
+          </p:cNvPr>
+          <p:cNvSpPr txBox="1"/>
+          <p:nvPr/>
+        </p:nvSpPr>
+        <p:spPr>
+          <a:xfrm>
+            <a:off x="1197735" y="2009104"/>
+            <a:ext cx="6632619" cy="646331"/>
+          </a:xfrm>
+          <a:prstGeom prst="rect">
+            <a:avLst/>
+          </a:prstGeom>
+          <a:noFill/>
+        </p:spPr>
+        <p:txBody>
+          <a:bodyPr wrap="square" rtlCol="0">
+            <a:spAutoFit/>
+          </a:bodyPr>
+          <a:lstStyle/>
+          <a:p>
+            <a:r>
+              <a:rPr lang="en-GB" dirty="0"/>
+              <a:t>Same agent (architecture, algorithm, hyperparameters) on 7 Atari games but normalised rewards across all games [1,0,-1]</a:t>
+            </a:r>
+          </a:p>
+        </p:txBody>
+      </p:sp>
+      <p:sp>
+        <p:nvSpPr>
+          <p:cNvPr id="5" name="TextBox 4">
+            <a:extLst>
+              <a:ext uri="{FF2B5EF4-FFF2-40B4-BE49-F238E27FC236}">
+                <a16:creationId xmlns:a16="http://schemas.microsoft.com/office/drawing/2014/main" id="{14252F3F-528F-41ED-91F8-70144BDEF06C}"/>
+              </a:ext>
+            </a:extLst>
+          </p:cNvPr>
+          <p:cNvSpPr txBox="1"/>
+          <p:nvPr/>
+        </p:nvSpPr>
+        <p:spPr>
+          <a:xfrm>
+            <a:off x="1596979" y="3116687"/>
+            <a:ext cx="8963697" cy="923330"/>
+          </a:xfrm>
+          <a:prstGeom prst="rect">
+            <a:avLst/>
+          </a:prstGeom>
+          <a:noFill/>
+        </p:spPr>
+        <p:txBody>
+          <a:bodyPr wrap="square" rtlCol="0">
+            <a:spAutoFit/>
+          </a:bodyPr>
+          <a:lstStyle/>
+          <a:p>
+            <a:r>
+              <a:rPr lang="en-GB" dirty="0"/>
+              <a:t>Trained for a total 10 million frames with a replay memory of 1 million most recent frames. </a:t>
+            </a:r>
+          </a:p>
+          <a:p>
+            <a:r>
+              <a:rPr lang="en-GB" dirty="0"/>
+              <a:t>Training with minibatches of size 32. Using a greedy/exploitation policy during training. Learning rate annealed linearly from 1 to 0.1 over the first million frames. </a:t>
+            </a:r>
+          </a:p>
+        </p:txBody>
+      </p:sp>
+      <p:sp>
+        <p:nvSpPr>
+          <p:cNvPr id="6" name="TextBox 5">
+            <a:extLst>
+              <a:ext uri="{FF2B5EF4-FFF2-40B4-BE49-F238E27FC236}">
+                <a16:creationId xmlns:a16="http://schemas.microsoft.com/office/drawing/2014/main" id="{DD2B0BB1-67E2-485B-BA7A-E817FF08EC85}"/>
+              </a:ext>
+            </a:extLst>
+          </p:cNvPr>
+          <p:cNvSpPr txBox="1"/>
+          <p:nvPr/>
+        </p:nvSpPr>
+        <p:spPr>
+          <a:xfrm>
+            <a:off x="2356834" y="4610637"/>
+            <a:ext cx="7675808" cy="369332"/>
+          </a:xfrm>
+          <a:prstGeom prst="rect">
+            <a:avLst/>
+          </a:prstGeom>
+          <a:noFill/>
+        </p:spPr>
+        <p:txBody>
+          <a:bodyPr wrap="square" rtlCol="0">
+            <a:spAutoFit/>
+          </a:bodyPr>
+          <a:lstStyle/>
+          <a:p>
+            <a:r>
+              <a:rPr lang="en-GB" dirty="0"/>
+              <a:t>Frame skipping technique, agent sees and acts every kth frame (k=4)</a:t>
+            </a:r>
+          </a:p>
+        </p:txBody>
+      </p:sp>
+    </p:spTree>
+    <p:custDataLst>
+      <p:tags r:id="rId1"/>
+    </p:custDataLst>
+    <p:extLst>
+      <p:ext uri="{BB962C8B-B14F-4D97-AF65-F5344CB8AC3E}">
+        <p14:creationId xmlns:p14="http://schemas.microsoft.com/office/powerpoint/2010/main" val="4289036692"/>
+      </p:ext>
+    </p:extLst>
+  </p:cSld>
+  <p:clrMapOvr>
+    <a:masterClrMapping/>
+  </p:clrMapOvr>
+</p:sld>
+</file>
+
+<file path=ppt/slides/slide9.xml><?xml version="1.0" encoding="utf-8"?>
+<p:sld xmlns:a="http://schemas.openxmlformats.org/drawingml/2006/main" xmlns:r="http://schemas.openxmlformats.org/officeDocument/2006/relationships" xmlns:p="http://schemas.openxmlformats.org/presentationml/2006/main">
+  <p:cSld>
+    <p:spTree>
+      <p:nvGrpSpPr>
+        <p:cNvPr id="1" name=""/>
+        <p:cNvGrpSpPr/>
+        <p:nvPr/>
+      </p:nvGrpSpPr>
+      <p:grpSpPr>
+        <a:xfrm>
+          <a:off x="0" y="0"/>
+          <a:ext cx="0" cy="0"/>
+          <a:chOff x="0" y="0"/>
+          <a:chExt cx="0" cy="0"/>
+        </a:xfrm>
+      </p:grpSpPr>
+      <p:sp>
+        <p:nvSpPr>
+          <p:cNvPr id="2" name="Title 1">
+            <a:extLst>
+              <a:ext uri="{FF2B5EF4-FFF2-40B4-BE49-F238E27FC236}">
+                <a16:creationId xmlns:a16="http://schemas.microsoft.com/office/drawing/2014/main" id="{281EAB0D-56CB-453E-9B99-068794DC9B07}"/>
+              </a:ext>
+            </a:extLst>
+          </p:cNvPr>
+          <p:cNvSpPr>
+            <a:spLocks noGrp="1"/>
+          </p:cNvSpPr>
+          <p:nvPr>
+            <p:ph type="title"/>
+          </p:nvPr>
+        </p:nvSpPr>
+        <p:spPr>
+          <a:xfrm>
+            <a:off x="838199" y="365125"/>
+            <a:ext cx="4983051" cy="819731"/>
+          </a:xfrm>
+        </p:spPr>
+        <p:txBody>
+          <a:bodyPr>
+            <a:normAutofit fontScale="90000"/>
+          </a:bodyPr>
+          <a:lstStyle/>
+          <a:p>
+            <a:r>
+              <a:rPr lang="en-GB" dirty="0"/>
+              <a:t>Experiments &amp; Results</a:t>
+            </a:r>
+          </a:p>
+        </p:txBody>
+      </p:sp>
+    </p:spTree>
+    <p:custDataLst>
+      <p:tags r:id="rId1"/>
+    </p:custDataLst>
+    <p:extLst>
+      <p:ext uri="{BB962C8B-B14F-4D97-AF65-F5344CB8AC3E}">
+        <p14:creationId xmlns:p14="http://schemas.microsoft.com/office/powerpoint/2010/main" val="3979658909"/>
       </p:ext>
     </p:extLst>
   </p:cSld>
@@ -5991,6 +7053,20 @@
 </file>
 
 <file path=ppt/tags/tag7.xml><?xml version="1.0" encoding="utf-8"?>
+<p:tagLst xmlns:a="http://schemas.openxmlformats.org/drawingml/2006/main" xmlns:r="http://schemas.openxmlformats.org/officeDocument/2006/relationships" xmlns:p="http://schemas.openxmlformats.org/presentationml/2006/main">
+  <p:tag name="POINTS" val="1"/>
+  <p:tag name="TIME" val="15"/>
+</p:tagLst>
+</file>
+
+<file path=ppt/tags/tag8.xml><?xml version="1.0" encoding="utf-8"?>
+<p:tagLst xmlns:a="http://schemas.openxmlformats.org/drawingml/2006/main" xmlns:r="http://schemas.openxmlformats.org/officeDocument/2006/relationships" xmlns:p="http://schemas.openxmlformats.org/presentationml/2006/main">
+  <p:tag name="POINTS" val="1"/>
+  <p:tag name="TIME" val="15"/>
+</p:tagLst>
+</file>
+
+<file path=ppt/tags/tag9.xml><?xml version="1.0" encoding="utf-8"?>
 <p:tagLst xmlns:a="http://schemas.openxmlformats.org/drawingml/2006/main" xmlns:r="http://schemas.openxmlformats.org/officeDocument/2006/relationships" xmlns:p="http://schemas.openxmlformats.org/presentationml/2006/main">
   <p:tag name="POINTS" val="1"/>
   <p:tag name="TIME" val="15"/>

--- a/DQN/dqn_slides.pptx
+++ b/DQN/dqn_slides.pptx
@@ -5,7 +5,7 @@
     <p:sldMasterId id="2147483648" r:id="rId1"/>
   </p:sldMasterIdLst>
   <p:notesMasterIdLst>
-    <p:notesMasterId r:id="rId11"/>
+    <p:notesMasterId r:id="rId13"/>
   </p:notesMasterIdLst>
   <p:sldIdLst>
     <p:sldId id="256" r:id="rId2"/>
@@ -17,6 +17,8 @@
     <p:sldId id="278" r:id="rId8"/>
     <p:sldId id="279" r:id="rId9"/>
     <p:sldId id="280" r:id="rId10"/>
+    <p:sldId id="281" r:id="rId11"/>
+    <p:sldId id="282" r:id="rId12"/>
   </p:sldIdLst>
   <p:sldSz cx="12192000" cy="6858000"/>
   <p:notesSz cx="6858000" cy="9144000"/>
@@ -205,7 +207,7 @@
           <a:p>
             <a:fld id="{90B6B2DE-9C7A-410D-BB33-96FD23F82A93}" type="datetimeFigureOut">
               <a:rPr lang="en-GB" smtClean="0"/>
-              <a:t>20/03/2020</a:t>
+              <a:t>22/03/2020</a:t>
             </a:fld>
             <a:endParaRPr lang="en-GB"/>
           </a:p>
@@ -784,6 +786,21 @@
               <a:t>Mention this is model-free RL because we are not using the rest of the model just approximating q-values</a:t>
             </a:r>
           </a:p>
+          <a:p>
+            <a:r>
+              <a:rPr lang="en-GB" dirty="0"/>
+              <a:t>Solves RL problem from the emulator without explicitly constructing an estimate of the emulator.</a:t>
+            </a:r>
+          </a:p>
+          <a:p>
+            <a:endParaRPr lang="en-GB" dirty="0"/>
+          </a:p>
+          <a:p>
+            <a:r>
+              <a:rPr lang="en-GB" dirty="0"/>
+              <a:t>Learns about the greedy strategy (to select the action to maximise q-value) while following the behaviour …</a:t>
+            </a:r>
+          </a:p>
         </p:txBody>
       </p:sp>
       <p:sp>
@@ -906,6 +923,14 @@
               <a:rPr lang="en-GB" baseline="0" dirty="0"/>
               <a:t>Perform Q-learning updates to mini-batches in the inner loop of the algorithm.</a:t>
             </a:r>
+          </a:p>
+          <a:p>
+            <a:endParaRPr lang="en-GB" baseline="0" dirty="0"/>
+          </a:p>
+          <a:p>
+            <a:endParaRPr lang="en-GB" baseline="0" dirty="0"/>
+          </a:p>
+          <a:p>
             <a:endParaRPr lang="en-GB" dirty="0"/>
           </a:p>
         </p:txBody>
@@ -1104,15 +1129,7 @@
             </a:r>
             <a:r>
               <a:rPr lang="en-GB" dirty="0"/>
-              <a:t>, </a:t>
-            </a:r>
-            <a:r>
-              <a:rPr lang="en-GB" dirty="0" err="1"/>
-              <a:t>Seaquest</a:t>
-            </a:r>
-            <a:r>
-              <a:rPr lang="en-GB" dirty="0"/>
-              <a:t>, Space Invaders</a:t>
+              <a:t>, Seaquest, Space Invaders</a:t>
             </a:r>
           </a:p>
           <a:p>
@@ -1202,6 +1219,343 @@
     <p:extLst>
       <p:ext uri="{BB962C8B-B14F-4D97-AF65-F5344CB8AC3E}">
         <p14:creationId xmlns:p14="http://schemas.microsoft.com/office/powerpoint/2010/main" val="3453962627"/>
+      </p:ext>
+    </p:extLst>
+  </p:cSld>
+  <p:clrMapOvr>
+    <a:masterClrMapping/>
+  </p:clrMapOvr>
+</p:notes>
+</file>
+
+<file path=ppt/notesSlides/notesSlide7.xml><?xml version="1.0" encoding="utf-8"?>
+<p:notes xmlns:a="http://schemas.openxmlformats.org/drawingml/2006/main" xmlns:r="http://schemas.openxmlformats.org/officeDocument/2006/relationships" xmlns:p="http://schemas.openxmlformats.org/presentationml/2006/main">
+  <p:cSld>
+    <p:spTree>
+      <p:nvGrpSpPr>
+        <p:cNvPr id="1" name=""/>
+        <p:cNvGrpSpPr/>
+        <p:nvPr/>
+      </p:nvGrpSpPr>
+      <p:grpSpPr>
+        <a:xfrm>
+          <a:off x="0" y="0"/>
+          <a:ext cx="0" cy="0"/>
+          <a:chOff x="0" y="0"/>
+          <a:chExt cx="0" cy="0"/>
+        </a:xfrm>
+      </p:grpSpPr>
+      <p:sp>
+        <p:nvSpPr>
+          <p:cNvPr id="2" name="Slide Image Placeholder 1"/>
+          <p:cNvSpPr>
+            <a:spLocks noGrp="1" noRot="1" noChangeAspect="1"/>
+          </p:cNvSpPr>
+          <p:nvPr>
+            <p:ph type="sldImg"/>
+          </p:nvPr>
+        </p:nvSpPr>
+        <p:spPr/>
+      </p:sp>
+      <p:sp>
+        <p:nvSpPr>
+          <p:cNvPr id="3" name="Notes Placeholder 2"/>
+          <p:cNvSpPr>
+            <a:spLocks noGrp="1"/>
+          </p:cNvSpPr>
+          <p:nvPr>
+            <p:ph type="body" idx="1"/>
+          </p:nvPr>
+        </p:nvSpPr>
+        <p:spPr/>
+        <p:txBody>
+          <a:bodyPr/>
+          <a:lstStyle/>
+          <a:p>
+            <a:r>
+              <a:rPr lang="en-GB" dirty="0"/>
+              <a:t>Since the evaluation metric (loss function) is the total reward collected the authors compute it over training.</a:t>
+            </a:r>
+          </a:p>
+          <a:p>
+            <a:r>
+              <a:rPr lang="en-GB" dirty="0"/>
+              <a:t>However it doesn’t give the impression of learning progress because the signal is noisy. (because small, weight changes result in large changes to the game states visited)</a:t>
+            </a:r>
+          </a:p>
+          <a:p>
+            <a:endParaRPr lang="en-GB" dirty="0"/>
+          </a:p>
+          <a:p>
+            <a:r>
+              <a:rPr lang="en-GB" dirty="0"/>
+              <a:t>Q-Value is more stable metric (right), this is reward obtained from current state.</a:t>
+            </a:r>
+          </a:p>
+          <a:p>
+            <a:r>
+              <a:rPr lang="en-GB" dirty="0"/>
+              <a:t>The values for all 4 plots are averaged over a fixed set of states collected at the beginning training. The Q-Value is taken from each state by maximising over its actions.</a:t>
+            </a:r>
+          </a:p>
+          <a:p>
+            <a:endParaRPr lang="en-GB" dirty="0"/>
+          </a:p>
+          <a:p>
+            <a:r>
+              <a:rPr lang="en-GB" dirty="0"/>
+              <a:t>The smooth improvement to predicted Q-value shows the method is able to train large neural networks using an RL signal.</a:t>
+            </a:r>
+          </a:p>
+        </p:txBody>
+      </p:sp>
+      <p:sp>
+        <p:nvSpPr>
+          <p:cNvPr id="4" name="Slide Number Placeholder 3"/>
+          <p:cNvSpPr>
+            <a:spLocks noGrp="1"/>
+          </p:cNvSpPr>
+          <p:nvPr>
+            <p:ph type="sldNum" sz="quarter" idx="5"/>
+          </p:nvPr>
+        </p:nvSpPr>
+        <p:spPr/>
+        <p:txBody>
+          <a:bodyPr/>
+          <a:lstStyle/>
+          <a:p>
+            <a:fld id="{5EB41D8C-D68C-4D87-9D56-7F243B38E3DB}" type="slidenum">
+              <a:rPr lang="en-GB" smtClean="0"/>
+              <a:t>9</a:t>
+            </a:fld>
+            <a:endParaRPr lang="en-GB"/>
+          </a:p>
+        </p:txBody>
+      </p:sp>
+    </p:spTree>
+    <p:extLst>
+      <p:ext uri="{BB962C8B-B14F-4D97-AF65-F5344CB8AC3E}">
+        <p14:creationId xmlns:p14="http://schemas.microsoft.com/office/powerpoint/2010/main" val="649143961"/>
+      </p:ext>
+    </p:extLst>
+  </p:cSld>
+  <p:clrMapOvr>
+    <a:masterClrMapping/>
+  </p:clrMapOvr>
+</p:notes>
+</file>
+
+<file path=ppt/notesSlides/notesSlide8.xml><?xml version="1.0" encoding="utf-8"?>
+<p:notes xmlns:a="http://schemas.openxmlformats.org/drawingml/2006/main" xmlns:r="http://schemas.openxmlformats.org/officeDocument/2006/relationships" xmlns:p="http://schemas.openxmlformats.org/presentationml/2006/main">
+  <p:cSld>
+    <p:spTree>
+      <p:nvGrpSpPr>
+        <p:cNvPr id="1" name=""/>
+        <p:cNvGrpSpPr/>
+        <p:nvPr/>
+      </p:nvGrpSpPr>
+      <p:grpSpPr>
+        <a:xfrm>
+          <a:off x="0" y="0"/>
+          <a:ext cx="0" cy="0"/>
+          <a:chOff x="0" y="0"/>
+          <a:chExt cx="0" cy="0"/>
+        </a:xfrm>
+      </p:grpSpPr>
+      <p:sp>
+        <p:nvSpPr>
+          <p:cNvPr id="2" name="Slide Image Placeholder 1"/>
+          <p:cNvSpPr>
+            <a:spLocks noGrp="1" noRot="1" noChangeAspect="1"/>
+          </p:cNvSpPr>
+          <p:nvPr>
+            <p:ph type="sldImg"/>
+          </p:nvPr>
+        </p:nvSpPr>
+        <p:spPr/>
+      </p:sp>
+      <p:sp>
+        <p:nvSpPr>
+          <p:cNvPr id="3" name="Notes Placeholder 2"/>
+          <p:cNvSpPr>
+            <a:spLocks noGrp="1"/>
+          </p:cNvSpPr>
+          <p:nvPr>
+            <p:ph type="body" idx="1"/>
+          </p:nvPr>
+        </p:nvSpPr>
+        <p:spPr/>
+        <p:txBody>
+          <a:bodyPr/>
+          <a:lstStyle/>
+          <a:p>
+            <a:r>
+              <a:rPr lang="en-GB" dirty="0"/>
+              <a:t>For the learned methods we report average score obtained following an e-greed policy with e=0.05</a:t>
+            </a:r>
+          </a:p>
+          <a:p>
+            <a:r>
+              <a:rPr lang="en-GB" dirty="0"/>
+              <a:t>DQN is better despite no prior knowledge about the inputs/representations</a:t>
+            </a:r>
+          </a:p>
+          <a:p>
+            <a:endParaRPr lang="en-GB" dirty="0"/>
+          </a:p>
+          <a:p>
+            <a:endParaRPr lang="en-GB" dirty="0"/>
+          </a:p>
+          <a:p>
+            <a:r>
+              <a:rPr lang="en-GB" dirty="0"/>
+              <a:t>NHEAT HERE</a:t>
+            </a:r>
+          </a:p>
+          <a:p>
+            <a:endParaRPr lang="en-GB" dirty="0"/>
+          </a:p>
+          <a:p>
+            <a:r>
+              <a:rPr lang="en-GB" dirty="0"/>
+              <a:t>Better than human expert on Breakout, </a:t>
+            </a:r>
+            <a:r>
+              <a:rPr lang="en-GB" dirty="0" err="1"/>
+              <a:t>Enduro</a:t>
+            </a:r>
+            <a:r>
+              <a:rPr lang="en-GB" dirty="0"/>
+              <a:t>, Pong and close on Beam Rider</a:t>
+            </a:r>
+          </a:p>
+          <a:p>
+            <a:r>
+              <a:rPr lang="en-GB" dirty="0"/>
+              <a:t>Far from human performance on Q*</a:t>
+            </a:r>
+            <a:r>
+              <a:rPr lang="en-GB" dirty="0" err="1"/>
+              <a:t>bert</a:t>
+            </a:r>
+            <a:r>
+              <a:rPr lang="en-GB" dirty="0"/>
+              <a:t>, Seaquest and Space Invaders.</a:t>
+            </a:r>
+          </a:p>
+        </p:txBody>
+      </p:sp>
+      <p:sp>
+        <p:nvSpPr>
+          <p:cNvPr id="4" name="Slide Number Placeholder 3"/>
+          <p:cNvSpPr>
+            <a:spLocks noGrp="1"/>
+          </p:cNvSpPr>
+          <p:nvPr>
+            <p:ph type="sldNum" sz="quarter" idx="5"/>
+          </p:nvPr>
+        </p:nvSpPr>
+        <p:spPr/>
+        <p:txBody>
+          <a:bodyPr/>
+          <a:lstStyle/>
+          <a:p>
+            <a:fld id="{5EB41D8C-D68C-4D87-9D56-7F243B38E3DB}" type="slidenum">
+              <a:rPr lang="en-GB" smtClean="0"/>
+              <a:t>10</a:t>
+            </a:fld>
+            <a:endParaRPr lang="en-GB"/>
+          </a:p>
+        </p:txBody>
+      </p:sp>
+    </p:spTree>
+    <p:extLst>
+      <p:ext uri="{BB962C8B-B14F-4D97-AF65-F5344CB8AC3E}">
+        <p14:creationId xmlns:p14="http://schemas.microsoft.com/office/powerpoint/2010/main" val="3056309025"/>
+      </p:ext>
+    </p:extLst>
+  </p:cSld>
+  <p:clrMapOvr>
+    <a:masterClrMapping/>
+  </p:clrMapOvr>
+</p:notes>
+</file>
+
+<file path=ppt/notesSlides/notesSlide9.xml><?xml version="1.0" encoding="utf-8"?>
+<p:notes xmlns:a="http://schemas.openxmlformats.org/drawingml/2006/main" xmlns:r="http://schemas.openxmlformats.org/officeDocument/2006/relationships" xmlns:p="http://schemas.openxmlformats.org/presentationml/2006/main">
+  <p:cSld>
+    <p:spTree>
+      <p:nvGrpSpPr>
+        <p:cNvPr id="1" name=""/>
+        <p:cNvGrpSpPr/>
+        <p:nvPr/>
+      </p:nvGrpSpPr>
+      <p:grpSpPr>
+        <a:xfrm>
+          <a:off x="0" y="0"/>
+          <a:ext cx="0" cy="0"/>
+          <a:chOff x="0" y="0"/>
+          <a:chExt cx="0" cy="0"/>
+        </a:xfrm>
+      </p:grpSpPr>
+      <p:sp>
+        <p:nvSpPr>
+          <p:cNvPr id="2" name="Slide Image Placeholder 1"/>
+          <p:cNvSpPr>
+            <a:spLocks noGrp="1" noRot="1" noChangeAspect="1"/>
+          </p:cNvSpPr>
+          <p:nvPr>
+            <p:ph type="sldImg"/>
+          </p:nvPr>
+        </p:nvSpPr>
+        <p:spPr/>
+      </p:sp>
+      <p:sp>
+        <p:nvSpPr>
+          <p:cNvPr id="3" name="Notes Placeholder 2"/>
+          <p:cNvSpPr>
+            <a:spLocks noGrp="1"/>
+          </p:cNvSpPr>
+          <p:nvPr>
+            <p:ph type="body" idx="1"/>
+          </p:nvPr>
+        </p:nvSpPr>
+        <p:spPr/>
+        <p:txBody>
+          <a:bodyPr/>
+          <a:lstStyle/>
+          <a:p>
+            <a:endParaRPr lang="en-GB" dirty="0"/>
+          </a:p>
+        </p:txBody>
+      </p:sp>
+      <p:sp>
+        <p:nvSpPr>
+          <p:cNvPr id="4" name="Slide Number Placeholder 3"/>
+          <p:cNvSpPr>
+            <a:spLocks noGrp="1"/>
+          </p:cNvSpPr>
+          <p:nvPr>
+            <p:ph type="sldNum" sz="quarter" idx="5"/>
+          </p:nvPr>
+        </p:nvSpPr>
+        <p:spPr/>
+        <p:txBody>
+          <a:bodyPr/>
+          <a:lstStyle/>
+          <a:p>
+            <a:fld id="{5EB41D8C-D68C-4D87-9D56-7F243B38E3DB}" type="slidenum">
+              <a:rPr lang="en-GB" smtClean="0"/>
+              <a:t>11</a:t>
+            </a:fld>
+            <a:endParaRPr lang="en-GB"/>
+          </a:p>
+        </p:txBody>
+      </p:sp>
+    </p:spTree>
+    <p:extLst>
+      <p:ext uri="{BB962C8B-B14F-4D97-AF65-F5344CB8AC3E}">
+        <p14:creationId xmlns:p14="http://schemas.microsoft.com/office/powerpoint/2010/main" val="2882513350"/>
       </p:ext>
     </p:extLst>
   </p:cSld>
@@ -1360,7 +1714,7 @@
           <a:p>
             <a:fld id="{A3ACD417-9FA5-4093-9E64-8EEA39F65FF1}" type="datetimeFigureOut">
               <a:rPr lang="en-GB" smtClean="0"/>
-              <a:t>20/03/2020</a:t>
+              <a:t>22/03/2020</a:t>
             </a:fld>
             <a:endParaRPr lang="en-GB"/>
           </a:p>
@@ -1560,7 +1914,7 @@
           <a:p>
             <a:fld id="{A3ACD417-9FA5-4093-9E64-8EEA39F65FF1}" type="datetimeFigureOut">
               <a:rPr lang="en-GB" smtClean="0"/>
-              <a:t>20/03/2020</a:t>
+              <a:t>22/03/2020</a:t>
             </a:fld>
             <a:endParaRPr lang="en-GB"/>
           </a:p>
@@ -1770,7 +2124,7 @@
           <a:p>
             <a:fld id="{A3ACD417-9FA5-4093-9E64-8EEA39F65FF1}" type="datetimeFigureOut">
               <a:rPr lang="en-GB" smtClean="0"/>
-              <a:t>20/03/2020</a:t>
+              <a:t>22/03/2020</a:t>
             </a:fld>
             <a:endParaRPr lang="en-GB"/>
           </a:p>
@@ -1970,7 +2324,7 @@
           <a:p>
             <a:fld id="{A3ACD417-9FA5-4093-9E64-8EEA39F65FF1}" type="datetimeFigureOut">
               <a:rPr lang="en-GB" smtClean="0"/>
-              <a:t>20/03/2020</a:t>
+              <a:t>22/03/2020</a:t>
             </a:fld>
             <a:endParaRPr lang="en-GB"/>
           </a:p>
@@ -2246,7 +2600,7 @@
           <a:p>
             <a:fld id="{A3ACD417-9FA5-4093-9E64-8EEA39F65FF1}" type="datetimeFigureOut">
               <a:rPr lang="en-GB" smtClean="0"/>
-              <a:t>20/03/2020</a:t>
+              <a:t>22/03/2020</a:t>
             </a:fld>
             <a:endParaRPr lang="en-GB"/>
           </a:p>
@@ -2514,7 +2868,7 @@
           <a:p>
             <a:fld id="{A3ACD417-9FA5-4093-9E64-8EEA39F65FF1}" type="datetimeFigureOut">
               <a:rPr lang="en-GB" smtClean="0"/>
-              <a:t>20/03/2020</a:t>
+              <a:t>22/03/2020</a:t>
             </a:fld>
             <a:endParaRPr lang="en-GB"/>
           </a:p>
@@ -2929,7 +3283,7 @@
           <a:p>
             <a:fld id="{A3ACD417-9FA5-4093-9E64-8EEA39F65FF1}" type="datetimeFigureOut">
               <a:rPr lang="en-GB" smtClean="0"/>
-              <a:t>20/03/2020</a:t>
+              <a:t>22/03/2020</a:t>
             </a:fld>
             <a:endParaRPr lang="en-GB"/>
           </a:p>
@@ -3071,7 +3425,7 @@
           <a:p>
             <a:fld id="{A3ACD417-9FA5-4093-9E64-8EEA39F65FF1}" type="datetimeFigureOut">
               <a:rPr lang="en-GB" smtClean="0"/>
-              <a:t>20/03/2020</a:t>
+              <a:t>22/03/2020</a:t>
             </a:fld>
             <a:endParaRPr lang="en-GB"/>
           </a:p>
@@ -3184,7 +3538,7 @@
           <a:p>
             <a:fld id="{A3ACD417-9FA5-4093-9E64-8EEA39F65FF1}" type="datetimeFigureOut">
               <a:rPr lang="en-GB" smtClean="0"/>
-              <a:t>20/03/2020</a:t>
+              <a:t>22/03/2020</a:t>
             </a:fld>
             <a:endParaRPr lang="en-GB"/>
           </a:p>
@@ -3497,7 +3851,7 @@
           <a:p>
             <a:fld id="{A3ACD417-9FA5-4093-9E64-8EEA39F65FF1}" type="datetimeFigureOut">
               <a:rPr lang="en-GB" smtClean="0"/>
-              <a:t>20/03/2020</a:t>
+              <a:t>22/03/2020</a:t>
             </a:fld>
             <a:endParaRPr lang="en-GB"/>
           </a:p>
@@ -3786,7 +4140,7 @@
           <a:p>
             <a:fld id="{A3ACD417-9FA5-4093-9E64-8EEA39F65FF1}" type="datetimeFigureOut">
               <a:rPr lang="en-GB" smtClean="0"/>
-              <a:t>20/03/2020</a:t>
+              <a:t>22/03/2020</a:t>
             </a:fld>
             <a:endParaRPr lang="en-GB"/>
           </a:p>
@@ -4055,7 +4409,7 @@
           <a:p>
             <a:fld id="{A3ACD417-9FA5-4093-9E64-8EEA39F65FF1}" type="datetimeFigureOut">
               <a:rPr lang="en-GB" smtClean="0"/>
-              <a:t>20/03/2020</a:t>
+              <a:t>22/03/2020</a:t>
             </a:fld>
             <a:endParaRPr lang="en-GB"/>
           </a:p>
@@ -4646,6 +5000,318 @@
     <p:extLst>
       <p:ext uri="{BB962C8B-B14F-4D97-AF65-F5344CB8AC3E}">
         <p14:creationId xmlns:p14="http://schemas.microsoft.com/office/powerpoint/2010/main" val="2470099225"/>
+      </p:ext>
+    </p:extLst>
+  </p:cSld>
+  <p:clrMapOvr>
+    <a:masterClrMapping/>
+  </p:clrMapOvr>
+</p:sld>
+</file>
+
+<file path=ppt/slides/slide10.xml><?xml version="1.0" encoding="utf-8"?>
+<p:sld xmlns:a="http://schemas.openxmlformats.org/drawingml/2006/main" xmlns:r="http://schemas.openxmlformats.org/officeDocument/2006/relationships" xmlns:p="http://schemas.openxmlformats.org/presentationml/2006/main">
+  <p:cSld>
+    <p:spTree>
+      <p:nvGrpSpPr>
+        <p:cNvPr id="1" name=""/>
+        <p:cNvGrpSpPr/>
+        <p:nvPr/>
+      </p:nvGrpSpPr>
+      <p:grpSpPr>
+        <a:xfrm>
+          <a:off x="0" y="0"/>
+          <a:ext cx="0" cy="0"/>
+          <a:chOff x="0" y="0"/>
+          <a:chExt cx="0" cy="0"/>
+        </a:xfrm>
+      </p:grpSpPr>
+      <p:sp>
+        <p:nvSpPr>
+          <p:cNvPr id="2" name="Title 1">
+            <a:extLst>
+              <a:ext uri="{FF2B5EF4-FFF2-40B4-BE49-F238E27FC236}">
+                <a16:creationId xmlns:a16="http://schemas.microsoft.com/office/drawing/2014/main" id="{281EAB0D-56CB-453E-9B99-068794DC9B07}"/>
+              </a:ext>
+            </a:extLst>
+          </p:cNvPr>
+          <p:cNvSpPr>
+            <a:spLocks noGrp="1"/>
+          </p:cNvSpPr>
+          <p:nvPr>
+            <p:ph type="title"/>
+          </p:nvPr>
+        </p:nvSpPr>
+        <p:spPr>
+          <a:xfrm>
+            <a:off x="838199" y="365125"/>
+            <a:ext cx="4983051" cy="819731"/>
+          </a:xfrm>
+        </p:spPr>
+        <p:txBody>
+          <a:bodyPr>
+            <a:normAutofit fontScale="90000"/>
+          </a:bodyPr>
+          <a:lstStyle/>
+          <a:p>
+            <a:r>
+              <a:rPr lang="en-GB" dirty="0">
+                <a:ln w="0"/>
+                <a:effectLst>
+                  <a:outerShdw blurRad="38100" dist="19050" dir="2700000" algn="tl" rotWithShape="0">
+                    <a:schemeClr val="dk1">
+                      <a:alpha val="40000"/>
+                    </a:schemeClr>
+                  </a:outerShdw>
+                </a:effectLst>
+              </a:rPr>
+              <a:t>Experiments &amp; Results</a:t>
+            </a:r>
+          </a:p>
+        </p:txBody>
+      </p:sp>
+      <p:pic>
+        <p:nvPicPr>
+          <p:cNvPr id="14" name="Picture 13">
+            <a:extLst>
+              <a:ext uri="{FF2B5EF4-FFF2-40B4-BE49-F238E27FC236}">
+                <a16:creationId xmlns:a16="http://schemas.microsoft.com/office/drawing/2014/main" id="{E26990C6-A05A-4F58-8281-D4165BF0E360}"/>
+              </a:ext>
+            </a:extLst>
+          </p:cNvPr>
+          <p:cNvPicPr>
+            <a:picLocks noChangeAspect="1"/>
+          </p:cNvPicPr>
+          <p:nvPr/>
+        </p:nvPicPr>
+        <p:blipFill>
+          <a:blip r:embed="rId4">
+            <a:clrChange>
+              <a:clrFrom>
+                <a:srgbClr val="FFFFFF"/>
+              </a:clrFrom>
+              <a:clrTo>
+                <a:srgbClr val="FFFFFF">
+                  <a:alpha val="0"/>
+                </a:srgbClr>
+              </a:clrTo>
+            </a:clrChange>
+            <a:extLst>
+              <a:ext uri="{28A0092B-C50C-407E-A947-70E740481C1C}">
+                <a14:useLocalDpi xmlns:a14="http://schemas.microsoft.com/office/drawing/2010/main" val="0"/>
+              </a:ext>
+            </a:extLst>
+          </a:blip>
+          <a:stretch>
+            <a:fillRect/>
+          </a:stretch>
+        </p:blipFill>
+        <p:spPr>
+          <a:xfrm>
+            <a:off x="280763" y="1843605"/>
+            <a:ext cx="11630474" cy="3514458"/>
+          </a:xfrm>
+          <a:prstGeom prst="rect">
+            <a:avLst/>
+          </a:prstGeom>
+        </p:spPr>
+      </p:pic>
+    </p:spTree>
+    <p:custDataLst>
+      <p:tags r:id="rId1"/>
+    </p:custDataLst>
+    <p:extLst>
+      <p:ext uri="{BB962C8B-B14F-4D97-AF65-F5344CB8AC3E}">
+        <p14:creationId xmlns:p14="http://schemas.microsoft.com/office/powerpoint/2010/main" val="508954462"/>
+      </p:ext>
+    </p:extLst>
+  </p:cSld>
+  <p:clrMapOvr>
+    <a:masterClrMapping/>
+  </p:clrMapOvr>
+</p:sld>
+</file>
+
+<file path=ppt/slides/slide11.xml><?xml version="1.0" encoding="utf-8"?>
+<p:sld xmlns:a="http://schemas.openxmlformats.org/drawingml/2006/main" xmlns:r="http://schemas.openxmlformats.org/officeDocument/2006/relationships" xmlns:p="http://schemas.openxmlformats.org/presentationml/2006/main">
+  <p:cSld>
+    <p:spTree>
+      <p:nvGrpSpPr>
+        <p:cNvPr id="1" name=""/>
+        <p:cNvGrpSpPr/>
+        <p:nvPr/>
+      </p:nvGrpSpPr>
+      <p:grpSpPr>
+        <a:xfrm>
+          <a:off x="0" y="0"/>
+          <a:ext cx="0" cy="0"/>
+          <a:chOff x="0" y="0"/>
+          <a:chExt cx="0" cy="0"/>
+        </a:xfrm>
+      </p:grpSpPr>
+      <p:sp>
+        <p:nvSpPr>
+          <p:cNvPr id="4" name="Title 1">
+            <a:extLst>
+              <a:ext uri="{FF2B5EF4-FFF2-40B4-BE49-F238E27FC236}">
+                <a16:creationId xmlns:a16="http://schemas.microsoft.com/office/drawing/2014/main" id="{F7622F16-DA8F-4FF6-B7A1-55AB8BD5D5AB}"/>
+              </a:ext>
+            </a:extLst>
+          </p:cNvPr>
+          <p:cNvSpPr>
+            <a:spLocks noGrp="1"/>
+          </p:cNvSpPr>
+          <p:nvPr>
+            <p:ph type="title"/>
+          </p:nvPr>
+        </p:nvSpPr>
+        <p:spPr>
+          <a:xfrm>
+            <a:off x="661737" y="509504"/>
+            <a:ext cx="2707106" cy="934285"/>
+          </a:xfrm>
+        </p:spPr>
+        <p:txBody>
+          <a:bodyPr>
+            <a:normAutofit/>
+          </a:bodyPr>
+          <a:lstStyle/>
+          <a:p>
+            <a:r>
+              <a:rPr lang="en-GB" dirty="0">
+                <a:ln w="0"/>
+                <a:effectLst>
+                  <a:outerShdw blurRad="38100" dist="19050" dir="2700000" algn="tl" rotWithShape="0">
+                    <a:schemeClr val="dk1">
+                      <a:alpha val="40000"/>
+                    </a:schemeClr>
+                  </a:outerShdw>
+                </a:effectLst>
+              </a:rPr>
+              <a:t>Summary </a:t>
+            </a:r>
+          </a:p>
+        </p:txBody>
+      </p:sp>
+      <p:sp>
+        <p:nvSpPr>
+          <p:cNvPr id="5" name="TextBox 4">
+            <a:extLst>
+              <a:ext uri="{FF2B5EF4-FFF2-40B4-BE49-F238E27FC236}">
+                <a16:creationId xmlns:a16="http://schemas.microsoft.com/office/drawing/2014/main" id="{1626E077-1492-45F7-BE20-7C94354A66EE}"/>
+              </a:ext>
+            </a:extLst>
+          </p:cNvPr>
+          <p:cNvSpPr txBox="1"/>
+          <p:nvPr/>
+        </p:nvSpPr>
+        <p:spPr>
+          <a:xfrm>
+            <a:off x="1171074" y="1443789"/>
+            <a:ext cx="6545179" cy="830997"/>
+          </a:xfrm>
+          <a:prstGeom prst="rect">
+            <a:avLst/>
+          </a:prstGeom>
+          <a:noFill/>
+        </p:spPr>
+        <p:txBody>
+          <a:bodyPr wrap="square" rtlCol="0">
+            <a:spAutoFit/>
+          </a:bodyPr>
+          <a:lstStyle/>
+          <a:p>
+            <a:pPr marL="285750" indent="-285750">
+              <a:buFont typeface="Arial" panose="020B0604020202020204" pitchFamily="34" charset="0"/>
+              <a:buChar char="•"/>
+            </a:pPr>
+            <a:r>
+              <a:rPr lang="en-GB" sz="2400" dirty="0"/>
+              <a:t>The start of Deep Reinforcement Learning</a:t>
+            </a:r>
+          </a:p>
+          <a:p>
+            <a:pPr marL="285750" indent="-285750">
+              <a:buFont typeface="Arial" panose="020B0604020202020204" pitchFamily="34" charset="0"/>
+              <a:buChar char="•"/>
+            </a:pPr>
+            <a:r>
+              <a:rPr lang="en-GB" sz="2400" dirty="0"/>
+              <a:t>State-of-the-art at playing 6 Atari Games</a:t>
+            </a:r>
+          </a:p>
+        </p:txBody>
+      </p:sp>
+      <p:sp>
+        <p:nvSpPr>
+          <p:cNvPr id="6" name="Title 1">
+            <a:extLst>
+              <a:ext uri="{FF2B5EF4-FFF2-40B4-BE49-F238E27FC236}">
+                <a16:creationId xmlns:a16="http://schemas.microsoft.com/office/drawing/2014/main" id="{8C591B93-EB69-494C-8DF0-47964B049512}"/>
+              </a:ext>
+            </a:extLst>
+          </p:cNvPr>
+          <p:cNvSpPr txBox="1">
+            <a:spLocks/>
+          </p:cNvSpPr>
+          <p:nvPr/>
+        </p:nvSpPr>
+        <p:spPr>
+          <a:xfrm>
+            <a:off x="661736" y="2378074"/>
+            <a:ext cx="3348789" cy="934285"/>
+          </a:xfrm>
+          <a:prstGeom prst="rect">
+            <a:avLst/>
+          </a:prstGeom>
+        </p:spPr>
+        <p:txBody>
+          <a:bodyPr vert="horz" lIns="91440" tIns="45720" rIns="91440" bIns="45720" rtlCol="0" anchor="ctr">
+            <a:normAutofit fontScale="92500"/>
+          </a:bodyPr>
+          <a:lstStyle>
+            <a:lvl1pPr algn="l" defTabSz="914400" rtl="0" eaLnBrk="1" latinLnBrk="0" hangingPunct="1">
+              <a:lnSpc>
+                <a:spcPct val="90000"/>
+              </a:lnSpc>
+              <a:spcBef>
+                <a:spcPct val="0"/>
+              </a:spcBef>
+              <a:buNone/>
+              <a:defRPr sz="4400" kern="1200">
+                <a:solidFill>
+                  <a:schemeClr val="tx1"/>
+                </a:solidFill>
+                <a:latin typeface="+mj-lt"/>
+                <a:ea typeface="+mj-ea"/>
+                <a:cs typeface="+mj-cs"/>
+              </a:defRPr>
+            </a:lvl1pPr>
+          </a:lstStyle>
+          <a:p>
+            <a:r>
+              <a:rPr lang="en-GB" dirty="0">
+                <a:ln w="0"/>
+                <a:effectLst>
+                  <a:outerShdw blurRad="38100" dist="19050" dir="2700000" algn="tl" rotWithShape="0">
+                    <a:schemeClr val="dk1">
+                      <a:alpha val="40000"/>
+                    </a:schemeClr>
+                  </a:outerShdw>
+                </a:effectLst>
+              </a:rPr>
+              <a:t>Resulting Work</a:t>
+            </a:r>
+          </a:p>
+        </p:txBody>
+      </p:sp>
+    </p:spTree>
+    <p:custDataLst>
+      <p:tags r:id="rId1"/>
+    </p:custDataLst>
+    <p:extLst>
+      <p:ext uri="{BB962C8B-B14F-4D97-AF65-F5344CB8AC3E}">
+        <p14:creationId xmlns:p14="http://schemas.microsoft.com/office/powerpoint/2010/main" val="2643528183"/>
       </p:ext>
     </p:extLst>
   </p:cSld>
@@ -5451,15 +6117,7 @@
             <a:p>
               <a:r>
                 <a:rPr lang="en-GB" b="1" dirty="0"/>
-                <a:t>Five Atari Games: Pong, Breakout, Space Invaders, </a:t>
-              </a:r>
-              <a:r>
-                <a:rPr lang="en-GB" b="1" dirty="0" err="1"/>
-                <a:t>Seaquest</a:t>
-              </a:r>
-              <a:r>
-                <a:rPr lang="en-GB" b="1" dirty="0"/>
-                <a:t>, Beam Rider</a:t>
+                <a:t>Five Atari Games: Pong, Breakout, Space Invaders, Seaquest, Beam Rider</a:t>
               </a:r>
             </a:p>
           </p:txBody>
@@ -5968,6 +6626,41 @@
           </a:fontRef>
         </p:style>
       </p:cxnSp>
+      <p:sp>
+        <p:nvSpPr>
+          <p:cNvPr id="9" name="TextBox 8">
+            <a:extLst>
+              <a:ext uri="{FF2B5EF4-FFF2-40B4-BE49-F238E27FC236}">
+                <a16:creationId xmlns:a16="http://schemas.microsoft.com/office/drawing/2014/main" id="{F0BB1E18-F431-4D5C-A77D-B450A4023FBD}"/>
+              </a:ext>
+            </a:extLst>
+          </p:cNvPr>
+          <p:cNvSpPr txBox="1"/>
+          <p:nvPr/>
+        </p:nvSpPr>
+        <p:spPr>
+          <a:xfrm>
+            <a:off x="8137802" y="5960658"/>
+            <a:ext cx="4042441" cy="523220"/>
+          </a:xfrm>
+          <a:prstGeom prst="rect">
+            <a:avLst/>
+          </a:prstGeom>
+          <a:noFill/>
+        </p:spPr>
+        <p:txBody>
+          <a:bodyPr wrap="square" rtlCol="0">
+            <a:spAutoFit/>
+          </a:bodyPr>
+          <a:lstStyle/>
+          <a:p>
+            <a:r>
+              <a:rPr lang="en-GB" sz="2800" b="1" dirty="0"/>
+              <a:t>Model-free &amp; Off Policy</a:t>
+            </a:r>
+          </a:p>
+        </p:txBody>
+      </p:sp>
     </p:spTree>
     <p:custDataLst>
       <p:tags r:id="rId1"/>
@@ -6086,8 +6779,8 @@
           </a:ln>
         </p:spPr>
       </p:pic>
-      <mc:AlternateContent xmlns:mc="http://schemas.openxmlformats.org/markup-compatibility/2006">
-        <mc:Choice xmlns:a14="http://schemas.microsoft.com/office/drawing/2010/main" Requires="a14">
+      <mc:AlternateContent xmlns:mc="http://schemas.openxmlformats.org/markup-compatibility/2006" xmlns:a14="http://schemas.microsoft.com/office/drawing/2010/main">
+        <mc:Choice Requires="a14">
           <p:sp>
             <p:nvSpPr>
               <p:cNvPr id="3" name="TextBox 2">
@@ -6372,7 +7065,7 @@
             </p:txBody>
           </p:sp>
         </mc:Choice>
-        <mc:Fallback>
+        <mc:Fallback xmlns="">
           <p:sp>
             <p:nvSpPr>
               <p:cNvPr id="3" name="TextBox 2">
@@ -6466,7 +7159,12 @@
             <p:ph type="title"/>
           </p:nvPr>
         </p:nvSpPr>
-        <p:spPr/>
+        <p:spPr>
+          <a:xfrm>
+            <a:off x="1673094" y="506792"/>
+            <a:ext cx="8562474" cy="1325563"/>
+          </a:xfrm>
+        </p:spPr>
         <p:txBody>
           <a:bodyPr/>
           <a:lstStyle/>
@@ -6474,6 +7172,75 @@
             <a:r>
               <a:rPr lang="en-GB" dirty="0"/>
               <a:t>Pre-processing &amp; Model Architecture</a:t>
+            </a:r>
+          </a:p>
+        </p:txBody>
+      </p:sp>
+      <p:sp>
+        <p:nvSpPr>
+          <p:cNvPr id="3" name="TextBox 2">
+            <a:extLst>
+              <a:ext uri="{FF2B5EF4-FFF2-40B4-BE49-F238E27FC236}">
+                <a16:creationId xmlns:a16="http://schemas.microsoft.com/office/drawing/2014/main" id="{9B80D7E1-ABEC-4FBC-84D6-327B354E9866}"/>
+              </a:ext>
+            </a:extLst>
+          </p:cNvPr>
+          <p:cNvSpPr txBox="1"/>
+          <p:nvPr/>
+        </p:nvSpPr>
+        <p:spPr>
+          <a:xfrm>
+            <a:off x="6096000" y="2055184"/>
+            <a:ext cx="6096000" cy="1569660"/>
+          </a:xfrm>
+          <a:prstGeom prst="rect">
+            <a:avLst/>
+          </a:prstGeom>
+          <a:noFill/>
+        </p:spPr>
+        <p:txBody>
+          <a:bodyPr wrap="square" rtlCol="0">
+            <a:spAutoFit/>
+          </a:bodyPr>
+          <a:lstStyle/>
+          <a:p>
+            <a:pPr marL="285750" indent="-285750">
+              <a:buFont typeface="Arial" panose="020B0604020202020204" pitchFamily="34" charset="0"/>
+              <a:buChar char="•"/>
+            </a:pPr>
+            <a:r>
+              <a:rPr lang="en-GB" sz="2400" dirty="0"/>
+              <a:t>Pre-Processing</a:t>
+            </a:r>
+          </a:p>
+          <a:p>
+            <a:pPr marL="742950" lvl="1" indent="-285750">
+              <a:buFont typeface="Arial" panose="020B0604020202020204" pitchFamily="34" charset="0"/>
+              <a:buChar char="•"/>
+            </a:pPr>
+            <a:r>
+              <a:rPr lang="en-GB" sz="2400" dirty="0"/>
+              <a:t>RGB -&gt; Grey-Scale</a:t>
+            </a:r>
+          </a:p>
+          <a:p>
+            <a:pPr marL="742950" lvl="1" indent="-285750">
+              <a:buFont typeface="Arial" panose="020B0604020202020204" pitchFamily="34" charset="0"/>
+              <a:buChar char="•"/>
+            </a:pPr>
+            <a:r>
+              <a:rPr lang="en-GB" sz="2400" dirty="0"/>
+              <a:t>210x160 is Down-Sampled to 110x84</a:t>
+            </a:r>
+          </a:p>
+          <a:p>
+            <a:pPr marL="742950" lvl="1" indent="-285750">
+              <a:buFont typeface="Arial" panose="020B0604020202020204" pitchFamily="34" charset="0"/>
+              <a:buChar char="•"/>
+            </a:pPr>
+            <a:r>
+              <a:rPr lang="en-GB" sz="2400" dirty="0"/>
+              <a:t>84x84 cropped region</a:t>
             </a:r>
           </a:p>
         </p:txBody>
@@ -6482,28 +7249,27 @@
         <mc:Choice xmlns:a14="http://schemas.microsoft.com/office/drawing/2010/main" Requires="a14">
           <p:sp>
             <p:nvSpPr>
-              <p:cNvPr id="3" name="TextBox 2">
+              <p:cNvPr id="4" name="Rectangle 3">
                 <a:extLst>
                   <a:ext uri="{FF2B5EF4-FFF2-40B4-BE49-F238E27FC236}">
-                    <a16:creationId xmlns:a16="http://schemas.microsoft.com/office/drawing/2014/main" id="{9B80D7E1-ABEC-4FBC-84D6-327B354E9866}"/>
+                    <a16:creationId xmlns:a16="http://schemas.microsoft.com/office/drawing/2014/main" id="{6167CD22-3173-44BF-A8DF-31B78D9EDD93}"/>
                   </a:ext>
                 </a:extLst>
               </p:cNvPr>
-              <p:cNvSpPr txBox="1"/>
+              <p:cNvSpPr/>
               <p:nvPr/>
             </p:nvSpPr>
             <p:spPr>
               <a:xfrm>
-                <a:off x="1056067" y="1690688"/>
-                <a:ext cx="8229601" cy="3139321"/>
+                <a:off x="770021" y="4017986"/>
+                <a:ext cx="11181347" cy="2308324"/>
               </a:xfrm>
               <a:prstGeom prst="rect">
                 <a:avLst/>
               </a:prstGeom>
-              <a:noFill/>
             </p:spPr>
             <p:txBody>
-              <a:bodyPr wrap="square" rtlCol="0">
+              <a:bodyPr wrap="square">
                 <a:spAutoFit/>
               </a:bodyPr>
               <a:lstStyle/>
@@ -6513,47 +7279,7 @@
                   <a:buChar char="•"/>
                 </a:pPr>
                 <a:r>
-                  <a:rPr lang="en-GB" dirty="0"/>
-                  <a:t>Pre-Processing</a:t>
-                </a:r>
-              </a:p>
-              <a:p>
-                <a:pPr marL="742950" lvl="1" indent="-285750">
-                  <a:buFont typeface="Arial" panose="020B0604020202020204" pitchFamily="34" charset="0"/>
-                  <a:buChar char="•"/>
-                </a:pPr>
-                <a:r>
-                  <a:rPr lang="en-GB" dirty="0"/>
-                  <a:t>RGB -&gt; Grey-Scale</a:t>
-                </a:r>
-              </a:p>
-              <a:p>
-                <a:pPr marL="742950" lvl="1" indent="-285750">
-                  <a:buFont typeface="Arial" panose="020B0604020202020204" pitchFamily="34" charset="0"/>
-                  <a:buChar char="•"/>
-                </a:pPr>
-                <a:r>
-                  <a:rPr lang="en-GB" dirty="0"/>
-                  <a:t>210x160 is Down-Sampled to 110x84</a:t>
-                </a:r>
-              </a:p>
-              <a:p>
-                <a:pPr marL="742950" lvl="1" indent="-285750">
-                  <a:buFont typeface="Arial" panose="020B0604020202020204" pitchFamily="34" charset="0"/>
-                  <a:buChar char="•"/>
-                </a:pPr>
-                <a:r>
-                  <a:rPr lang="en-GB" dirty="0"/>
-                  <a:t>84x84 cropped region</a:t>
-                </a:r>
-              </a:p>
-              <a:p>
-                <a:pPr marL="285750" indent="-285750">
-                  <a:buFont typeface="Arial" panose="020B0604020202020204" pitchFamily="34" charset="0"/>
-                  <a:buChar char="•"/>
-                </a:pPr>
-                <a:r>
-                  <a:rPr lang="en-GB" dirty="0">
+                  <a:rPr lang="en-GB" sz="2400" dirty="0">
                     <a:ea typeface="Cambria Math" panose="02040503050406030204" pitchFamily="18" charset="0"/>
                   </a:rPr>
                   <a:t>Function </a:t>
@@ -6561,28 +7287,28 @@
                 <a14:m>
                   <m:oMath xmlns:m="http://schemas.openxmlformats.org/officeDocument/2006/math">
                     <m:r>
-                      <a:rPr lang="en-GB" i="1" smtClean="0">
+                      <a:rPr lang="en-GB" sz="2400" i="1">
                         <a:latin typeface="Cambria Math" panose="02040503050406030204" pitchFamily="18" charset="0"/>
                         <a:ea typeface="Cambria Math" panose="02040503050406030204" pitchFamily="18" charset="0"/>
                       </a:rPr>
                       <m:t>𝜙</m:t>
                     </m:r>
                     <m:r>
-                      <a:rPr lang="en-GB" b="0" i="1" smtClean="0">
+                      <a:rPr lang="en-GB" sz="2400" i="1">
                         <a:latin typeface="Cambria Math" panose="02040503050406030204" pitchFamily="18" charset="0"/>
                         <a:ea typeface="Cambria Math" panose="02040503050406030204" pitchFamily="18" charset="0"/>
                       </a:rPr>
                       <m:t>(</m:t>
                     </m:r>
                     <m:r>
-                      <a:rPr lang="en-GB" b="0" i="1" smtClean="0">
+                      <a:rPr lang="en-GB" sz="2400" i="1">
                         <a:latin typeface="Cambria Math" panose="02040503050406030204" pitchFamily="18" charset="0"/>
                         <a:ea typeface="Cambria Math" panose="02040503050406030204" pitchFamily="18" charset="0"/>
                       </a:rPr>
                       <m:t>𝑠</m:t>
                     </m:r>
                     <m:r>
-                      <a:rPr lang="en-GB" b="0" i="1" smtClean="0">
+                      <a:rPr lang="en-GB" sz="2400" i="1">
                         <a:latin typeface="Cambria Math" panose="02040503050406030204" pitchFamily="18" charset="0"/>
                         <a:ea typeface="Cambria Math" panose="02040503050406030204" pitchFamily="18" charset="0"/>
                       </a:rPr>
@@ -6591,7 +7317,7 @@
                   </m:oMath>
                 </a14:m>
                 <a:r>
-                  <a:rPr lang="en-GB" dirty="0"/>
+                  <a:rPr lang="en-GB" sz="2400" dirty="0"/>
                   <a:t> stacks 4 processed histories for input to the Q-network (84 x 84 x 4)</a:t>
                 </a:r>
               </a:p>
@@ -6601,48 +7327,8 @@
                   <a:buChar char="•"/>
                 </a:pPr>
                 <a:r>
-                  <a:rPr lang="en-GB" dirty="0"/>
-                  <a:t>Network outputs predicted Q-Values for each action </a:t>
-                </a:r>
-                <a14:m>
-                  <m:oMath xmlns:m="http://schemas.openxmlformats.org/officeDocument/2006/math">
-                    <m:d>
-                      <m:dPr>
-                        <m:begChr m:val="|"/>
-                        <m:endChr m:val="|"/>
-                        <m:ctrlPr>
-                          <a:rPr lang="en-GB" b="0" i="1" smtClean="0">
-                            <a:latin typeface="Cambria Math" panose="02040503050406030204" pitchFamily="18" charset="0"/>
-                          </a:rPr>
-                        </m:ctrlPr>
-                      </m:dPr>
-                      <m:e>
-                        <m:r>
-                          <a:rPr lang="en-GB" b="0" i="1" smtClean="0">
-                            <a:latin typeface="Cambria Math" panose="02040503050406030204" pitchFamily="18" charset="0"/>
-                          </a:rPr>
-                          <m:t>𝐴</m:t>
-                        </m:r>
-                      </m:e>
-                    </m:d>
-                    <m:r>
-                      <a:rPr lang="en-GB" b="0" i="1" smtClean="0">
-                        <a:latin typeface="Cambria Math" panose="02040503050406030204" pitchFamily="18" charset="0"/>
-                      </a:rPr>
-                      <m:t>=[4,18]</m:t>
-                    </m:r>
-                  </m:oMath>
-                </a14:m>
-                <a:endParaRPr lang="en-GB" dirty="0"/>
-              </a:p>
-              <a:p>
-                <a:pPr marL="285750" indent="-285750">
-                  <a:buFont typeface="Arial" panose="020B0604020202020204" pitchFamily="34" charset="0"/>
-                  <a:buChar char="•"/>
-                </a:pPr>
-                <a:r>
-                  <a:rPr lang="en-GB" dirty="0"/>
-                  <a:t>Hidden Layers:</a:t>
+                  <a:rPr lang="en-GB" sz="2400" dirty="0"/>
+                  <a:t> Hidden Layers:</a:t>
                 </a:r>
               </a:p>
               <a:p>
@@ -6651,15 +7337,15 @@
                   <a:buAutoNum type="arabicPeriod"/>
                 </a:pPr>
                 <a:r>
-                  <a:rPr lang="en-GB" dirty="0"/>
+                  <a:rPr lang="en-GB" sz="2400" dirty="0"/>
                   <a:t>16 8x8 filters with stride 4 then </a:t>
                 </a:r>
                 <a:r>
-                  <a:rPr lang="en-GB" dirty="0" err="1"/>
+                  <a:rPr lang="en-GB" sz="2400" dirty="0" err="1"/>
                   <a:t>ReLU</a:t>
                 </a:r>
                 <a:r>
-                  <a:rPr lang="en-GB" dirty="0"/>
+                  <a:rPr lang="en-GB" sz="2400" dirty="0"/>
                   <a:t> activation</a:t>
                 </a:r>
               </a:p>
@@ -6669,15 +7355,15 @@
                   <a:buAutoNum type="arabicPeriod"/>
                 </a:pPr>
                 <a:r>
-                  <a:rPr lang="en-GB" dirty="0"/>
+                  <a:rPr lang="en-GB" sz="2400" dirty="0"/>
                   <a:t>32 4x4 filters with stride 2 the </a:t>
                 </a:r>
                 <a:r>
-                  <a:rPr lang="en-GB" dirty="0" err="1"/>
+                  <a:rPr lang="en-GB" sz="2400" dirty="0" err="1"/>
                   <a:t>ReLU</a:t>
                 </a:r>
                 <a:r>
-                  <a:rPr lang="en-GB" dirty="0"/>
+                  <a:rPr lang="en-GB" sz="2400" dirty="0"/>
                   <a:t> activation</a:t>
                 </a:r>
               </a:p>
@@ -6687,7 +7373,7 @@
                   <a:buAutoNum type="arabicPeriod"/>
                 </a:pPr>
                 <a:r>
-                  <a:rPr lang="en-GB" dirty="0"/>
+                  <a:rPr lang="en-GB" sz="2400" dirty="0"/>
                   <a:t>Fully connected layer with 256 rectifier units.</a:t>
                 </a:r>
               </a:p>
@@ -6697,9 +7383,39 @@
                   <a:buChar char="•"/>
                 </a:pPr>
                 <a:r>
-                  <a:rPr lang="en-GB" dirty="0"/>
-                  <a:t>Fully-Connected linear layer with output for each action.</a:t>
+                  <a:rPr lang="en-GB" sz="2400" dirty="0"/>
+                  <a:t>Fully-Connected linear layer outputs predicted Q-Values for each action </a:t>
                 </a:r>
+                <a14:m>
+                  <m:oMath xmlns:m="http://schemas.openxmlformats.org/officeDocument/2006/math">
+                    <m:d>
+                      <m:dPr>
+                        <m:begChr m:val="|"/>
+                        <m:endChr m:val="|"/>
+                        <m:ctrlPr>
+                          <a:rPr lang="en-GB" sz="2400" i="1">
+                            <a:latin typeface="Cambria Math" panose="02040503050406030204" pitchFamily="18" charset="0"/>
+                          </a:rPr>
+                        </m:ctrlPr>
+                      </m:dPr>
+                      <m:e>
+                        <m:r>
+                          <a:rPr lang="en-GB" sz="2400" i="1">
+                            <a:latin typeface="Cambria Math" panose="02040503050406030204" pitchFamily="18" charset="0"/>
+                          </a:rPr>
+                          <m:t>𝐴</m:t>
+                        </m:r>
+                      </m:e>
+                    </m:d>
+                    <m:r>
+                      <a:rPr lang="en-GB" sz="2400" i="1">
+                        <a:latin typeface="Cambria Math" panose="02040503050406030204" pitchFamily="18" charset="0"/>
+                      </a:rPr>
+                      <m:t>=[4,18]</m:t>
+                    </m:r>
+                  </m:oMath>
+                </a14:m>
+                <a:endParaRPr lang="en-GB" sz="2400" dirty="0"/>
               </a:p>
             </p:txBody>
           </p:sp>
@@ -6707,22 +7423,22 @@
         <mc:Fallback>
           <p:sp>
             <p:nvSpPr>
-              <p:cNvPr id="3" name="TextBox 2">
+              <p:cNvPr id="4" name="Rectangle 3">
                 <a:extLst>
                   <a:ext uri="{FF2B5EF4-FFF2-40B4-BE49-F238E27FC236}">
-                    <a16:creationId xmlns:a16="http://schemas.microsoft.com/office/drawing/2014/main" id="{9B80D7E1-ABEC-4FBC-84D6-327B354E9866}"/>
+                    <a16:creationId xmlns:a16="http://schemas.microsoft.com/office/drawing/2014/main" id="{6167CD22-3173-44BF-A8DF-31B78D9EDD93}"/>
                   </a:ext>
                 </a:extLst>
               </p:cNvPr>
-              <p:cNvSpPr txBox="1">
+              <p:cNvSpPr>
                 <a:spLocks noRot="1" noChangeAspect="1" noMove="1" noResize="1" noEditPoints="1" noAdjustHandles="1" noChangeArrowheads="1" noChangeShapeType="1" noTextEdit="1"/>
               </p:cNvSpPr>
               <p:nvPr/>
             </p:nvSpPr>
             <p:spPr>
               <a:xfrm>
-                <a:off x="1056067" y="1690688"/>
-                <a:ext cx="8229601" cy="3139321"/>
+                <a:off x="770021" y="4017986"/>
+                <a:ext cx="11181347" cy="2308324"/>
               </a:xfrm>
               <a:prstGeom prst="rect">
                 <a:avLst/>
@@ -6730,7 +7446,7 @@
               <a:blipFill>
                 <a:blip r:embed="rId4"/>
                 <a:stretch>
-                  <a:fillRect l="-444" t="-971" b="-2136"/>
+                  <a:fillRect l="-708" t="-2111" b="-5013"/>
                 </a:stretch>
               </a:blipFill>
             </p:spPr>
@@ -6905,7 +7621,7 @@
         </p:nvSpPr>
         <p:spPr>
           <a:xfrm>
-            <a:off x="2356834" y="4610637"/>
+            <a:off x="2258096" y="4501269"/>
             <a:ext cx="7675808" cy="369332"/>
           </a:xfrm>
           <a:prstGeom prst="rect">
@@ -6988,12 +7704,299 @@
           <a:lstStyle/>
           <a:p>
             <a:r>
-              <a:rPr lang="en-GB" dirty="0"/>
+              <a:rPr lang="en-GB" dirty="0">
+                <a:ln w="0"/>
+                <a:effectLst>
+                  <a:outerShdw blurRad="38100" dist="19050" dir="2700000" algn="tl" rotWithShape="0">
+                    <a:schemeClr val="dk1">
+                      <a:alpha val="40000"/>
+                    </a:schemeClr>
+                  </a:outerShdw>
+                </a:effectLst>
+              </a:rPr>
               <a:t>Experiments &amp; Results</a:t>
             </a:r>
           </a:p>
         </p:txBody>
       </p:sp>
+      <p:pic>
+        <p:nvPicPr>
+          <p:cNvPr id="4" name="Picture 3">
+            <a:extLst>
+              <a:ext uri="{FF2B5EF4-FFF2-40B4-BE49-F238E27FC236}">
+                <a16:creationId xmlns:a16="http://schemas.microsoft.com/office/drawing/2014/main" id="{D3E9761B-1E55-4F13-8D6C-474C1B8B94CE}"/>
+              </a:ext>
+            </a:extLst>
+          </p:cNvPr>
+          <p:cNvPicPr>
+            <a:picLocks noChangeAspect="1"/>
+          </p:cNvPicPr>
+          <p:nvPr/>
+        </p:nvPicPr>
+        <p:blipFill>
+          <a:blip r:embed="rId4">
+            <a:clrChange>
+              <a:clrFrom>
+                <a:srgbClr val="FFFFFF"/>
+              </a:clrFrom>
+              <a:clrTo>
+                <a:srgbClr val="FFFFFF">
+                  <a:alpha val="0"/>
+                </a:srgbClr>
+              </a:clrTo>
+            </a:clrChange>
+            <a:extLst>
+              <a:ext uri="{28A0092B-C50C-407E-A947-70E740481C1C}">
+                <a14:useLocalDpi xmlns:a14="http://schemas.microsoft.com/office/drawing/2010/main" val="0"/>
+              </a:ext>
+            </a:extLst>
+          </a:blip>
+          <a:stretch>
+            <a:fillRect/>
+          </a:stretch>
+        </p:blipFill>
+        <p:spPr>
+          <a:xfrm>
+            <a:off x="1394688" y="4087143"/>
+            <a:ext cx="9354555" cy="1853641"/>
+          </a:xfrm>
+          <a:prstGeom prst="rect">
+            <a:avLst/>
+          </a:prstGeom>
+        </p:spPr>
+      </p:pic>
+      <p:sp>
+        <p:nvSpPr>
+          <p:cNvPr id="5" name="TextBox 4">
+            <a:extLst>
+              <a:ext uri="{FF2B5EF4-FFF2-40B4-BE49-F238E27FC236}">
+                <a16:creationId xmlns:a16="http://schemas.microsoft.com/office/drawing/2014/main" id="{04794AE9-7B1F-4CB2-AF41-30D12854D8BC}"/>
+              </a:ext>
+            </a:extLst>
+          </p:cNvPr>
+          <p:cNvSpPr txBox="1"/>
+          <p:nvPr/>
+        </p:nvSpPr>
+        <p:spPr>
+          <a:xfrm>
+            <a:off x="2364205" y="5940784"/>
+            <a:ext cx="7170821" cy="369332"/>
+          </a:xfrm>
+          <a:prstGeom prst="rect">
+            <a:avLst/>
+          </a:prstGeom>
+          <a:noFill/>
+        </p:spPr>
+        <p:txBody>
+          <a:bodyPr wrap="square" rtlCol="0">
+            <a:spAutoFit/>
+          </a:bodyPr>
+          <a:lstStyle/>
+          <a:p>
+            <a:pPr algn="ctr"/>
+            <a:r>
+              <a:rPr lang="en-GB" b="1" dirty="0"/>
+              <a:t>Visualisation of Q-Value change throughout game of Seaquest.</a:t>
+            </a:r>
+          </a:p>
+        </p:txBody>
+      </p:sp>
+      <p:grpSp>
+        <p:nvGrpSpPr>
+          <p:cNvPr id="13" name="Group 12">
+            <a:extLst>
+              <a:ext uri="{FF2B5EF4-FFF2-40B4-BE49-F238E27FC236}">
+                <a16:creationId xmlns:a16="http://schemas.microsoft.com/office/drawing/2014/main" id="{6CB33568-3168-442A-A5DA-C751A3E1D132}"/>
+              </a:ext>
+            </a:extLst>
+          </p:cNvPr>
+          <p:cNvGrpSpPr/>
+          <p:nvPr/>
+        </p:nvGrpSpPr>
+        <p:grpSpPr>
+          <a:xfrm>
+            <a:off x="468690" y="1345277"/>
+            <a:ext cx="5352560" cy="2278652"/>
+            <a:chOff x="468690" y="1345277"/>
+            <a:chExt cx="5352560" cy="2278652"/>
+          </a:xfrm>
+        </p:grpSpPr>
+        <p:pic>
+          <p:nvPicPr>
+            <p:cNvPr id="7" name="Picture 6">
+              <a:extLst>
+                <a:ext uri="{FF2B5EF4-FFF2-40B4-BE49-F238E27FC236}">
+                  <a16:creationId xmlns:a16="http://schemas.microsoft.com/office/drawing/2014/main" id="{A144219E-4E55-42AF-94A3-A869061D9DA4}"/>
+                </a:ext>
+              </a:extLst>
+            </p:cNvPr>
+            <p:cNvPicPr>
+              <a:picLocks noChangeAspect="1"/>
+            </p:cNvPicPr>
+            <p:nvPr/>
+          </p:nvPicPr>
+          <p:blipFill>
+            <a:blip r:embed="rId5">
+              <a:extLst>
+                <a:ext uri="{28A0092B-C50C-407E-A947-70E740481C1C}">
+                  <a14:useLocalDpi xmlns:a14="http://schemas.microsoft.com/office/drawing/2010/main" val="0"/>
+                </a:ext>
+              </a:extLst>
+            </a:blip>
+            <a:stretch>
+              <a:fillRect/>
+            </a:stretch>
+          </p:blipFill>
+          <p:spPr>
+            <a:xfrm>
+              <a:off x="468690" y="1345277"/>
+              <a:ext cx="5352560" cy="2134575"/>
+            </a:xfrm>
+            <a:prstGeom prst="rect">
+              <a:avLst/>
+            </a:prstGeom>
+          </p:spPr>
+        </p:pic>
+        <p:sp>
+          <p:nvSpPr>
+            <p:cNvPr id="8" name="TextBox 7">
+              <a:extLst>
+                <a:ext uri="{FF2B5EF4-FFF2-40B4-BE49-F238E27FC236}">
+                  <a16:creationId xmlns:a16="http://schemas.microsoft.com/office/drawing/2014/main" id="{C3ED4FD8-28DD-485B-AB3D-106051257773}"/>
+                </a:ext>
+              </a:extLst>
+            </p:cNvPr>
+            <p:cNvSpPr txBox="1"/>
+            <p:nvPr/>
+          </p:nvSpPr>
+          <p:spPr>
+            <a:xfrm>
+              <a:off x="1116443" y="3254597"/>
+              <a:ext cx="4426562" cy="369332"/>
+            </a:xfrm>
+            <a:prstGeom prst="rect">
+              <a:avLst/>
+            </a:prstGeom>
+            <a:noFill/>
+          </p:spPr>
+          <p:txBody>
+            <a:bodyPr wrap="square" rtlCol="0">
+              <a:spAutoFit/>
+            </a:bodyPr>
+            <a:lstStyle/>
+            <a:p>
+              <a:pPr algn="ctr"/>
+              <a:r>
+                <a:rPr lang="en-GB" b="1" dirty="0"/>
+                <a:t>Reward improvement over training (Noisy). </a:t>
+              </a:r>
+            </a:p>
+          </p:txBody>
+        </p:sp>
+      </p:grpSp>
+      <p:grpSp>
+        <p:nvGrpSpPr>
+          <p:cNvPr id="12" name="Group 11">
+            <a:extLst>
+              <a:ext uri="{FF2B5EF4-FFF2-40B4-BE49-F238E27FC236}">
+                <a16:creationId xmlns:a16="http://schemas.microsoft.com/office/drawing/2014/main" id="{EE809805-1EA9-461E-84B8-62B0BE1F0A60}"/>
+              </a:ext>
+            </a:extLst>
+          </p:cNvPr>
+          <p:cNvGrpSpPr/>
+          <p:nvPr/>
+        </p:nvGrpSpPr>
+        <p:grpSpPr>
+          <a:xfrm>
+            <a:off x="6370752" y="1184856"/>
+            <a:ext cx="5198705" cy="2244144"/>
+            <a:chOff x="6370752" y="1184856"/>
+            <a:chExt cx="5198705" cy="2244144"/>
+          </a:xfrm>
+        </p:grpSpPr>
+        <p:pic>
+          <p:nvPicPr>
+            <p:cNvPr id="11" name="Picture 10">
+              <a:extLst>
+                <a:ext uri="{FF2B5EF4-FFF2-40B4-BE49-F238E27FC236}">
+                  <a16:creationId xmlns:a16="http://schemas.microsoft.com/office/drawing/2014/main" id="{CB2274E4-E057-4CCB-A79A-931D11C6FB2F}"/>
+                </a:ext>
+              </a:extLst>
+            </p:cNvPr>
+            <p:cNvPicPr>
+              <a:picLocks noChangeAspect="1"/>
+            </p:cNvPicPr>
+            <p:nvPr/>
+          </p:nvPicPr>
+          <p:blipFill>
+            <a:blip r:embed="rId6">
+              <a:clrChange>
+                <a:clrFrom>
+                  <a:srgbClr val="FFFFFF"/>
+                </a:clrFrom>
+                <a:clrTo>
+                  <a:srgbClr val="FFFFFF">
+                    <a:alpha val="0"/>
+                  </a:srgbClr>
+                </a:clrTo>
+              </a:clrChange>
+              <a:extLst>
+                <a:ext uri="{28A0092B-C50C-407E-A947-70E740481C1C}">
+                  <a14:useLocalDpi xmlns:a14="http://schemas.microsoft.com/office/drawing/2010/main" val="0"/>
+                </a:ext>
+              </a:extLst>
+            </a:blip>
+            <a:stretch>
+              <a:fillRect/>
+            </a:stretch>
+          </p:blipFill>
+          <p:spPr>
+            <a:xfrm>
+              <a:off x="6370752" y="1184856"/>
+              <a:ext cx="5198705" cy="2080747"/>
+            </a:xfrm>
+            <a:prstGeom prst="rect">
+              <a:avLst/>
+            </a:prstGeom>
+          </p:spPr>
+        </p:pic>
+        <p:sp>
+          <p:nvSpPr>
+            <p:cNvPr id="9" name="TextBox 8">
+              <a:extLst>
+                <a:ext uri="{FF2B5EF4-FFF2-40B4-BE49-F238E27FC236}">
+                  <a16:creationId xmlns:a16="http://schemas.microsoft.com/office/drawing/2014/main" id="{80377AAC-F736-4B74-B974-6CB79EB20063}"/>
+                </a:ext>
+              </a:extLst>
+            </p:cNvPr>
+            <p:cNvSpPr txBox="1"/>
+            <p:nvPr/>
+          </p:nvSpPr>
+          <p:spPr>
+            <a:xfrm>
+              <a:off x="7076532" y="3059668"/>
+              <a:ext cx="4203032" cy="369332"/>
+            </a:xfrm>
+            <a:prstGeom prst="rect">
+              <a:avLst/>
+            </a:prstGeom>
+            <a:noFill/>
+          </p:spPr>
+          <p:txBody>
+            <a:bodyPr wrap="square" rtlCol="0">
+              <a:spAutoFit/>
+            </a:bodyPr>
+            <a:lstStyle/>
+            <a:p>
+              <a:pPr algn="ctr"/>
+              <a:r>
+                <a:rPr lang="en-GB" b="1" dirty="0"/>
+                <a:t>Q-Value improvement over training. </a:t>
+              </a:r>
+            </a:p>
+          </p:txBody>
+        </p:sp>
+      </p:grpSp>
     </p:spTree>
     <p:custDataLst>
       <p:tags r:id="rId1"/>
@@ -7011,6 +8014,20 @@
 </file>
 
 <file path=ppt/tags/tag1.xml><?xml version="1.0" encoding="utf-8"?>
+<p:tagLst xmlns:a="http://schemas.openxmlformats.org/drawingml/2006/main" xmlns:r="http://schemas.openxmlformats.org/officeDocument/2006/relationships" xmlns:p="http://schemas.openxmlformats.org/presentationml/2006/main">
+  <p:tag name="POINTS" val="1"/>
+  <p:tag name="TIME" val="15"/>
+</p:tagLst>
+</file>
+
+<file path=ppt/tags/tag10.xml><?xml version="1.0" encoding="utf-8"?>
+<p:tagLst xmlns:a="http://schemas.openxmlformats.org/drawingml/2006/main" xmlns:r="http://schemas.openxmlformats.org/officeDocument/2006/relationships" xmlns:p="http://schemas.openxmlformats.org/presentationml/2006/main">
+  <p:tag name="POINTS" val="1"/>
+  <p:tag name="TIME" val="15"/>
+</p:tagLst>
+</file>
+
+<file path=ppt/tags/tag11.xml><?xml version="1.0" encoding="utf-8"?>
 <p:tagLst xmlns:a="http://schemas.openxmlformats.org/drawingml/2006/main" xmlns:r="http://schemas.openxmlformats.org/officeDocument/2006/relationships" xmlns:p="http://schemas.openxmlformats.org/presentationml/2006/main">
   <p:tag name="POINTS" val="1"/>
   <p:tag name="TIME" val="15"/>

--- a/DQN/dqn_slides.pptx
+++ b/DQN/dqn_slides.pptx
@@ -547,6 +547,15 @@
               <a:t>Mention success of TD-Backgammon</a:t>
             </a:r>
           </a:p>
+          <a:p>
+            <a:endParaRPr lang="en-GB" dirty="0"/>
+          </a:p>
+          <a:p>
+            <a:r>
+              <a:rPr lang="en-GB" dirty="0"/>
+              <a:t>RL can see actions yield result after many timesteps. Trial &amp; error, punishment &amp; reward type system.</a:t>
+            </a:r>
+          </a:p>
         </p:txBody>
       </p:sp>
       <p:sp>
@@ -766,6 +775,15 @@
           <a:p>
             <a:r>
               <a:rPr lang="en-GB" dirty="0"/>
+              <a:t>Q-Network is a NN function approximator to the Q-Value function. DQN is the whole algorithm on the next slide.</a:t>
+            </a:r>
+          </a:p>
+          <a:p>
+            <a:endParaRPr lang="en-GB" dirty="0"/>
+          </a:p>
+          <a:p>
+            <a:r>
+              <a:rPr lang="en-GB" dirty="0"/>
               <a:t>Replace</a:t>
             </a:r>
             <a:r>
@@ -798,7 +816,45 @@
           <a:p>
             <a:r>
               <a:rPr lang="en-GB" dirty="0"/>
-              <a:t>Learns about the greedy strategy (to select the action to maximise q-value) while following the behaviour …</a:t>
+              <a:t>Off-policy – updates the Q-values using next state and greedy action. (on-Policy – updates Q-Values using next state Q-value and current policy’s action. )</a:t>
+            </a:r>
+          </a:p>
+          <a:p>
+            <a:r>
+              <a:rPr lang="en-GB" dirty="0"/>
+              <a:t>Learns about the greedy strategy (to select the action to maximise q-value)</a:t>
+            </a:r>
+          </a:p>
+          <a:p>
+            <a:r>
+              <a:rPr lang="en-GB" dirty="0"/>
+              <a:t>That is it selects the maximising action a = max Q(</a:t>
+            </a:r>
+            <a:r>
+              <a:rPr lang="en-GB" dirty="0" err="1"/>
+              <a:t>s,a,theta</a:t>
+            </a:r>
+            <a:r>
+              <a:rPr lang="en-GB" dirty="0"/>
+              <a:t>) with probability 1-e &amp; selects a random action with probability e</a:t>
+            </a:r>
+          </a:p>
+          <a:p>
+            <a:endParaRPr lang="en-GB" dirty="0"/>
+          </a:p>
+          <a:p>
+            <a:r>
+              <a:rPr lang="en-GB" dirty="0"/>
+              <a:t>Learning can be achieved </a:t>
+            </a:r>
+          </a:p>
+          <a:p>
+            <a:endParaRPr lang="en-GB" dirty="0"/>
+          </a:p>
+          <a:p>
+            <a:r>
+              <a:rPr lang="en-GB" dirty="0"/>
+              <a:t>The targets for learning at the current iteration depend on the network weights at the previous iteration this is different to supervised learning where targets for learning are fixed. Target for learning is the reward plus max of the q-value as suggested by the previous state of the network</a:t>
             </a:r>
           </a:p>
         </p:txBody>
@@ -1017,7 +1073,7 @@
           <a:p>
             <a:r>
               <a:rPr lang="en-GB" dirty="0"/>
-              <a:t>Final cropping step only needed because authors use GPU implementation that requires square inputs.</a:t>
+              <a:t>Final cropping step only needed because authors use GPU implementation that requires square inputs. (Disclaimer! my diagram does not visualise cropping!)</a:t>
             </a:r>
           </a:p>
           <a:p>
@@ -1397,7 +1453,21 @@
           <a:p>
             <a:r>
               <a:rPr lang="en-GB" dirty="0"/>
-              <a:t>DQN is better despite no prior knowledge about the inputs/representations</a:t>
+              <a:t>Two past s-o-a use hand engineered feature sets.</a:t>
+            </a:r>
+          </a:p>
+          <a:p>
+            <a:r>
+              <a:rPr lang="en-GB" dirty="0"/>
+              <a:t>DQN is better despite no prior knowledge about the inputs/representations (Notable  convolutional nets as feature extractors is novel for </a:t>
+            </a:r>
+            <a:r>
+              <a:rPr lang="en-GB" dirty="0" err="1"/>
+              <a:t>atari</a:t>
+            </a:r>
+            <a:r>
+              <a:rPr lang="en-GB" dirty="0"/>
+              <a:t>)</a:t>
             </a:r>
           </a:p>
           <a:p>
@@ -1410,6 +1480,20 @@
             <a:r>
               <a:rPr lang="en-GB" dirty="0"/>
               <a:t>NHEAT HERE</a:t>
+            </a:r>
+          </a:p>
+          <a:p>
+            <a:r>
+              <a:rPr lang="en-GB" dirty="0"/>
+              <a:t>Two comparisons of </a:t>
+            </a:r>
+            <a:r>
+              <a:rPr lang="en-GB" dirty="0" err="1"/>
+              <a:t>Nheat</a:t>
+            </a:r>
+            <a:r>
+              <a:rPr lang="en-GB" dirty="0"/>
+              <a:t> (evolutionary policy search algorithm)</a:t>
             </a:r>
           </a:p>
           <a:p>
@@ -5044,13 +5128,13 @@
         </p:nvSpPr>
         <p:spPr>
           <a:xfrm>
-            <a:off x="838199" y="365125"/>
-            <a:ext cx="4983051" cy="819731"/>
+            <a:off x="3467099" y="680205"/>
+            <a:ext cx="5219701" cy="1163399"/>
           </a:xfrm>
         </p:spPr>
         <p:txBody>
           <a:bodyPr>
-            <a:normAutofit fontScale="90000"/>
+            <a:normAutofit/>
           </a:bodyPr>
           <a:lstStyle/>
           <a:p>
@@ -5116,6 +5200,139 @@
           </a:prstGeom>
         </p:spPr>
       </p:pic>
+      <mc:AlternateContent xmlns:mc="http://schemas.openxmlformats.org/markup-compatibility/2006">
+        <mc:Choice xmlns:a14="http://schemas.microsoft.com/office/drawing/2010/main" Requires="a14">
+          <p:sp>
+            <p:nvSpPr>
+              <p:cNvPr id="3" name="Rectangle 2">
+                <a:extLst>
+                  <a:ext uri="{FF2B5EF4-FFF2-40B4-BE49-F238E27FC236}">
+                    <a16:creationId xmlns:a16="http://schemas.microsoft.com/office/drawing/2014/main" id="{05A5CA7B-B8C0-4933-A447-9278C0305E75}"/>
+                  </a:ext>
+                </a:extLst>
+              </p:cNvPr>
+              <p:cNvSpPr/>
+              <p:nvPr/>
+            </p:nvSpPr>
+            <p:spPr>
+              <a:xfrm>
+                <a:off x="7624422" y="6175046"/>
+                <a:ext cx="4286815" cy="523220"/>
+              </a:xfrm>
+              <a:prstGeom prst="rect">
+                <a:avLst/>
+              </a:prstGeom>
+            </p:spPr>
+            <p:txBody>
+              <a:bodyPr wrap="none">
+                <a:spAutoFit/>
+              </a:bodyPr>
+              <a:lstStyle/>
+              <a:p>
+                <a14:m>
+                  <m:oMath xmlns:m="http://schemas.openxmlformats.org/officeDocument/2006/math">
+                    <m:r>
+                      <a:rPr lang="en-GB" sz="2800" b="1" i="1">
+                        <a:latin typeface="Cambria Math" panose="02040503050406030204" pitchFamily="18" charset="0"/>
+                        <a:ea typeface="Cambria Math" panose="02040503050406030204" pitchFamily="18" charset="0"/>
+                      </a:rPr>
+                      <m:t>𝜺</m:t>
+                    </m:r>
+                  </m:oMath>
+                </a14:m>
+                <a:r>
+                  <a:rPr lang="en-GB" sz="2800" b="1" dirty="0"/>
+                  <a:t>-greedy strategy </a:t>
+                </a:r>
+                <a14:m>
+                  <m:oMath xmlns:m="http://schemas.openxmlformats.org/officeDocument/2006/math">
+                    <m:r>
+                      <a:rPr lang="en-GB" sz="2800" b="1" i="1">
+                        <a:latin typeface="Cambria Math" panose="02040503050406030204" pitchFamily="18" charset="0"/>
+                        <a:ea typeface="Cambria Math" panose="02040503050406030204" pitchFamily="18" charset="0"/>
+                      </a:rPr>
+                      <m:t>𝛆</m:t>
+                    </m:r>
+                    <m:r>
+                      <a:rPr lang="en-GB" sz="2800" b="1" i="1">
+                        <a:latin typeface="Cambria Math" panose="02040503050406030204" pitchFamily="18" charset="0"/>
+                        <a:ea typeface="Cambria Math" panose="02040503050406030204" pitchFamily="18" charset="0"/>
+                      </a:rPr>
+                      <m:t>=</m:t>
+                    </m:r>
+                    <m:r>
+                      <a:rPr lang="en-GB" sz="2800" b="1" i="1">
+                        <a:latin typeface="Cambria Math" panose="02040503050406030204" pitchFamily="18" charset="0"/>
+                        <a:ea typeface="Cambria Math" panose="02040503050406030204" pitchFamily="18" charset="0"/>
+                      </a:rPr>
+                      <m:t>𝟎</m:t>
+                    </m:r>
+                    <m:r>
+                      <a:rPr lang="en-GB" sz="2800" b="1" i="1">
+                        <a:latin typeface="Cambria Math" panose="02040503050406030204" pitchFamily="18" charset="0"/>
+                        <a:ea typeface="Cambria Math" panose="02040503050406030204" pitchFamily="18" charset="0"/>
+                      </a:rPr>
+                      <m:t>.</m:t>
+                    </m:r>
+                    <m:r>
+                      <a:rPr lang="en-GB" sz="2800" b="1" i="1">
+                        <a:latin typeface="Cambria Math" panose="02040503050406030204" pitchFamily="18" charset="0"/>
+                        <a:ea typeface="Cambria Math" panose="02040503050406030204" pitchFamily="18" charset="0"/>
+                      </a:rPr>
+                      <m:t>𝟎𝟓</m:t>
+                    </m:r>
+                  </m:oMath>
+                </a14:m>
+                <a:endParaRPr lang="en-GB" dirty="0"/>
+              </a:p>
+            </p:txBody>
+          </p:sp>
+        </mc:Choice>
+        <mc:Fallback>
+          <p:sp>
+            <p:nvSpPr>
+              <p:cNvPr id="3" name="Rectangle 2">
+                <a:extLst>
+                  <a:ext uri="{FF2B5EF4-FFF2-40B4-BE49-F238E27FC236}">
+                    <a16:creationId xmlns:a16="http://schemas.microsoft.com/office/drawing/2014/main" id="{05A5CA7B-B8C0-4933-A447-9278C0305E75}"/>
+                  </a:ext>
+                </a:extLst>
+              </p:cNvPr>
+              <p:cNvSpPr>
+                <a:spLocks noRot="1" noChangeAspect="1" noMove="1" noResize="1" noEditPoints="1" noAdjustHandles="1" noChangeArrowheads="1" noChangeShapeType="1" noTextEdit="1"/>
+              </p:cNvSpPr>
+              <p:nvPr/>
+            </p:nvSpPr>
+            <p:spPr>
+              <a:xfrm>
+                <a:off x="7624422" y="6175046"/>
+                <a:ext cx="4286815" cy="523220"/>
+              </a:xfrm>
+              <a:prstGeom prst="rect">
+                <a:avLst/>
+              </a:prstGeom>
+              <a:blipFill>
+                <a:blip r:embed="rId5"/>
+                <a:stretch>
+                  <a:fillRect t="-11628" b="-32558"/>
+                </a:stretch>
+              </a:blipFill>
+            </p:spPr>
+            <p:txBody>
+              <a:bodyPr/>
+              <a:lstStyle/>
+              <a:p>
+                <a:r>
+                  <a:rPr lang="en-GB">
+                    <a:noFill/>
+                  </a:rPr>
+                  <a:t> </a:t>
+                </a:r>
+              </a:p>
+            </p:txBody>
+          </p:sp>
+        </mc:Fallback>
+      </mc:AlternateContent>
     </p:spTree>
     <p:custDataLst>
       <p:tags r:id="rId1"/>
@@ -5208,7 +5425,7 @@
         <p:spPr>
           <a:xfrm>
             <a:off x="1171074" y="1443789"/>
-            <a:ext cx="6545179" cy="830997"/>
+            <a:ext cx="9134069" cy="830997"/>
           </a:xfrm>
           <a:prstGeom prst="rect">
             <a:avLst/>
@@ -5227,7 +5444,7 @@
             </a:pPr>
             <a:r>
               <a:rPr lang="en-GB" sz="2400" dirty="0"/>
-              <a:t>The start of Deep Reinforcement Learning</a:t>
+              <a:t>State-of-the-art at playing 6 Atari Games</a:t>
             </a:r>
           </a:p>
           <a:p>
@@ -5237,7 +5454,7 @@
             </a:pPr>
             <a:r>
               <a:rPr lang="en-GB" sz="2400" dirty="0"/>
-              <a:t>State-of-the-art at playing 6 Atari Games</a:t>
+              <a:t>Substantially launched the field of Deep Reinforcement Learning</a:t>
             </a:r>
           </a:p>
         </p:txBody>
@@ -5301,6 +5518,83 @@
                 </a:effectLst>
               </a:rPr>
               <a:t>Resulting Work</a:t>
+            </a:r>
+          </a:p>
+        </p:txBody>
+      </p:sp>
+      <p:sp>
+        <p:nvSpPr>
+          <p:cNvPr id="7" name="TextBox 6">
+            <a:extLst>
+              <a:ext uri="{FF2B5EF4-FFF2-40B4-BE49-F238E27FC236}">
+                <a16:creationId xmlns:a16="http://schemas.microsoft.com/office/drawing/2014/main" id="{4539247A-19B0-40A9-8765-61F3D8FD16AF}"/>
+              </a:ext>
+            </a:extLst>
+          </p:cNvPr>
+          <p:cNvSpPr txBox="1"/>
+          <p:nvPr/>
+        </p:nvSpPr>
+        <p:spPr>
+          <a:xfrm>
+            <a:off x="1171074" y="3312359"/>
+            <a:ext cx="10658069" cy="1569660"/>
+          </a:xfrm>
+          <a:prstGeom prst="rect">
+            <a:avLst/>
+          </a:prstGeom>
+          <a:noFill/>
+        </p:spPr>
+        <p:txBody>
+          <a:bodyPr wrap="square" rtlCol="0">
+            <a:spAutoFit/>
+          </a:bodyPr>
+          <a:lstStyle/>
+          <a:p>
+            <a:pPr marL="285750" indent="-285750">
+              <a:buFont typeface="Arial" panose="020B0604020202020204" pitchFamily="34" charset="0"/>
+              <a:buChar char="•"/>
+            </a:pPr>
+            <a:r>
+              <a:rPr lang="en-GB" sz="2400" dirty="0"/>
+              <a:t>Variety of Improvements (DDQN, Prioritised Replay …etc, RAINBOW)</a:t>
+            </a:r>
+          </a:p>
+          <a:p>
+            <a:pPr marL="285750" indent="-285750">
+              <a:buFont typeface="Arial" panose="020B0604020202020204" pitchFamily="34" charset="0"/>
+              <a:buChar char="•"/>
+            </a:pPr>
+            <a:r>
+              <a:rPr lang="en-GB" sz="2400" dirty="0"/>
+              <a:t>All major model-free &amp; model-based RL algorithms that use deep neural networks</a:t>
+            </a:r>
+          </a:p>
+          <a:p>
+            <a:pPr marL="285750" indent="-285750">
+              <a:buFont typeface="Arial" panose="020B0604020202020204" pitchFamily="34" charset="0"/>
+              <a:buChar char="•"/>
+            </a:pPr>
+            <a:r>
+              <a:rPr lang="en-GB" sz="2400" dirty="0"/>
+              <a:t>Authors’ (</a:t>
+            </a:r>
+            <a:r>
+              <a:rPr lang="en-GB" sz="2400" dirty="0" err="1"/>
+              <a:t>Deepmind</a:t>
+            </a:r>
+            <a:r>
+              <a:rPr lang="en-GB" sz="2400" dirty="0"/>
+              <a:t>) major works</a:t>
+            </a:r>
+          </a:p>
+          <a:p>
+            <a:pPr marL="742950" lvl="1" indent="-285750">
+              <a:buFont typeface="Arial" panose="020B0604020202020204" pitchFamily="34" charset="0"/>
+              <a:buChar char="•"/>
+            </a:pPr>
+            <a:r>
+              <a:rPr lang="en-GB" sz="2400" dirty="0"/>
+              <a:t>AlphaGo -&gt; AlphaZero</a:t>
             </a:r>
           </a:p>
         </p:txBody>
@@ -6240,7 +6534,7 @@
         </p:nvSpPr>
         <p:spPr>
           <a:xfrm>
-            <a:off x="613611" y="509505"/>
+            <a:off x="947440" y="803213"/>
             <a:ext cx="3108157" cy="741780"/>
           </a:xfrm>
         </p:spPr>
@@ -6296,7 +6590,7 @@
         </p:blipFill>
         <p:spPr>
           <a:xfrm>
-            <a:off x="1343082" y="1804620"/>
+            <a:off x="1328568" y="2039238"/>
             <a:ext cx="9955014" cy="1676634"/>
           </a:xfrm>
           <a:prstGeom prst="rect">
@@ -6304,8 +6598,8 @@
           </a:prstGeom>
         </p:spPr>
       </p:pic>
-      <mc:AlternateContent xmlns:mc="http://schemas.openxmlformats.org/markup-compatibility/2006" xmlns:a14="http://schemas.microsoft.com/office/drawing/2010/main">
-        <mc:Choice Requires="a14">
+      <mc:AlternateContent xmlns:mc="http://schemas.openxmlformats.org/markup-compatibility/2006">
+        <mc:Choice xmlns:a14="http://schemas.microsoft.com/office/drawing/2010/main" Requires="a14">
           <p:sp>
             <p:nvSpPr>
               <p:cNvPr id="6" name="Rectangle 5"/>
@@ -6314,7 +6608,7 @@
             </p:nvSpPr>
             <p:spPr>
               <a:xfrm>
-                <a:off x="1579033" y="3158087"/>
+                <a:off x="1564519" y="3392705"/>
                 <a:ext cx="4741556" cy="724101"/>
               </a:xfrm>
               <a:prstGeom prst="rect">
@@ -6455,7 +6749,7 @@
             </p:txBody>
           </p:sp>
         </mc:Choice>
-        <mc:Fallback xmlns="">
+        <mc:Fallback>
           <p:sp>
             <p:nvSpPr>
               <p:cNvPr id="6" name="Rectangle 5"/>
@@ -6466,7 +6760,7 @@
             </p:nvSpPr>
             <p:spPr>
               <a:xfrm>
-                <a:off x="1579033" y="3158087"/>
+                <a:off x="1564519" y="3392705"/>
                 <a:ext cx="4741556" cy="724101"/>
               </a:xfrm>
               <a:prstGeom prst="rect">
@@ -6502,7 +6796,7 @@
         </p:nvSpPr>
         <p:spPr>
           <a:xfrm>
-            <a:off x="5362518" y="897342"/>
+            <a:off x="5348004" y="1131960"/>
             <a:ext cx="5550568" cy="707886"/>
           </a:xfrm>
           <a:prstGeom prst="rect">
@@ -6532,7 +6826,7 @@
         </p:nvSpPr>
         <p:spPr>
           <a:xfrm>
-            <a:off x="6624498" y="3687562"/>
+            <a:off x="6609984" y="3922180"/>
             <a:ext cx="4134409" cy="707886"/>
           </a:xfrm>
           <a:prstGeom prst="rect">
@@ -6562,7 +6856,7 @@
         </p:nvCxnSpPr>
         <p:spPr>
           <a:xfrm flipH="1">
-            <a:off x="4531894" y="1403686"/>
+            <a:off x="4517380" y="1638304"/>
             <a:ext cx="1788695" cy="796931"/>
           </a:xfrm>
           <a:prstGeom prst="straightConnector1">
@@ -6598,7 +6892,7 @@
         </p:nvCxnSpPr>
         <p:spPr>
           <a:xfrm flipH="1" flipV="1">
-            <a:off x="6126301" y="3612033"/>
+            <a:off x="6111787" y="3846651"/>
             <a:ext cx="1012436" cy="270155"/>
           </a:xfrm>
           <a:prstGeom prst="straightConnector1">
@@ -6626,41 +6920,628 @@
           </a:fontRef>
         </p:style>
       </p:cxnSp>
-      <p:sp>
-        <p:nvSpPr>
-          <p:cNvPr id="9" name="TextBox 8">
+      <p:grpSp>
+        <p:nvGrpSpPr>
+          <p:cNvPr id="14" name="Group 13">
             <a:extLst>
               <a:ext uri="{FF2B5EF4-FFF2-40B4-BE49-F238E27FC236}">
-                <a16:creationId xmlns:a16="http://schemas.microsoft.com/office/drawing/2014/main" id="{F0BB1E18-F431-4D5C-A77D-B450A4023FBD}"/>
+                <a16:creationId xmlns:a16="http://schemas.microsoft.com/office/drawing/2014/main" id="{6C4D3839-14A9-42E8-A860-04E98490468A}"/>
               </a:ext>
             </a:extLst>
           </p:cNvPr>
-          <p:cNvSpPr txBox="1"/>
+          <p:cNvGrpSpPr/>
           <p:nvPr/>
-        </p:nvSpPr>
-        <p:spPr>
+        </p:nvGrpSpPr>
+        <p:grpSpPr>
           <a:xfrm>
-            <a:off x="8137802" y="5960658"/>
-            <a:ext cx="4042441" cy="523220"/>
+            <a:off x="7788569" y="5582340"/>
+            <a:ext cx="4403431" cy="1046440"/>
+            <a:chOff x="7255655" y="5613015"/>
+            <a:chExt cx="4403431" cy="1046440"/>
           </a:xfrm>
-          <a:prstGeom prst="rect">
-            <a:avLst/>
-          </a:prstGeom>
-          <a:noFill/>
-        </p:spPr>
-        <p:txBody>
-          <a:bodyPr wrap="square" rtlCol="0">
-            <a:spAutoFit/>
-          </a:bodyPr>
-          <a:lstStyle/>
-          <a:p>
-            <a:r>
-              <a:rPr lang="en-GB" sz="2800" b="1" dirty="0"/>
-              <a:t>Model-free &amp; Off Policy</a:t>
-            </a:r>
-          </a:p>
-        </p:txBody>
-      </p:sp>
+        </p:grpSpPr>
+        <p:sp>
+          <p:nvSpPr>
+            <p:cNvPr id="9" name="TextBox 8">
+              <a:extLst>
+                <a:ext uri="{FF2B5EF4-FFF2-40B4-BE49-F238E27FC236}">
+                  <a16:creationId xmlns:a16="http://schemas.microsoft.com/office/drawing/2014/main" id="{F0BB1E18-F431-4D5C-A77D-B450A4023FBD}"/>
+                </a:ext>
+              </a:extLst>
+            </p:cNvPr>
+            <p:cNvSpPr txBox="1"/>
+            <p:nvPr/>
+          </p:nvSpPr>
+          <p:spPr>
+            <a:xfrm>
+              <a:off x="7255655" y="5613015"/>
+              <a:ext cx="4042441" cy="523220"/>
+            </a:xfrm>
+            <a:prstGeom prst="rect">
+              <a:avLst/>
+            </a:prstGeom>
+            <a:noFill/>
+          </p:spPr>
+          <p:txBody>
+            <a:bodyPr wrap="square" rtlCol="0">
+              <a:spAutoFit/>
+            </a:bodyPr>
+            <a:lstStyle/>
+            <a:p>
+              <a:r>
+                <a:rPr lang="en-GB" sz="2800" b="1" dirty="0"/>
+                <a:t>Model-free &amp; Off Policy</a:t>
+              </a:r>
+            </a:p>
+          </p:txBody>
+        </p:sp>
+        <mc:AlternateContent xmlns:mc="http://schemas.openxmlformats.org/markup-compatibility/2006">
+          <mc:Choice xmlns:a14="http://schemas.microsoft.com/office/drawing/2010/main" Requires="a14">
+            <p:sp>
+              <p:nvSpPr>
+                <p:cNvPr id="11" name="TextBox 10">
+                  <a:extLst>
+                    <a:ext uri="{FF2B5EF4-FFF2-40B4-BE49-F238E27FC236}">
+                      <a16:creationId xmlns:a16="http://schemas.microsoft.com/office/drawing/2014/main" id="{DBB0DF92-2E80-4DE4-ABF5-797E11267AC8}"/>
+                    </a:ext>
+                  </a:extLst>
+                </p:cNvPr>
+                <p:cNvSpPr txBox="1"/>
+                <p:nvPr/>
+              </p:nvSpPr>
+              <p:spPr>
+                <a:xfrm>
+                  <a:off x="7255655" y="6136235"/>
+                  <a:ext cx="4403431" cy="523220"/>
+                </a:xfrm>
+                <a:prstGeom prst="rect">
+                  <a:avLst/>
+                </a:prstGeom>
+                <a:noFill/>
+              </p:spPr>
+              <p:txBody>
+                <a:bodyPr wrap="square" rtlCol="0">
+                  <a:spAutoFit/>
+                </a:bodyPr>
+                <a:lstStyle/>
+                <a:p>
+                  <a:r>
+                    <a:rPr lang="en-GB" sz="2800" b="1" dirty="0"/>
+                    <a:t>Learns an </a:t>
+                  </a:r>
+                  <a14:m>
+                    <m:oMath xmlns:m="http://schemas.openxmlformats.org/officeDocument/2006/math">
+                      <m:r>
+                        <a:rPr lang="en-GB" sz="2800" b="1" i="1" smtClean="0">
+                          <a:latin typeface="Cambria Math" panose="02040503050406030204" pitchFamily="18" charset="0"/>
+                          <a:ea typeface="Cambria Math" panose="02040503050406030204" pitchFamily="18" charset="0"/>
+                        </a:rPr>
+                        <m:t>𝜺</m:t>
+                      </m:r>
+                    </m:oMath>
+                  </a14:m>
+                  <a:r>
+                    <a:rPr lang="en-GB" sz="2800" b="1" dirty="0"/>
+                    <a:t>-greedy strategy. </a:t>
+                  </a:r>
+                </a:p>
+              </p:txBody>
+            </p:sp>
+          </mc:Choice>
+          <mc:Fallback>
+            <p:sp>
+              <p:nvSpPr>
+                <p:cNvPr id="11" name="TextBox 10">
+                  <a:extLst>
+                    <a:ext uri="{FF2B5EF4-FFF2-40B4-BE49-F238E27FC236}">
+                      <a16:creationId xmlns:a16="http://schemas.microsoft.com/office/drawing/2014/main" id="{DBB0DF92-2E80-4DE4-ABF5-797E11267AC8}"/>
+                    </a:ext>
+                  </a:extLst>
+                </p:cNvPr>
+                <p:cNvSpPr txBox="1">
+                  <a:spLocks noRot="1" noChangeAspect="1" noMove="1" noResize="1" noEditPoints="1" noAdjustHandles="1" noChangeArrowheads="1" noChangeShapeType="1" noTextEdit="1"/>
+                </p:cNvSpPr>
+                <p:nvPr/>
+              </p:nvSpPr>
+              <p:spPr>
+                <a:xfrm>
+                  <a:off x="7255655" y="6136235"/>
+                  <a:ext cx="4403431" cy="523220"/>
+                </a:xfrm>
+                <a:prstGeom prst="rect">
+                  <a:avLst/>
+                </a:prstGeom>
+                <a:blipFill>
+                  <a:blip r:embed="rId6"/>
+                  <a:stretch>
+                    <a:fillRect l="-2909" t="-11765" r="-2770" b="-34118"/>
+                  </a:stretch>
+                </a:blipFill>
+              </p:spPr>
+              <p:txBody>
+                <a:bodyPr/>
+                <a:lstStyle/>
+                <a:p>
+                  <a:r>
+                    <a:rPr lang="en-GB">
+                      <a:noFill/>
+                    </a:rPr>
+                    <a:t> </a:t>
+                  </a:r>
+                </a:p>
+              </p:txBody>
+            </p:sp>
+          </mc:Fallback>
+        </mc:AlternateContent>
+      </p:grpSp>
+      <p:grpSp>
+        <p:nvGrpSpPr>
+          <p:cNvPr id="15" name="Group 14">
+            <a:extLst>
+              <a:ext uri="{FF2B5EF4-FFF2-40B4-BE49-F238E27FC236}">
+                <a16:creationId xmlns:a16="http://schemas.microsoft.com/office/drawing/2014/main" id="{4BA97FF2-41E0-4CA8-BCD1-D20632561BFE}"/>
+              </a:ext>
+            </a:extLst>
+          </p:cNvPr>
+          <p:cNvGrpSpPr/>
+          <p:nvPr/>
+        </p:nvGrpSpPr>
+        <p:grpSpPr>
+          <a:xfrm>
+            <a:off x="360990" y="5758875"/>
+            <a:ext cx="6472093" cy="869905"/>
+            <a:chOff x="485721" y="5235655"/>
+            <a:chExt cx="6472093" cy="869905"/>
+          </a:xfrm>
+        </p:grpSpPr>
+        <mc:AlternateContent xmlns:mc="http://schemas.openxmlformats.org/markup-compatibility/2006">
+          <mc:Choice xmlns:a14="http://schemas.microsoft.com/office/drawing/2010/main" Requires="a14">
+            <p:sp>
+              <p:nvSpPr>
+                <p:cNvPr id="3" name="TextBox 2">
+                  <a:extLst>
+                    <a:ext uri="{FF2B5EF4-FFF2-40B4-BE49-F238E27FC236}">
+                      <a16:creationId xmlns:a16="http://schemas.microsoft.com/office/drawing/2014/main" id="{3BE30A4D-16EE-474B-B0A1-D1B7888749F9}"/>
+                    </a:ext>
+                  </a:extLst>
+                </p:cNvPr>
+                <p:cNvSpPr txBox="1"/>
+                <p:nvPr/>
+              </p:nvSpPr>
+              <p:spPr>
+                <a:xfrm>
+                  <a:off x="485721" y="5235655"/>
+                  <a:ext cx="6472093" cy="549766"/>
+                </a:xfrm>
+                <a:prstGeom prst="rect">
+                  <a:avLst/>
+                </a:prstGeom>
+                <a:noFill/>
+              </p:spPr>
+              <p:txBody>
+                <a:bodyPr wrap="none" lIns="0" tIns="0" rIns="0" bIns="0" rtlCol="0">
+                  <a:spAutoFit/>
+                </a:bodyPr>
+                <a:lstStyle/>
+                <a:p>
+                  <a14:m>
+                    <m:oMathPara xmlns:m="http://schemas.openxmlformats.org/officeDocument/2006/math">
+                      <m:oMathParaPr>
+                        <m:jc m:val="centerGroup"/>
+                      </m:oMathParaPr>
+                      <m:oMath xmlns:m="http://schemas.openxmlformats.org/officeDocument/2006/math">
+                        <m:sSub>
+                          <m:sSubPr>
+                            <m:ctrlPr>
+                              <a:rPr lang="en-GB" sz="3200" i="1" smtClean="0">
+                                <a:latin typeface="Cambria Math" panose="02040503050406030204" pitchFamily="18" charset="0"/>
+                              </a:rPr>
+                            </m:ctrlPr>
+                          </m:sSubPr>
+                          <m:e>
+                            <m:r>
+                              <a:rPr lang="en-GB" sz="3200" b="0" i="1" smtClean="0">
+                                <a:latin typeface="Cambria Math" panose="02040503050406030204" pitchFamily="18" charset="0"/>
+                              </a:rPr>
+                              <m:t>𝐿</m:t>
+                            </m:r>
+                          </m:e>
+                          <m:sub>
+                            <m:r>
+                              <a:rPr lang="en-GB" sz="3200" b="0" i="1" smtClean="0">
+                                <a:latin typeface="Cambria Math" panose="02040503050406030204" pitchFamily="18" charset="0"/>
+                              </a:rPr>
+                              <m:t>𝑖</m:t>
+                            </m:r>
+                          </m:sub>
+                        </m:sSub>
+                        <m:d>
+                          <m:dPr>
+                            <m:ctrlPr>
+                              <a:rPr lang="en-GB" sz="3200" b="0" i="1" smtClean="0">
+                                <a:latin typeface="Cambria Math" panose="02040503050406030204" pitchFamily="18" charset="0"/>
+                              </a:rPr>
+                            </m:ctrlPr>
+                          </m:dPr>
+                          <m:e>
+                            <m:sSub>
+                              <m:sSubPr>
+                                <m:ctrlPr>
+                                  <a:rPr lang="en-GB" sz="3200" b="0" i="1" smtClean="0">
+                                    <a:latin typeface="Cambria Math" panose="02040503050406030204" pitchFamily="18" charset="0"/>
+                                  </a:rPr>
+                                </m:ctrlPr>
+                              </m:sSubPr>
+                              <m:e>
+                                <m:r>
+                                  <a:rPr lang="en-GB" sz="3200" b="0" i="1" smtClean="0">
+                                    <a:latin typeface="Cambria Math" panose="02040503050406030204" pitchFamily="18" charset="0"/>
+                                    <a:ea typeface="Cambria Math" panose="02040503050406030204" pitchFamily="18" charset="0"/>
+                                  </a:rPr>
+                                  <m:t>𝜃</m:t>
+                                </m:r>
+                              </m:e>
+                              <m:sub>
+                                <m:r>
+                                  <a:rPr lang="en-GB" sz="3200" b="0" i="1" smtClean="0">
+                                    <a:latin typeface="Cambria Math" panose="02040503050406030204" pitchFamily="18" charset="0"/>
+                                  </a:rPr>
+                                  <m:t>𝑖</m:t>
+                                </m:r>
+                              </m:sub>
+                            </m:sSub>
+                          </m:e>
+                        </m:d>
+                        <m:r>
+                          <a:rPr lang="en-GB" sz="3200" b="0" i="1" smtClean="0">
+                            <a:latin typeface="Cambria Math" panose="02040503050406030204" pitchFamily="18" charset="0"/>
+                          </a:rPr>
+                          <m:t>=</m:t>
+                        </m:r>
+                        <m:sSub>
+                          <m:sSubPr>
+                            <m:ctrlPr>
+                              <a:rPr lang="en-GB" sz="3200" b="0" i="1" smtClean="0">
+                                <a:latin typeface="Cambria Math" panose="02040503050406030204" pitchFamily="18" charset="0"/>
+                              </a:rPr>
+                            </m:ctrlPr>
+                          </m:sSubPr>
+                          <m:e>
+                            <m:r>
+                              <a:rPr lang="en-GB" sz="3200" i="1">
+                                <a:latin typeface="Cambria Math" panose="02040503050406030204" pitchFamily="18" charset="0"/>
+                                <a:ea typeface="Cambria Math" panose="02040503050406030204" pitchFamily="18" charset="0"/>
+                              </a:rPr>
+                              <m:t>𝔼</m:t>
+                            </m:r>
+                          </m:e>
+                          <m:sub>
+                            <m:r>
+                              <a:rPr lang="en-GB" sz="3200" b="0" i="1" smtClean="0">
+                                <a:latin typeface="Cambria Math" panose="02040503050406030204" pitchFamily="18" charset="0"/>
+                              </a:rPr>
+                              <m:t>𝑠</m:t>
+                            </m:r>
+                            <m:r>
+                              <a:rPr lang="en-GB" sz="3200" b="0" i="1" smtClean="0">
+                                <a:latin typeface="Cambria Math" panose="02040503050406030204" pitchFamily="18" charset="0"/>
+                              </a:rPr>
+                              <m:t>,</m:t>
+                            </m:r>
+                            <m:r>
+                              <a:rPr lang="en-GB" sz="3200" b="0" i="1" smtClean="0">
+                                <a:latin typeface="Cambria Math" panose="02040503050406030204" pitchFamily="18" charset="0"/>
+                              </a:rPr>
+                              <m:t>𝑎</m:t>
+                            </m:r>
+                            <m:r>
+                              <a:rPr lang="en-GB" sz="3200" b="0" i="1" smtClean="0">
+                                <a:latin typeface="Cambria Math" panose="02040503050406030204" pitchFamily="18" charset="0"/>
+                                <a:ea typeface="Cambria Math" panose="02040503050406030204" pitchFamily="18" charset="0"/>
+                              </a:rPr>
+                              <m:t>~</m:t>
+                            </m:r>
+                            <m:r>
+                              <a:rPr lang="en-GB" sz="3200" b="0" i="1" smtClean="0">
+                                <a:latin typeface="Cambria Math" panose="02040503050406030204" pitchFamily="18" charset="0"/>
+                                <a:ea typeface="Cambria Math" panose="02040503050406030204" pitchFamily="18" charset="0"/>
+                              </a:rPr>
+                              <m:t>𝑝</m:t>
+                            </m:r>
+                            <m:r>
+                              <a:rPr lang="en-GB" sz="3200" b="0" i="1" smtClean="0">
+                                <a:latin typeface="Cambria Math" panose="02040503050406030204" pitchFamily="18" charset="0"/>
+                                <a:ea typeface="Cambria Math" panose="02040503050406030204" pitchFamily="18" charset="0"/>
+                              </a:rPr>
+                              <m:t>(.)</m:t>
+                            </m:r>
+                          </m:sub>
+                        </m:sSub>
+                        <m:d>
+                          <m:dPr>
+                            <m:begChr m:val="["/>
+                            <m:endChr m:val="]"/>
+                            <m:ctrlPr>
+                              <a:rPr lang="en-GB" sz="3200" b="0" i="1" smtClean="0">
+                                <a:latin typeface="Cambria Math" panose="02040503050406030204" pitchFamily="18" charset="0"/>
+                              </a:rPr>
+                            </m:ctrlPr>
+                          </m:dPr>
+                          <m:e>
+                            <m:sSup>
+                              <m:sSupPr>
+                                <m:ctrlPr>
+                                  <a:rPr lang="en-GB" sz="3200" b="0" i="1" smtClean="0">
+                                    <a:latin typeface="Cambria Math" panose="02040503050406030204" pitchFamily="18" charset="0"/>
+                                  </a:rPr>
+                                </m:ctrlPr>
+                              </m:sSupPr>
+                              <m:e>
+                                <m:r>
+                                  <a:rPr lang="en-GB" sz="3200" i="1">
+                                    <a:latin typeface="Cambria Math" panose="02040503050406030204" pitchFamily="18" charset="0"/>
+                                  </a:rPr>
+                                  <m:t>(</m:t>
+                                </m:r>
+                                <m:sSub>
+                                  <m:sSubPr>
+                                    <m:ctrlPr>
+                                      <a:rPr lang="en-GB" sz="3200" i="1">
+                                        <a:latin typeface="Cambria Math" panose="02040503050406030204" pitchFamily="18" charset="0"/>
+                                      </a:rPr>
+                                    </m:ctrlPr>
+                                  </m:sSubPr>
+                                  <m:e>
+                                    <m:r>
+                                      <a:rPr lang="en-GB" sz="3200" i="1">
+                                        <a:latin typeface="Cambria Math" panose="02040503050406030204" pitchFamily="18" charset="0"/>
+                                      </a:rPr>
+                                      <m:t>𝑦</m:t>
+                                    </m:r>
+                                  </m:e>
+                                  <m:sub>
+                                    <m:r>
+                                      <a:rPr lang="en-GB" sz="3200" i="1">
+                                        <a:latin typeface="Cambria Math" panose="02040503050406030204" pitchFamily="18" charset="0"/>
+                                      </a:rPr>
+                                      <m:t>𝑖</m:t>
+                                    </m:r>
+                                  </m:sub>
+                                </m:sSub>
+                                <m:r>
+                                  <a:rPr lang="en-GB" sz="3200" i="1">
+                                    <a:latin typeface="Cambria Math" panose="02040503050406030204" pitchFamily="18" charset="0"/>
+                                  </a:rPr>
+                                  <m:t>−</m:t>
+                                </m:r>
+                                <m:r>
+                                  <a:rPr lang="en-GB" sz="3200" i="1">
+                                    <a:latin typeface="Cambria Math" panose="02040503050406030204" pitchFamily="18" charset="0"/>
+                                  </a:rPr>
+                                  <m:t>𝑄</m:t>
+                                </m:r>
+                                <m:r>
+                                  <a:rPr lang="en-GB" sz="3200" i="1">
+                                    <a:latin typeface="Cambria Math" panose="02040503050406030204" pitchFamily="18" charset="0"/>
+                                  </a:rPr>
+                                  <m:t>(</m:t>
+                                </m:r>
+                                <m:r>
+                                  <a:rPr lang="en-GB" sz="3200" i="1">
+                                    <a:latin typeface="Cambria Math" panose="02040503050406030204" pitchFamily="18" charset="0"/>
+                                  </a:rPr>
+                                  <m:t>𝑠</m:t>
+                                </m:r>
+                                <m:r>
+                                  <a:rPr lang="en-GB" sz="3200" i="1">
+                                    <a:latin typeface="Cambria Math" panose="02040503050406030204" pitchFamily="18" charset="0"/>
+                                  </a:rPr>
+                                  <m:t>,</m:t>
+                                </m:r>
+                                <m:r>
+                                  <a:rPr lang="en-GB" sz="3200" i="1">
+                                    <a:latin typeface="Cambria Math" panose="02040503050406030204" pitchFamily="18" charset="0"/>
+                                  </a:rPr>
+                                  <m:t>𝑎</m:t>
+                                </m:r>
+                                <m:r>
+                                  <a:rPr lang="en-GB" sz="3200" i="1">
+                                    <a:latin typeface="Cambria Math" panose="02040503050406030204" pitchFamily="18" charset="0"/>
+                                  </a:rPr>
+                                  <m:t>;</m:t>
+                                </m:r>
+                                <m:sSub>
+                                  <m:sSubPr>
+                                    <m:ctrlPr>
+                                      <a:rPr lang="en-GB" sz="3200" i="1">
+                                        <a:latin typeface="Cambria Math" panose="02040503050406030204" pitchFamily="18" charset="0"/>
+                                      </a:rPr>
+                                    </m:ctrlPr>
+                                  </m:sSubPr>
+                                  <m:e>
+                                    <m:r>
+                                      <a:rPr lang="en-GB" sz="3200" i="1">
+                                        <a:latin typeface="Cambria Math" panose="02040503050406030204" pitchFamily="18" charset="0"/>
+                                        <a:ea typeface="Cambria Math" panose="02040503050406030204" pitchFamily="18" charset="0"/>
+                                      </a:rPr>
+                                      <m:t>𝜃</m:t>
+                                    </m:r>
+                                  </m:e>
+                                  <m:sub>
+                                    <m:r>
+                                      <a:rPr lang="en-GB" sz="3200" i="1">
+                                        <a:latin typeface="Cambria Math" panose="02040503050406030204" pitchFamily="18" charset="0"/>
+                                      </a:rPr>
+                                      <m:t>𝑖</m:t>
+                                    </m:r>
+                                  </m:sub>
+                                </m:sSub>
+                                <m:r>
+                                  <a:rPr lang="en-GB" sz="3200" i="1">
+                                    <a:latin typeface="Cambria Math" panose="02040503050406030204" pitchFamily="18" charset="0"/>
+                                  </a:rPr>
+                                  <m:t>))</m:t>
+                                </m:r>
+                              </m:e>
+                              <m:sup>
+                                <m:r>
+                                  <a:rPr lang="en-GB" sz="3200" b="0" i="1" smtClean="0">
+                                    <a:latin typeface="Cambria Math" panose="02040503050406030204" pitchFamily="18" charset="0"/>
+                                  </a:rPr>
+                                  <m:t>2</m:t>
+                                </m:r>
+                              </m:sup>
+                            </m:sSup>
+                          </m:e>
+                        </m:d>
+                      </m:oMath>
+                    </m:oMathPara>
+                  </a14:m>
+                  <a:endParaRPr lang="en-GB" dirty="0"/>
+                </a:p>
+              </p:txBody>
+            </p:sp>
+          </mc:Choice>
+          <mc:Fallback>
+            <p:sp>
+              <p:nvSpPr>
+                <p:cNvPr id="3" name="TextBox 2">
+                  <a:extLst>
+                    <a:ext uri="{FF2B5EF4-FFF2-40B4-BE49-F238E27FC236}">
+                      <a16:creationId xmlns:a16="http://schemas.microsoft.com/office/drawing/2014/main" id="{3BE30A4D-16EE-474B-B0A1-D1B7888749F9}"/>
+                    </a:ext>
+                  </a:extLst>
+                </p:cNvPr>
+                <p:cNvSpPr txBox="1">
+                  <a:spLocks noRot="1" noChangeAspect="1" noMove="1" noResize="1" noEditPoints="1" noAdjustHandles="1" noChangeArrowheads="1" noChangeShapeType="1" noTextEdit="1"/>
+                </p:cNvSpPr>
+                <p:nvPr/>
+              </p:nvSpPr>
+              <p:spPr>
+                <a:xfrm>
+                  <a:off x="485721" y="5235655"/>
+                  <a:ext cx="6472093" cy="549766"/>
+                </a:xfrm>
+                <a:prstGeom prst="rect">
+                  <a:avLst/>
+                </a:prstGeom>
+                <a:blipFill>
+                  <a:blip r:embed="rId7"/>
+                  <a:stretch>
+                    <a:fillRect/>
+                  </a:stretch>
+                </a:blipFill>
+              </p:spPr>
+              <p:txBody>
+                <a:bodyPr/>
+                <a:lstStyle/>
+                <a:p>
+                  <a:r>
+                    <a:rPr lang="en-GB">
+                      <a:noFill/>
+                    </a:rPr>
+                    <a:t> </a:t>
+                  </a:r>
+                </a:p>
+              </p:txBody>
+            </p:sp>
+          </mc:Fallback>
+        </mc:AlternateContent>
+        <mc:AlternateContent xmlns:mc="http://schemas.openxmlformats.org/markup-compatibility/2006">
+          <mc:Choice xmlns:a14="http://schemas.microsoft.com/office/drawing/2010/main" Requires="a14">
+            <p:sp>
+              <p:nvSpPr>
+                <p:cNvPr id="13" name="TextBox 12">
+                  <a:extLst>
+                    <a:ext uri="{FF2B5EF4-FFF2-40B4-BE49-F238E27FC236}">
+                      <a16:creationId xmlns:a16="http://schemas.microsoft.com/office/drawing/2014/main" id="{120A5798-6B23-47E5-83F1-575454BF4D27}"/>
+                    </a:ext>
+                  </a:extLst>
+                </p:cNvPr>
+                <p:cNvSpPr txBox="1"/>
+                <p:nvPr/>
+              </p:nvSpPr>
+              <p:spPr>
+                <a:xfrm>
+                  <a:off x="485721" y="5736228"/>
+                  <a:ext cx="2814114" cy="369332"/>
+                </a:xfrm>
+                <a:prstGeom prst="rect">
+                  <a:avLst/>
+                </a:prstGeom>
+                <a:noFill/>
+              </p:spPr>
+              <p:txBody>
+                <a:bodyPr wrap="square" rtlCol="0">
+                  <a:spAutoFit/>
+                </a:bodyPr>
+                <a:lstStyle/>
+                <a:p>
+                  <a:r>
+                    <a:rPr lang="en-GB" b="1" dirty="0"/>
+                    <a:t>Loss Function @ iteration </a:t>
+                  </a:r>
+                  <a14:m>
+                    <m:oMath xmlns:m="http://schemas.openxmlformats.org/officeDocument/2006/math">
+                      <m:r>
+                        <a:rPr lang="en-GB" b="1" i="1" smtClean="0">
+                          <a:latin typeface="Cambria Math" panose="02040503050406030204" pitchFamily="18" charset="0"/>
+                        </a:rPr>
+                        <m:t>𝒊</m:t>
+                      </m:r>
+                    </m:oMath>
+                  </a14:m>
+                  <a:endParaRPr lang="en-GB" b="1" dirty="0"/>
+                </a:p>
+              </p:txBody>
+            </p:sp>
+          </mc:Choice>
+          <mc:Fallback>
+            <p:sp>
+              <p:nvSpPr>
+                <p:cNvPr id="13" name="TextBox 12">
+                  <a:extLst>
+                    <a:ext uri="{FF2B5EF4-FFF2-40B4-BE49-F238E27FC236}">
+                      <a16:creationId xmlns:a16="http://schemas.microsoft.com/office/drawing/2014/main" id="{120A5798-6B23-47E5-83F1-575454BF4D27}"/>
+                    </a:ext>
+                  </a:extLst>
+                </p:cNvPr>
+                <p:cNvSpPr txBox="1">
+                  <a:spLocks noRot="1" noChangeAspect="1" noMove="1" noResize="1" noEditPoints="1" noAdjustHandles="1" noChangeArrowheads="1" noChangeShapeType="1" noTextEdit="1"/>
+                </p:cNvSpPr>
+                <p:nvPr/>
+              </p:nvSpPr>
+              <p:spPr>
+                <a:xfrm>
+                  <a:off x="485721" y="5736228"/>
+                  <a:ext cx="2814114" cy="369332"/>
+                </a:xfrm>
+                <a:prstGeom prst="rect">
+                  <a:avLst/>
+                </a:prstGeom>
+                <a:blipFill>
+                  <a:blip r:embed="rId8"/>
+                  <a:stretch>
+                    <a:fillRect l="-1732" t="-10000" b="-26667"/>
+                  </a:stretch>
+                </a:blipFill>
+              </p:spPr>
+              <p:txBody>
+                <a:bodyPr/>
+                <a:lstStyle/>
+                <a:p>
+                  <a:r>
+                    <a:rPr lang="en-GB">
+                      <a:noFill/>
+                    </a:rPr>
+                    <a:t> </a:t>
+                  </a:r>
+                </a:p>
+              </p:txBody>
+            </p:sp>
+          </mc:Fallback>
+        </mc:AlternateContent>
+      </p:grpSp>
     </p:spTree>
     <p:custDataLst>
       <p:tags r:id="rId1"/>
@@ -7161,8 +8042,8 @@
         </p:nvSpPr>
         <p:spPr>
           <a:xfrm>
-            <a:off x="1673094" y="506792"/>
-            <a:ext cx="8562474" cy="1325563"/>
+            <a:off x="1839178" y="350250"/>
+            <a:ext cx="8513643" cy="1051432"/>
           </a:xfrm>
         </p:spPr>
         <p:txBody>
@@ -7190,7 +8071,7 @@
         </p:nvSpPr>
         <p:spPr>
           <a:xfrm>
-            <a:off x="6096000" y="2055184"/>
+            <a:off x="6296760" y="1920973"/>
             <a:ext cx="6096000" cy="1569660"/>
           </a:xfrm>
           <a:prstGeom prst="rect">
@@ -7245,8 +8126,8 @@
           </a:p>
         </p:txBody>
       </p:sp>
-      <mc:AlternateContent xmlns:mc="http://schemas.openxmlformats.org/markup-compatibility/2006">
-        <mc:Choice xmlns:a14="http://schemas.microsoft.com/office/drawing/2010/main" Requires="a14">
+      <mc:AlternateContent xmlns:mc="http://schemas.openxmlformats.org/markup-compatibility/2006" xmlns:a14="http://schemas.microsoft.com/office/drawing/2010/main">
+        <mc:Choice Requires="a14">
           <p:sp>
             <p:nvSpPr>
               <p:cNvPr id="4" name="Rectangle 3">
@@ -7420,7 +8301,7 @@
             </p:txBody>
           </p:sp>
         </mc:Choice>
-        <mc:Fallback>
+        <mc:Fallback xmlns="">
           <p:sp>
             <p:nvSpPr>
               <p:cNvPr id="4" name="Rectangle 3">
@@ -7465,6 +8346,253 @@
           </p:sp>
         </mc:Fallback>
       </mc:AlternateContent>
+      <p:pic>
+        <p:nvPicPr>
+          <p:cNvPr id="6" name="Picture 5">
+            <a:extLst>
+              <a:ext uri="{FF2B5EF4-FFF2-40B4-BE49-F238E27FC236}">
+                <a16:creationId xmlns:a16="http://schemas.microsoft.com/office/drawing/2014/main" id="{684EF82B-650A-48F0-8E08-4EABA45F0B4F}"/>
+              </a:ext>
+            </a:extLst>
+          </p:cNvPr>
+          <p:cNvPicPr>
+            <a:picLocks noChangeAspect="1"/>
+          </p:cNvPicPr>
+          <p:nvPr/>
+        </p:nvPicPr>
+        <p:blipFill>
+          <a:blip r:embed="rId5">
+            <a:extLst>
+              <a:ext uri="{28A0092B-C50C-407E-A947-70E740481C1C}">
+                <a14:useLocalDpi xmlns:a14="http://schemas.microsoft.com/office/drawing/2010/main" val="0"/>
+              </a:ext>
+            </a:extLst>
+          </a:blip>
+          <a:stretch>
+            <a:fillRect/>
+          </a:stretch>
+        </p:blipFill>
+        <p:spPr>
+          <a:xfrm>
+            <a:off x="770021" y="1657309"/>
+            <a:ext cx="3089324" cy="1967535"/>
+          </a:xfrm>
+          <a:prstGeom prst="rect">
+            <a:avLst/>
+          </a:prstGeom>
+        </p:spPr>
+      </p:pic>
+      <p:grpSp>
+        <p:nvGrpSpPr>
+          <p:cNvPr id="11" name="Group 10">
+            <a:extLst>
+              <a:ext uri="{FF2B5EF4-FFF2-40B4-BE49-F238E27FC236}">
+                <a16:creationId xmlns:a16="http://schemas.microsoft.com/office/drawing/2014/main" id="{7DE24284-BD02-4DA9-A1F5-AF89C5F23685}"/>
+              </a:ext>
+            </a:extLst>
+          </p:cNvPr>
+          <p:cNvGrpSpPr/>
+          <p:nvPr/>
+        </p:nvGrpSpPr>
+        <p:grpSpPr>
+          <a:xfrm>
+            <a:off x="4872133" y="2159280"/>
+            <a:ext cx="1534663" cy="1110690"/>
+            <a:chOff x="4633662" y="2973244"/>
+            <a:chExt cx="1534663" cy="1110690"/>
+          </a:xfrm>
+        </p:grpSpPr>
+        <p:pic>
+          <p:nvPicPr>
+            <p:cNvPr id="7" name="Picture 6">
+              <a:extLst>
+                <a:ext uri="{FF2B5EF4-FFF2-40B4-BE49-F238E27FC236}">
+                  <a16:creationId xmlns:a16="http://schemas.microsoft.com/office/drawing/2014/main" id="{64CE5D70-58A0-46B8-83B7-6DDBE02F55EF}"/>
+                </a:ext>
+              </a:extLst>
+            </p:cNvPr>
+            <p:cNvPicPr>
+              <a:picLocks noChangeAspect="1"/>
+            </p:cNvPicPr>
+            <p:nvPr/>
+          </p:nvPicPr>
+          <p:blipFill>
+            <a:blip r:embed="rId5">
+              <a:grayscl/>
+              <a:extLst>
+                <a:ext uri="{28A0092B-C50C-407E-A947-70E740481C1C}">
+                  <a14:useLocalDpi xmlns:a14="http://schemas.microsoft.com/office/drawing/2010/main" val="0"/>
+                </a:ext>
+              </a:extLst>
+            </a:blip>
+            <a:stretch>
+              <a:fillRect/>
+            </a:stretch>
+          </p:blipFill>
+          <p:spPr>
+            <a:xfrm>
+              <a:off x="4633662" y="2973244"/>
+              <a:ext cx="1023109" cy="651600"/>
+            </a:xfrm>
+            <a:prstGeom prst="rect">
+              <a:avLst/>
+            </a:prstGeom>
+          </p:spPr>
+        </p:pic>
+        <p:pic>
+          <p:nvPicPr>
+            <p:cNvPr id="8" name="Picture 7">
+              <a:extLst>
+                <a:ext uri="{FF2B5EF4-FFF2-40B4-BE49-F238E27FC236}">
+                  <a16:creationId xmlns:a16="http://schemas.microsoft.com/office/drawing/2014/main" id="{78AA0C4E-CD60-48BF-BB8A-A855AA015B29}"/>
+                </a:ext>
+              </a:extLst>
+            </p:cNvPr>
+            <p:cNvPicPr>
+              <a:picLocks noChangeAspect="1"/>
+            </p:cNvPicPr>
+            <p:nvPr/>
+          </p:nvPicPr>
+          <p:blipFill>
+            <a:blip r:embed="rId5">
+              <a:grayscl/>
+              <a:extLst>
+                <a:ext uri="{28A0092B-C50C-407E-A947-70E740481C1C}">
+                  <a14:useLocalDpi xmlns:a14="http://schemas.microsoft.com/office/drawing/2010/main" val="0"/>
+                </a:ext>
+              </a:extLst>
+            </a:blip>
+            <a:stretch>
+              <a:fillRect/>
+            </a:stretch>
+          </p:blipFill>
+          <p:spPr>
+            <a:xfrm>
+              <a:off x="4786062" y="3125644"/>
+              <a:ext cx="1023109" cy="651600"/>
+            </a:xfrm>
+            <a:prstGeom prst="rect">
+              <a:avLst/>
+            </a:prstGeom>
+          </p:spPr>
+        </p:pic>
+        <p:pic>
+          <p:nvPicPr>
+            <p:cNvPr id="9" name="Picture 8">
+              <a:extLst>
+                <a:ext uri="{FF2B5EF4-FFF2-40B4-BE49-F238E27FC236}">
+                  <a16:creationId xmlns:a16="http://schemas.microsoft.com/office/drawing/2014/main" id="{BC4E076C-9E23-4EB7-9256-8A8616DB48BF}"/>
+                </a:ext>
+              </a:extLst>
+            </p:cNvPr>
+            <p:cNvPicPr>
+              <a:picLocks noChangeAspect="1"/>
+            </p:cNvPicPr>
+            <p:nvPr/>
+          </p:nvPicPr>
+          <p:blipFill>
+            <a:blip r:embed="rId5">
+              <a:grayscl/>
+              <a:extLst>
+                <a:ext uri="{28A0092B-C50C-407E-A947-70E740481C1C}">
+                  <a14:useLocalDpi xmlns:a14="http://schemas.microsoft.com/office/drawing/2010/main" val="0"/>
+                </a:ext>
+              </a:extLst>
+            </a:blip>
+            <a:stretch>
+              <a:fillRect/>
+            </a:stretch>
+          </p:blipFill>
+          <p:spPr>
+            <a:xfrm>
+              <a:off x="4938462" y="3278044"/>
+              <a:ext cx="1023109" cy="651600"/>
+            </a:xfrm>
+            <a:prstGeom prst="rect">
+              <a:avLst/>
+            </a:prstGeom>
+          </p:spPr>
+        </p:pic>
+        <p:pic>
+          <p:nvPicPr>
+            <p:cNvPr id="10" name="Picture 9">
+              <a:extLst>
+                <a:ext uri="{FF2B5EF4-FFF2-40B4-BE49-F238E27FC236}">
+                  <a16:creationId xmlns:a16="http://schemas.microsoft.com/office/drawing/2014/main" id="{0369B67F-DAEB-4792-9463-0D66C749CDC3}"/>
+                </a:ext>
+              </a:extLst>
+            </p:cNvPr>
+            <p:cNvPicPr>
+              <a:picLocks noChangeAspect="1"/>
+            </p:cNvPicPr>
+            <p:nvPr/>
+          </p:nvPicPr>
+          <p:blipFill>
+            <a:blip r:embed="rId5">
+              <a:grayscl/>
+              <a:extLst>
+                <a:ext uri="{28A0092B-C50C-407E-A947-70E740481C1C}">
+                  <a14:useLocalDpi xmlns:a14="http://schemas.microsoft.com/office/drawing/2010/main" val="0"/>
+                </a:ext>
+              </a:extLst>
+            </a:blip>
+            <a:stretch>
+              <a:fillRect/>
+            </a:stretch>
+          </p:blipFill>
+          <p:spPr>
+            <a:xfrm>
+              <a:off x="5145216" y="3432334"/>
+              <a:ext cx="1023109" cy="651600"/>
+            </a:xfrm>
+            <a:prstGeom prst="rect">
+              <a:avLst/>
+            </a:prstGeom>
+          </p:spPr>
+        </p:pic>
+      </p:grpSp>
+      <p:cxnSp>
+        <p:nvCxnSpPr>
+          <p:cNvPr id="13" name="Straight Arrow Connector 12">
+            <a:extLst>
+              <a:ext uri="{FF2B5EF4-FFF2-40B4-BE49-F238E27FC236}">
+                <a16:creationId xmlns:a16="http://schemas.microsoft.com/office/drawing/2014/main" id="{EA9EB4C9-8EF2-4FEF-8D91-F0E1F4D5D08C}"/>
+              </a:ext>
+            </a:extLst>
+          </p:cNvPr>
+          <p:cNvCxnSpPr/>
+          <p:nvPr/>
+        </p:nvCxnSpPr>
+        <p:spPr>
+          <a:xfrm>
+            <a:off x="3994801" y="2618370"/>
+            <a:ext cx="742950" cy="0"/>
+          </a:xfrm>
+          <a:prstGeom prst="straightConnector1">
+            <a:avLst/>
+          </a:prstGeom>
+          <a:ln w="63500">
+            <a:solidFill>
+              <a:srgbClr val="FF0000"/>
+            </a:solidFill>
+            <a:tailEnd type="triangle"/>
+          </a:ln>
+        </p:spPr>
+        <p:style>
+          <a:lnRef idx="1">
+            <a:schemeClr val="accent1"/>
+          </a:lnRef>
+          <a:fillRef idx="0">
+            <a:schemeClr val="accent1"/>
+          </a:fillRef>
+          <a:effectRef idx="0">
+            <a:schemeClr val="accent1"/>
+          </a:effectRef>
+          <a:fontRef idx="minor">
+            <a:schemeClr val="tx1"/>
+          </a:fontRef>
+        </p:style>
+      </p:cxnSp>
     </p:spTree>
     <p:custDataLst>
       <p:tags r:id="rId1"/>
@@ -7533,41 +8661,6 @@
       </p:sp>
       <p:sp>
         <p:nvSpPr>
-          <p:cNvPr id="4" name="TextBox 3">
-            <a:extLst>
-              <a:ext uri="{FF2B5EF4-FFF2-40B4-BE49-F238E27FC236}">
-                <a16:creationId xmlns:a16="http://schemas.microsoft.com/office/drawing/2014/main" id="{75DCC9D0-17DE-4854-8482-B2A959A5B8A4}"/>
-              </a:ext>
-            </a:extLst>
-          </p:cNvPr>
-          <p:cNvSpPr txBox="1"/>
-          <p:nvPr/>
-        </p:nvSpPr>
-        <p:spPr>
-          <a:xfrm>
-            <a:off x="1197735" y="2009104"/>
-            <a:ext cx="6632619" cy="646331"/>
-          </a:xfrm>
-          <a:prstGeom prst="rect">
-            <a:avLst/>
-          </a:prstGeom>
-          <a:noFill/>
-        </p:spPr>
-        <p:txBody>
-          <a:bodyPr wrap="square" rtlCol="0">
-            <a:spAutoFit/>
-          </a:bodyPr>
-          <a:lstStyle/>
-          <a:p>
-            <a:r>
-              <a:rPr lang="en-GB" dirty="0"/>
-              <a:t>Same agent (architecture, algorithm, hyperparameters) on 7 Atari games but normalised rewards across all games [1,0,-1]</a:t>
-            </a:r>
-          </a:p>
-        </p:txBody>
-      </p:sp>
-      <p:sp>
-        <p:nvSpPr>
           <p:cNvPr id="5" name="TextBox 4">
             <a:extLst>
               <a:ext uri="{FF2B5EF4-FFF2-40B4-BE49-F238E27FC236}">
@@ -7580,8 +8673,8 @@
         </p:nvSpPr>
         <p:spPr>
           <a:xfrm>
-            <a:off x="1596979" y="3116687"/>
-            <a:ext cx="8963697" cy="923330"/>
+            <a:off x="1176064" y="1816275"/>
+            <a:ext cx="8963697" cy="3877985"/>
           </a:xfrm>
           <a:prstGeom prst="rect">
             <a:avLst/>
@@ -7594,50 +8687,94 @@
           </a:bodyPr>
           <a:lstStyle/>
           <a:p>
-            <a:r>
-              <a:rPr lang="en-GB" dirty="0"/>
-              <a:t>Trained for a total 10 million frames with a replay memory of 1 million most recent frames. </a:t>
-            </a:r>
-          </a:p>
-          <a:p>
-            <a:r>
-              <a:rPr lang="en-GB" dirty="0"/>
-              <a:t>Training with minibatches of size 32. Using a greedy/exploitation policy during training. Learning rate annealed linearly from 1 to 0.1 over the first million frames. </a:t>
-            </a:r>
-          </a:p>
-        </p:txBody>
-      </p:sp>
-      <p:sp>
-        <p:nvSpPr>
-          <p:cNvPr id="6" name="TextBox 5">
-            <a:extLst>
-              <a:ext uri="{FF2B5EF4-FFF2-40B4-BE49-F238E27FC236}">
-                <a16:creationId xmlns:a16="http://schemas.microsoft.com/office/drawing/2014/main" id="{DD2B0BB1-67E2-485B-BA7A-E817FF08EC85}"/>
-              </a:ext>
-            </a:extLst>
-          </p:cNvPr>
-          <p:cNvSpPr txBox="1"/>
-          <p:nvPr/>
-        </p:nvSpPr>
-        <p:spPr>
-          <a:xfrm>
-            <a:off x="2258096" y="4501269"/>
-            <a:ext cx="7675808" cy="369332"/>
-          </a:xfrm>
-          <a:prstGeom prst="rect">
-            <a:avLst/>
-          </a:prstGeom>
-          <a:noFill/>
-        </p:spPr>
-        <p:txBody>
-          <a:bodyPr wrap="square" rtlCol="0">
-            <a:spAutoFit/>
-          </a:bodyPr>
-          <a:lstStyle/>
-          <a:p>
-            <a:r>
-              <a:rPr lang="en-GB" dirty="0"/>
-              <a:t>Frame skipping technique, agent sees and acts every kth frame (k=4)</a:t>
+            <a:pPr marL="342900" indent="-342900">
+              <a:spcAft>
+                <a:spcPts val="600"/>
+              </a:spcAft>
+              <a:buFont typeface="Arial" panose="020B0604020202020204" pitchFamily="34" charset="0"/>
+              <a:buChar char="•"/>
+            </a:pPr>
+            <a:r>
+              <a:rPr lang="en-GB" sz="2400" dirty="0"/>
+              <a:t>Normalised rewards across all games [1,0,-1]</a:t>
+            </a:r>
+          </a:p>
+          <a:p>
+            <a:pPr marL="342900" indent="-342900">
+              <a:spcAft>
+                <a:spcPts val="600"/>
+              </a:spcAft>
+              <a:buFont typeface="Arial" panose="020B0604020202020204" pitchFamily="34" charset="0"/>
+              <a:buChar char="•"/>
+            </a:pPr>
+            <a:r>
+              <a:rPr lang="en-GB" sz="2400" dirty="0"/>
+              <a:t>Trained for 10 million frames with replay memory of 1 million most recent frames. </a:t>
+            </a:r>
+          </a:p>
+          <a:p>
+            <a:pPr marL="342900" indent="-342900">
+              <a:spcAft>
+                <a:spcPts val="600"/>
+              </a:spcAft>
+              <a:buFont typeface="Arial" panose="020B0604020202020204" pitchFamily="34" charset="0"/>
+              <a:buChar char="•"/>
+            </a:pPr>
+            <a:r>
+              <a:rPr lang="en-GB" sz="2400" dirty="0"/>
+              <a:t>Minibatches of size 32.</a:t>
+            </a:r>
+          </a:p>
+          <a:p>
+            <a:pPr marL="342900" indent="-342900">
+              <a:spcAft>
+                <a:spcPts val="600"/>
+              </a:spcAft>
+              <a:buFont typeface="Arial" panose="020B0604020202020204" pitchFamily="34" charset="0"/>
+              <a:buChar char="•"/>
+            </a:pPr>
+            <a:r>
+              <a:rPr lang="en-GB" sz="2400" dirty="0"/>
+              <a:t>Using a greedy policy during training. Greediness annealed linearly from 1 to 0.1 over the first million frames. </a:t>
+            </a:r>
+          </a:p>
+          <a:p>
+            <a:pPr marL="342900" indent="-342900">
+              <a:spcAft>
+                <a:spcPts val="600"/>
+              </a:spcAft>
+              <a:buFont typeface="Arial" panose="020B0604020202020204" pitchFamily="34" charset="0"/>
+              <a:buChar char="•"/>
+            </a:pPr>
+            <a:r>
+              <a:rPr lang="en-GB" sz="2400" dirty="0"/>
+              <a:t>Frame skipping technique, agent sees and acts every kth frame</a:t>
+            </a:r>
+          </a:p>
+          <a:p>
+            <a:pPr marL="800100" lvl="1" indent="-342900">
+              <a:spcAft>
+                <a:spcPts val="600"/>
+              </a:spcAft>
+              <a:buFont typeface="Arial" panose="020B0604020202020204" pitchFamily="34" charset="0"/>
+              <a:buChar char="•"/>
+            </a:pPr>
+            <a:r>
+              <a:rPr lang="en-GB" sz="2400" dirty="0"/>
+              <a:t>K = 3 for Space Invaders</a:t>
+            </a:r>
+          </a:p>
+          <a:p>
+            <a:pPr marL="800100" lvl="1" indent="-342900">
+              <a:spcAft>
+                <a:spcPts val="600"/>
+              </a:spcAft>
+              <a:buFont typeface="Arial" panose="020B0604020202020204" pitchFamily="34" charset="0"/>
+              <a:buChar char="•"/>
+            </a:pPr>
+            <a:r>
+              <a:rPr lang="en-GB" sz="2400" dirty="0"/>
+              <a:t>K = 4 for all other games</a:t>
             </a:r>
           </a:p>
         </p:txBody>
